--- a/09_crossvalidation_at_scale/Hyperparameters.pptx
+++ b/09_crossvalidation_at_scale/Hyperparameters.pptx
@@ -5,20 +5,27 @@
     <p:sldMasterId id="2147483648" r:id="rId1"/>
   </p:sldMasterIdLst>
   <p:notesMasterIdLst>
-    <p:notesMasterId r:id="rId10"/>
+    <p:notesMasterId r:id="rId17"/>
   </p:notesMasterIdLst>
   <p:handoutMasterIdLst>
-    <p:handoutMasterId r:id="rId11"/>
+    <p:handoutMasterId r:id="rId18"/>
   </p:handoutMasterIdLst>
   <p:sldIdLst>
     <p:sldId id="256" r:id="rId2"/>
     <p:sldId id="257" r:id="rId3"/>
     <p:sldId id="258" r:id="rId4"/>
-    <p:sldId id="263" r:id="rId5"/>
-    <p:sldId id="259" r:id="rId6"/>
-    <p:sldId id="260" r:id="rId7"/>
-    <p:sldId id="261" r:id="rId8"/>
-    <p:sldId id="262" r:id="rId9"/>
+    <p:sldId id="264" r:id="rId5"/>
+    <p:sldId id="265" r:id="rId6"/>
+    <p:sldId id="266" r:id="rId7"/>
+    <p:sldId id="268" r:id="rId8"/>
+    <p:sldId id="269" r:id="rId9"/>
+    <p:sldId id="270" r:id="rId10"/>
+    <p:sldId id="263" r:id="rId11"/>
+    <p:sldId id="259" r:id="rId12"/>
+    <p:sldId id="267" r:id="rId13"/>
+    <p:sldId id="260" r:id="rId14"/>
+    <p:sldId id="261" r:id="rId15"/>
+    <p:sldId id="262" r:id="rId16"/>
   </p:sldIdLst>
   <p:sldSz cx="12192000" cy="6858000"/>
   <p:notesSz cx="6858000" cy="9144000"/>
@@ -222,7 +229,7 @@
           <a:p>
             <a:fld id="{D75CAE95-D2DD-4998-876A-092BFD628C65}" type="datetimeFigureOut">
               <a:rPr lang="da-DK" smtClean="0"/>
-              <a:t>28-04-2021</a:t>
+              <a:t>21-05-2021</a:t>
             </a:fld>
             <a:endParaRPr lang="da-DK"/>
           </a:p>
@@ -400,7 +407,7 @@
           <a:p>
             <a:fld id="{1DA8E099-58AA-4136-B409-1CAD1943D842}" type="datetimeFigureOut">
               <a:rPr lang="da-DK" smtClean="0"/>
-              <a:t>28-04-2021</a:t>
+              <a:t>21-05-2021</a:t>
             </a:fld>
             <a:endParaRPr lang="da-DK"/>
           </a:p>
@@ -818,7 +825,7 @@
           <a:p>
             <a:fld id="{C85334AD-9960-4065-BF34-86ED0345A76D}" type="datetime1">
               <a:rPr lang="en-US" smtClean="0"/>
-              <a:t>4/28/2021</a:t>
+              <a:t>5/21/2021</a:t>
             </a:fld>
             <a:endParaRPr lang="da-DK"/>
           </a:p>
@@ -1057,7 +1064,7 @@
           <a:p>
             <a:fld id="{C5669758-3775-48D7-A841-693E908C3BF4}" type="datetime1">
               <a:rPr lang="en-US" smtClean="0"/>
-              <a:t>4/28/2021</a:t>
+              <a:t>5/21/2021</a:t>
             </a:fld>
             <a:endParaRPr lang="da-DK"/>
           </a:p>
@@ -1270,7 +1277,7 @@
           <a:p>
             <a:fld id="{1E0C3FF1-EDBD-4F2A-8366-34A4E3728310}" type="datetime1">
               <a:rPr lang="en-US" smtClean="0"/>
-              <a:t>4/28/2021</a:t>
+              <a:t>5/21/2021</a:t>
             </a:fld>
             <a:endParaRPr lang="da-DK"/>
           </a:p>
@@ -1491,7 +1498,7 @@
           <a:p>
             <a:fld id="{019E29B9-5584-4737-9C98-1B926378C778}" type="datetime1">
               <a:rPr lang="en-US" smtClean="0"/>
-              <a:t>4/28/2021</a:t>
+              <a:t>5/21/2021</a:t>
             </a:fld>
             <a:endParaRPr lang="da-DK"/>
           </a:p>
@@ -1806,7 +1813,7 @@
           <a:p>
             <a:fld id="{FCE38F03-F67D-4508-A858-99FCD085087C}" type="datetime1">
               <a:rPr lang="en-US" smtClean="0"/>
-              <a:t>4/28/2021</a:t>
+              <a:t>5/21/2021</a:t>
             </a:fld>
             <a:endParaRPr lang="da-DK"/>
           </a:p>
@@ -2077,7 +2084,7 @@
           <a:p>
             <a:fld id="{B43F2930-3FFD-4F93-A4BD-4F0D1A0B4514}" type="datetime1">
               <a:rPr lang="en-US" smtClean="0"/>
-              <a:t>4/28/2021</a:t>
+              <a:t>5/21/2021</a:t>
             </a:fld>
             <a:endParaRPr lang="da-DK"/>
           </a:p>
@@ -2495,7 +2502,7 @@
           <a:p>
             <a:fld id="{8E0F9B9B-30CC-4693-8E0F-1A94A979E2C5}" type="datetime1">
               <a:rPr lang="en-US" smtClean="0"/>
-              <a:t>4/28/2021</a:t>
+              <a:t>5/21/2021</a:t>
             </a:fld>
             <a:endParaRPr lang="da-DK"/>
           </a:p>
@@ -2640,7 +2647,7 @@
           <a:p>
             <a:fld id="{6FE1433B-E6A7-44FF-8B55-539471B4D7C5}" type="datetime1">
               <a:rPr lang="en-US" smtClean="0"/>
-              <a:t>4/28/2021</a:t>
+              <a:t>5/21/2021</a:t>
             </a:fld>
             <a:endParaRPr lang="da-DK"/>
           </a:p>
@@ -2756,7 +2763,7 @@
           <a:p>
             <a:fld id="{624F4001-6A8C-42DA-824F-B5CC1375B861}" type="datetime1">
               <a:rPr lang="en-US" smtClean="0"/>
-              <a:t>4/28/2021</a:t>
+              <a:t>5/21/2021</a:t>
             </a:fld>
             <a:endParaRPr lang="da-DK"/>
           </a:p>
@@ -3072,7 +3079,7 @@
           <a:p>
             <a:fld id="{2D3BE137-2C5E-4078-8BA2-7D42D7E67218}" type="datetime1">
               <a:rPr lang="en-US" smtClean="0"/>
-              <a:t>4/28/2021</a:t>
+              <a:t>5/21/2021</a:t>
             </a:fld>
             <a:endParaRPr lang="da-DK"/>
           </a:p>
@@ -3364,7 +3371,7 @@
           <a:p>
             <a:fld id="{0D1436FF-56D3-4E93-92E8-71121EAB120E}" type="datetime1">
               <a:rPr lang="en-US" smtClean="0"/>
-              <a:t>4/28/2021</a:t>
+              <a:t>5/21/2021</a:t>
             </a:fld>
             <a:endParaRPr lang="da-DK"/>
           </a:p>
@@ -3610,7 +3617,7 @@
           <a:p>
             <a:fld id="{16601EF2-4BCA-4009-ACCF-B97F259DEF6F}" type="datetime1">
               <a:rPr lang="en-US" smtClean="0"/>
-              <a:t>4/28/2021</a:t>
+              <a:t>5/21/2021</a:t>
             </a:fld>
             <a:endParaRPr lang="da-DK"/>
           </a:p>
@@ -4133,6 +4140,1528 @@
 </p:sld>
 </file>
 
+<file path=ppt/slides/slide10.xml><?xml version="1.0" encoding="utf-8"?>
+<p:sld xmlns:a="http://schemas.openxmlformats.org/drawingml/2006/main" xmlns:r="http://schemas.openxmlformats.org/officeDocument/2006/relationships" xmlns:p="http://schemas.openxmlformats.org/presentationml/2006/main">
+  <p:cSld>
+    <p:spTree>
+      <p:nvGrpSpPr>
+        <p:cNvPr id="1" name=""/>
+        <p:cNvGrpSpPr/>
+        <p:nvPr/>
+      </p:nvGrpSpPr>
+      <p:grpSpPr>
+        <a:xfrm>
+          <a:off x="0" y="0"/>
+          <a:ext cx="0" cy="0"/>
+          <a:chOff x="0" y="0"/>
+          <a:chExt cx="0" cy="0"/>
+        </a:xfrm>
+      </p:grpSpPr>
+      <p:sp>
+        <p:nvSpPr>
+          <p:cNvPr id="2" name="Title 1">
+            <a:extLst>
+              <a:ext uri="{FF2B5EF4-FFF2-40B4-BE49-F238E27FC236}">
+                <a16:creationId xmlns:a16="http://schemas.microsoft.com/office/drawing/2014/main" id="{E45F7B07-21E9-4F7E-9CD6-335BAFB45DE9}"/>
+              </a:ext>
+            </a:extLst>
+          </p:cNvPr>
+          <p:cNvSpPr>
+            <a:spLocks noGrp="1"/>
+          </p:cNvSpPr>
+          <p:nvPr>
+            <p:ph type="title"/>
+          </p:nvPr>
+        </p:nvSpPr>
+        <p:spPr/>
+        <p:txBody>
+          <a:bodyPr/>
+          <a:lstStyle/>
+          <a:p>
+            <a:r>
+              <a:rPr lang="da-DK" dirty="0"/>
+              <a:t>What about doing grid search?</a:t>
+            </a:r>
+          </a:p>
+        </p:txBody>
+      </p:sp>
+      <p:sp>
+        <p:nvSpPr>
+          <p:cNvPr id="3" name="Content Placeholder 2">
+            <a:extLst>
+              <a:ext uri="{FF2B5EF4-FFF2-40B4-BE49-F238E27FC236}">
+                <a16:creationId xmlns:a16="http://schemas.microsoft.com/office/drawing/2014/main" id="{6FE0F872-928D-4E85-8B50-AF6CBED0DED7}"/>
+              </a:ext>
+            </a:extLst>
+          </p:cNvPr>
+          <p:cNvSpPr>
+            <a:spLocks noGrp="1"/>
+          </p:cNvSpPr>
+          <p:nvPr>
+            <p:ph idx="1"/>
+          </p:nvPr>
+        </p:nvSpPr>
+        <p:spPr/>
+        <p:txBody>
+          <a:bodyPr>
+            <a:normAutofit lnSpcReduction="10000"/>
+          </a:bodyPr>
+          <a:lstStyle/>
+          <a:p>
+            <a:pPr marL="0" indent="0">
+              <a:buNone/>
+            </a:pPr>
+            <a:r>
+              <a:rPr lang="da-DK" dirty="0"/>
+              <a:t>Curse of dimensionality?</a:t>
+            </a:r>
+          </a:p>
+          <a:p>
+            <a:pPr marL="0" indent="0">
+              <a:buNone/>
+            </a:pPr>
+            <a:endParaRPr lang="da-DK" dirty="0"/>
+          </a:p>
+          <a:p>
+            <a:pPr marL="0" indent="0">
+              <a:buNone/>
+            </a:pPr>
+            <a:endParaRPr lang="da-DK" dirty="0"/>
+          </a:p>
+          <a:p>
+            <a:pPr marL="0" indent="0">
+              <a:buNone/>
+            </a:pPr>
+            <a:endParaRPr lang="da-DK" dirty="0"/>
+          </a:p>
+          <a:p>
+            <a:pPr marL="0" indent="0">
+              <a:buNone/>
+            </a:pPr>
+            <a:endParaRPr lang="da-DK" dirty="0"/>
+          </a:p>
+          <a:p>
+            <a:pPr marL="0" indent="0">
+              <a:buNone/>
+            </a:pPr>
+            <a:endParaRPr lang="da-DK" dirty="0"/>
+          </a:p>
+          <a:p>
+            <a:pPr marL="0" indent="0">
+              <a:buNone/>
+            </a:pPr>
+            <a:endParaRPr lang="da-DK" dirty="0"/>
+          </a:p>
+          <a:p>
+            <a:pPr marL="0" indent="0">
+              <a:buNone/>
+            </a:pPr>
+            <a:endParaRPr lang="da-DK" dirty="0"/>
+          </a:p>
+          <a:p>
+            <a:pPr marL="0" indent="0">
+              <a:buNone/>
+            </a:pPr>
+            <a:r>
+              <a:rPr lang="da-DK" dirty="0"/>
+              <a:t>The number of combinations grows exponentially in the number of parameters we try to optimize.</a:t>
+            </a:r>
+          </a:p>
+          <a:p>
+            <a:pPr marL="0" indent="0">
+              <a:buNone/>
+            </a:pPr>
+            <a:endParaRPr lang="da-DK" dirty="0"/>
+          </a:p>
+        </p:txBody>
+      </p:sp>
+      <p:sp>
+        <p:nvSpPr>
+          <p:cNvPr id="4" name="Date Placeholder 3">
+            <a:extLst>
+              <a:ext uri="{FF2B5EF4-FFF2-40B4-BE49-F238E27FC236}">
+                <a16:creationId xmlns:a16="http://schemas.microsoft.com/office/drawing/2014/main" id="{9F9190A6-2CF1-4070-BD68-D7AD082B9A65}"/>
+              </a:ext>
+            </a:extLst>
+          </p:cNvPr>
+          <p:cNvSpPr>
+            <a:spLocks noGrp="1"/>
+          </p:cNvSpPr>
+          <p:nvPr>
+            <p:ph type="dt" sz="half" idx="10"/>
+          </p:nvPr>
+        </p:nvSpPr>
+        <p:spPr/>
+        <p:txBody>
+          <a:bodyPr/>
+          <a:lstStyle/>
+          <a:p>
+            <a:fld id="{019E29B9-5584-4737-9C98-1B926378C778}" type="datetime1">
+              <a:rPr lang="en-US" smtClean="0"/>
+              <a:t>5/21/2021</a:t>
+            </a:fld>
+            <a:endParaRPr lang="da-DK"/>
+          </a:p>
+        </p:txBody>
+      </p:sp>
+      <p:sp>
+        <p:nvSpPr>
+          <p:cNvPr id="5" name="Footer Placeholder 4">
+            <a:extLst>
+              <a:ext uri="{FF2B5EF4-FFF2-40B4-BE49-F238E27FC236}">
+                <a16:creationId xmlns:a16="http://schemas.microsoft.com/office/drawing/2014/main" id="{32F0BBFF-29A3-4CA8-9D13-3E3FD592776B}"/>
+              </a:ext>
+            </a:extLst>
+          </p:cNvPr>
+          <p:cNvSpPr>
+            <a:spLocks noGrp="1"/>
+          </p:cNvSpPr>
+          <p:nvPr>
+            <p:ph type="ftr" sz="quarter" idx="11"/>
+          </p:nvPr>
+        </p:nvSpPr>
+        <p:spPr/>
+        <p:txBody>
+          <a:bodyPr/>
+          <a:lstStyle/>
+          <a:p>
+            <a:r>
+              <a:rPr lang="da-DK"/>
+              <a:t>Nicki Skafte Detlefsen</a:t>
+            </a:r>
+          </a:p>
+        </p:txBody>
+      </p:sp>
+      <p:sp>
+        <p:nvSpPr>
+          <p:cNvPr id="6" name="Slide Number Placeholder 5">
+            <a:extLst>
+              <a:ext uri="{FF2B5EF4-FFF2-40B4-BE49-F238E27FC236}">
+                <a16:creationId xmlns:a16="http://schemas.microsoft.com/office/drawing/2014/main" id="{5FDFD2DD-4E39-434E-9AE8-C6415C2E8649}"/>
+              </a:ext>
+            </a:extLst>
+          </p:cNvPr>
+          <p:cNvSpPr>
+            <a:spLocks noGrp="1"/>
+          </p:cNvSpPr>
+          <p:nvPr>
+            <p:ph type="sldNum" sz="quarter" idx="12"/>
+          </p:nvPr>
+        </p:nvSpPr>
+        <p:spPr/>
+        <p:txBody>
+          <a:bodyPr/>
+          <a:lstStyle/>
+          <a:p>
+            <a:fld id="{F6FEDE24-D50C-481B-A7B4-8AF13899101A}" type="slidenum">
+              <a:rPr lang="da-DK" smtClean="0"/>
+              <a:t>10</a:t>
+            </a:fld>
+            <a:endParaRPr lang="da-DK"/>
+          </a:p>
+        </p:txBody>
+      </p:sp>
+      <p:pic>
+        <p:nvPicPr>
+          <p:cNvPr id="8" name="Picture 7" descr="Diagram&#10;&#10;Description automatically generated with medium confidence">
+            <a:extLst>
+              <a:ext uri="{FF2B5EF4-FFF2-40B4-BE49-F238E27FC236}">
+                <a16:creationId xmlns:a16="http://schemas.microsoft.com/office/drawing/2014/main" id="{E62A03A3-4600-4CE2-B444-D0E37D36C609}"/>
+              </a:ext>
+            </a:extLst>
+          </p:cNvPr>
+          <p:cNvPicPr>
+            <a:picLocks noChangeAspect="1"/>
+          </p:cNvPicPr>
+          <p:nvPr/>
+        </p:nvPicPr>
+        <p:blipFill>
+          <a:blip r:embed="rId2">
+            <a:extLst>
+              <a:ext uri="{28A0092B-C50C-407E-A947-70E740481C1C}">
+                <a14:useLocalDpi xmlns:a14="http://schemas.microsoft.com/office/drawing/2010/main" val="0"/>
+              </a:ext>
+            </a:extLst>
+          </a:blip>
+          <a:stretch>
+            <a:fillRect/>
+          </a:stretch>
+        </p:blipFill>
+        <p:spPr>
+          <a:xfrm>
+            <a:off x="1863304" y="1949942"/>
+            <a:ext cx="8465391" cy="2958116"/>
+          </a:xfrm>
+          <a:prstGeom prst="rect">
+            <a:avLst/>
+          </a:prstGeom>
+        </p:spPr>
+      </p:pic>
+    </p:spTree>
+    <p:extLst>
+      <p:ext uri="{BB962C8B-B14F-4D97-AF65-F5344CB8AC3E}">
+        <p14:creationId xmlns:p14="http://schemas.microsoft.com/office/powerpoint/2010/main" val="1479205863"/>
+      </p:ext>
+    </p:extLst>
+  </p:cSld>
+  <p:clrMapOvr>
+    <a:masterClrMapping/>
+  </p:clrMapOvr>
+</p:sld>
+</file>
+
+<file path=ppt/slides/slide11.xml><?xml version="1.0" encoding="utf-8"?>
+<p:sld xmlns:a="http://schemas.openxmlformats.org/drawingml/2006/main" xmlns:r="http://schemas.openxmlformats.org/officeDocument/2006/relationships" xmlns:p="http://schemas.openxmlformats.org/presentationml/2006/main">
+  <p:cSld>
+    <p:spTree>
+      <p:nvGrpSpPr>
+        <p:cNvPr id="1" name=""/>
+        <p:cNvGrpSpPr/>
+        <p:nvPr/>
+      </p:nvGrpSpPr>
+      <p:grpSpPr>
+        <a:xfrm>
+          <a:off x="0" y="0"/>
+          <a:ext cx="0" cy="0"/>
+          <a:chOff x="0" y="0"/>
+          <a:chExt cx="0" cy="0"/>
+        </a:xfrm>
+      </p:grpSpPr>
+      <p:sp>
+        <p:nvSpPr>
+          <p:cNvPr id="2" name="Title 1">
+            <a:extLst>
+              <a:ext uri="{FF2B5EF4-FFF2-40B4-BE49-F238E27FC236}">
+                <a16:creationId xmlns:a16="http://schemas.microsoft.com/office/drawing/2014/main" id="{F816FD17-BBD6-496A-8804-A3DABF5A234F}"/>
+              </a:ext>
+            </a:extLst>
+          </p:cNvPr>
+          <p:cNvSpPr>
+            <a:spLocks noGrp="1"/>
+          </p:cNvSpPr>
+          <p:nvPr>
+            <p:ph type="title"/>
+          </p:nvPr>
+        </p:nvSpPr>
+        <p:spPr/>
+        <p:txBody>
+          <a:bodyPr/>
+          <a:lstStyle/>
+          <a:p>
+            <a:r>
+              <a:rPr lang="da-DK" dirty="0"/>
+              <a:t>Baysian to the rescue</a:t>
+            </a:r>
+          </a:p>
+        </p:txBody>
+      </p:sp>
+      <mc:AlternateContent xmlns:mc="http://schemas.openxmlformats.org/markup-compatibility/2006">
+        <mc:Choice xmlns:a14="http://schemas.microsoft.com/office/drawing/2010/main" Requires="a14">
+          <p:sp>
+            <p:nvSpPr>
+              <p:cNvPr id="3" name="Content Placeholder 2">
+                <a:extLst>
+                  <a:ext uri="{FF2B5EF4-FFF2-40B4-BE49-F238E27FC236}">
+                    <a16:creationId xmlns:a16="http://schemas.microsoft.com/office/drawing/2014/main" id="{C67AF617-689B-4AC0-AD53-5F7170662167}"/>
+                  </a:ext>
+                </a:extLst>
+              </p:cNvPr>
+              <p:cNvSpPr>
+                <a:spLocks noGrp="1"/>
+              </p:cNvSpPr>
+              <p:nvPr>
+                <p:ph idx="1"/>
+              </p:nvPr>
+            </p:nvSpPr>
+            <p:spPr>
+              <a:xfrm>
+                <a:off x="838200" y="1343608"/>
+                <a:ext cx="5946708" cy="4833355"/>
+              </a:xfrm>
+            </p:spPr>
+            <p:txBody>
+              <a:bodyPr/>
+              <a:lstStyle/>
+              <a:p>
+                <a:pPr marL="0" indent="0">
+                  <a:buNone/>
+                </a:pPr>
+                <a:r>
+                  <a:rPr lang="da-DK" dirty="0"/>
+                  <a:t>Baysian optimization tries to find solution to the problems of the form</a:t>
+                </a:r>
+              </a:p>
+              <a:p>
+                <a:pPr marL="0" indent="0">
+                  <a:buNone/>
+                </a:pPr>
+                <a14:m>
+                  <m:oMathPara xmlns:m="http://schemas.openxmlformats.org/officeDocument/2006/math">
+                    <m:oMathParaPr>
+                      <m:jc m:val="centerGroup"/>
+                    </m:oMathParaPr>
+                    <m:oMath xmlns:m="http://schemas.openxmlformats.org/officeDocument/2006/math">
+                      <m:func>
+                        <m:funcPr>
+                          <m:ctrlPr>
+                            <a:rPr lang="da-DK" b="0" i="1" smtClean="0">
+                              <a:latin typeface="Cambria Math" panose="02040503050406030204" pitchFamily="18" charset="0"/>
+                            </a:rPr>
+                          </m:ctrlPr>
+                        </m:funcPr>
+                        <m:fName>
+                          <m:limLow>
+                            <m:limLowPr>
+                              <m:ctrlPr>
+                                <a:rPr lang="da-DK" b="0" i="1" smtClean="0">
+                                  <a:latin typeface="Cambria Math" panose="02040503050406030204" pitchFamily="18" charset="0"/>
+                                </a:rPr>
+                              </m:ctrlPr>
+                            </m:limLowPr>
+                            <m:e>
+                              <m:r>
+                                <m:rPr>
+                                  <m:sty m:val="p"/>
+                                </m:rPr>
+                                <a:rPr lang="da-DK" b="0" i="0" smtClean="0">
+                                  <a:latin typeface="Cambria Math" panose="02040503050406030204" pitchFamily="18" charset="0"/>
+                                </a:rPr>
+                                <m:t>max</m:t>
+                              </m:r>
+                            </m:e>
+                            <m:lim>
+                              <m:r>
+                                <a:rPr lang="da-DK" b="0" i="1" smtClean="0">
+                                  <a:latin typeface="Cambria Math" panose="02040503050406030204" pitchFamily="18" charset="0"/>
+                                </a:rPr>
+                                <m:t>𝑥</m:t>
+                              </m:r>
+                              <m:r>
+                                <a:rPr lang="da-DK" b="0" i="1" smtClean="0">
+                                  <a:latin typeface="Cambria Math" panose="02040503050406030204" pitchFamily="18" charset="0"/>
+                                </a:rPr>
+                                <m:t>∈</m:t>
+                              </m:r>
+                              <m:r>
+                                <a:rPr lang="da-DK" b="0" i="1" smtClean="0">
+                                  <a:latin typeface="Cambria Math" panose="02040503050406030204" pitchFamily="18" charset="0"/>
+                                </a:rPr>
+                                <m:t>𝐴</m:t>
+                              </m:r>
+                            </m:lim>
+                          </m:limLow>
+                        </m:fName>
+                        <m:e>
+                          <m:r>
+                            <a:rPr lang="da-DK" b="0" i="1" smtClean="0">
+                              <a:latin typeface="Cambria Math" panose="02040503050406030204" pitchFamily="18" charset="0"/>
+                            </a:rPr>
+                            <m:t>𝑓</m:t>
+                          </m:r>
+                          <m:r>
+                            <a:rPr lang="da-DK" b="0" i="1" smtClean="0">
+                              <a:latin typeface="Cambria Math" panose="02040503050406030204" pitchFamily="18" charset="0"/>
+                            </a:rPr>
+                            <m:t>(</m:t>
+                          </m:r>
+                          <m:r>
+                            <a:rPr lang="da-DK" b="0" i="1" smtClean="0">
+                              <a:latin typeface="Cambria Math" panose="02040503050406030204" pitchFamily="18" charset="0"/>
+                            </a:rPr>
+                            <m:t>𝑥</m:t>
+                          </m:r>
+                          <m:r>
+                            <a:rPr lang="da-DK" b="0" i="1" smtClean="0">
+                              <a:latin typeface="Cambria Math" panose="02040503050406030204" pitchFamily="18" charset="0"/>
+                            </a:rPr>
+                            <m:t>)</m:t>
+                          </m:r>
+                        </m:e>
+                      </m:func>
+                    </m:oMath>
+                  </m:oMathPara>
+                </a14:m>
+                <a:endParaRPr lang="da-DK" b="0" dirty="0"/>
+              </a:p>
+              <a:p>
+                <a:pPr marL="0" indent="0">
+                  <a:buNone/>
+                </a:pPr>
+                <a:r>
+                  <a:rPr lang="da-DK" dirty="0"/>
+                  <a:t>Where A is known but </a:t>
+                </a:r>
+                <a14:m>
+                  <m:oMath xmlns:m="http://schemas.openxmlformats.org/officeDocument/2006/math">
+                    <m:r>
+                      <a:rPr lang="da-DK" b="0" i="1" smtClean="0">
+                        <a:latin typeface="Cambria Math" panose="02040503050406030204" pitchFamily="18" charset="0"/>
+                      </a:rPr>
+                      <m:t>𝑓</m:t>
+                    </m:r>
+                  </m:oMath>
+                </a14:m>
+                <a:r>
+                  <a:rPr lang="da-DK" dirty="0"/>
+                  <a:t> may be arbitarily complex</a:t>
+                </a:r>
+              </a:p>
+              <a:p>
+                <a:pPr marL="0" indent="0">
+                  <a:buNone/>
+                </a:pPr>
+                <a:endParaRPr lang="da-DK" dirty="0"/>
+              </a:p>
+              <a:p>
+                <a:pPr marL="0" indent="0">
+                  <a:buNone/>
+                </a:pPr>
+                <a:r>
+                  <a:rPr lang="da-DK" dirty="0"/>
+                  <a:t>Hyperparameter optimization of the neural networks fit this formulation perfectly meaning that the problem is already solved...</a:t>
+                </a:r>
+              </a:p>
+            </p:txBody>
+          </p:sp>
+        </mc:Choice>
+        <mc:Fallback>
+          <p:sp>
+            <p:nvSpPr>
+              <p:cNvPr id="3" name="Content Placeholder 2">
+                <a:extLst>
+                  <a:ext uri="{FF2B5EF4-FFF2-40B4-BE49-F238E27FC236}">
+                    <a16:creationId xmlns:a16="http://schemas.microsoft.com/office/drawing/2014/main" id="{C67AF617-689B-4AC0-AD53-5F7170662167}"/>
+                  </a:ext>
+                </a:extLst>
+              </p:cNvPr>
+              <p:cNvSpPr>
+                <a:spLocks noGrp="1" noRot="1" noChangeAspect="1" noMove="1" noResize="1" noEditPoints="1" noAdjustHandles="1" noChangeArrowheads="1" noChangeShapeType="1" noTextEdit="1"/>
+              </p:cNvSpPr>
+              <p:nvPr>
+                <p:ph idx="1"/>
+              </p:nvPr>
+            </p:nvSpPr>
+            <p:spPr>
+              <a:xfrm>
+                <a:off x="838200" y="1343608"/>
+                <a:ext cx="5946708" cy="4833355"/>
+              </a:xfrm>
+              <a:blipFill>
+                <a:blip r:embed="rId2"/>
+                <a:stretch>
+                  <a:fillRect l="-2154" t="-2018"/>
+                </a:stretch>
+              </a:blipFill>
+            </p:spPr>
+            <p:txBody>
+              <a:bodyPr/>
+              <a:lstStyle/>
+              <a:p>
+                <a:r>
+                  <a:rPr lang="da-DK">
+                    <a:noFill/>
+                  </a:rPr>
+                  <a:t> </a:t>
+                </a:r>
+              </a:p>
+            </p:txBody>
+          </p:sp>
+        </mc:Fallback>
+      </mc:AlternateContent>
+      <p:sp>
+        <p:nvSpPr>
+          <p:cNvPr id="4" name="Date Placeholder 3">
+            <a:extLst>
+              <a:ext uri="{FF2B5EF4-FFF2-40B4-BE49-F238E27FC236}">
+                <a16:creationId xmlns:a16="http://schemas.microsoft.com/office/drawing/2014/main" id="{A2FD9BA9-94AF-41B5-86EF-495D60711F4A}"/>
+              </a:ext>
+            </a:extLst>
+          </p:cNvPr>
+          <p:cNvSpPr>
+            <a:spLocks noGrp="1"/>
+          </p:cNvSpPr>
+          <p:nvPr>
+            <p:ph type="dt" sz="half" idx="10"/>
+          </p:nvPr>
+        </p:nvSpPr>
+        <p:spPr/>
+        <p:txBody>
+          <a:bodyPr/>
+          <a:lstStyle/>
+          <a:p>
+            <a:fld id="{019E29B9-5584-4737-9C98-1B926378C778}" type="datetime1">
+              <a:rPr lang="en-US" smtClean="0"/>
+              <a:t>5/21/2021</a:t>
+            </a:fld>
+            <a:endParaRPr lang="da-DK"/>
+          </a:p>
+        </p:txBody>
+      </p:sp>
+      <p:sp>
+        <p:nvSpPr>
+          <p:cNvPr id="5" name="Footer Placeholder 4">
+            <a:extLst>
+              <a:ext uri="{FF2B5EF4-FFF2-40B4-BE49-F238E27FC236}">
+                <a16:creationId xmlns:a16="http://schemas.microsoft.com/office/drawing/2014/main" id="{FD895FF5-2B5F-479E-A78F-A8B594941BA5}"/>
+              </a:ext>
+            </a:extLst>
+          </p:cNvPr>
+          <p:cNvSpPr>
+            <a:spLocks noGrp="1"/>
+          </p:cNvSpPr>
+          <p:nvPr>
+            <p:ph type="ftr" sz="quarter" idx="11"/>
+          </p:nvPr>
+        </p:nvSpPr>
+        <p:spPr/>
+        <p:txBody>
+          <a:bodyPr/>
+          <a:lstStyle/>
+          <a:p>
+            <a:r>
+              <a:rPr lang="da-DK"/>
+              <a:t>Nicki Skafte Detlefsen</a:t>
+            </a:r>
+          </a:p>
+        </p:txBody>
+      </p:sp>
+      <p:sp>
+        <p:nvSpPr>
+          <p:cNvPr id="6" name="Slide Number Placeholder 5">
+            <a:extLst>
+              <a:ext uri="{FF2B5EF4-FFF2-40B4-BE49-F238E27FC236}">
+                <a16:creationId xmlns:a16="http://schemas.microsoft.com/office/drawing/2014/main" id="{8FD66691-0416-4966-B214-54D05CC90D47}"/>
+              </a:ext>
+            </a:extLst>
+          </p:cNvPr>
+          <p:cNvSpPr>
+            <a:spLocks noGrp="1"/>
+          </p:cNvSpPr>
+          <p:nvPr>
+            <p:ph type="sldNum" sz="quarter" idx="12"/>
+          </p:nvPr>
+        </p:nvSpPr>
+        <p:spPr/>
+        <p:txBody>
+          <a:bodyPr/>
+          <a:lstStyle/>
+          <a:p>
+            <a:fld id="{F6FEDE24-D50C-481B-A7B4-8AF13899101A}" type="slidenum">
+              <a:rPr lang="da-DK" smtClean="0"/>
+              <a:t>11</a:t>
+            </a:fld>
+            <a:endParaRPr lang="da-DK"/>
+          </a:p>
+        </p:txBody>
+      </p:sp>
+      <p:pic>
+        <p:nvPicPr>
+          <p:cNvPr id="10" name="Picture 9" descr="A person wearing sunglasses&#10;&#10;Description automatically generated with medium confidence">
+            <a:extLst>
+              <a:ext uri="{FF2B5EF4-FFF2-40B4-BE49-F238E27FC236}">
+                <a16:creationId xmlns:a16="http://schemas.microsoft.com/office/drawing/2014/main" id="{A553DB91-C226-421E-8463-0FD78F38B47F}"/>
+              </a:ext>
+            </a:extLst>
+          </p:cNvPr>
+          <p:cNvPicPr>
+            <a:picLocks noChangeAspect="1"/>
+          </p:cNvPicPr>
+          <p:nvPr/>
+        </p:nvPicPr>
+        <p:blipFill>
+          <a:blip r:embed="rId3">
+            <a:extLst>
+              <a:ext uri="{28A0092B-C50C-407E-A947-70E740481C1C}">
+                <a14:useLocalDpi xmlns:a14="http://schemas.microsoft.com/office/drawing/2010/main" val="0"/>
+              </a:ext>
+            </a:extLst>
+          </a:blip>
+          <a:stretch>
+            <a:fillRect/>
+          </a:stretch>
+        </p:blipFill>
+        <p:spPr>
+          <a:xfrm>
+            <a:off x="7158445" y="1457437"/>
+            <a:ext cx="4651932" cy="4651932"/>
+          </a:xfrm>
+          <a:prstGeom prst="rect">
+            <a:avLst/>
+          </a:prstGeom>
+        </p:spPr>
+      </p:pic>
+    </p:spTree>
+    <p:extLst>
+      <p:ext uri="{BB962C8B-B14F-4D97-AF65-F5344CB8AC3E}">
+        <p14:creationId xmlns:p14="http://schemas.microsoft.com/office/powerpoint/2010/main" val="146951144"/>
+      </p:ext>
+    </p:extLst>
+  </p:cSld>
+  <p:clrMapOvr>
+    <a:masterClrMapping/>
+  </p:clrMapOvr>
+</p:sld>
+</file>
+
+<file path=ppt/slides/slide12.xml><?xml version="1.0" encoding="utf-8"?>
+<p:sld xmlns:a="http://schemas.openxmlformats.org/drawingml/2006/main" xmlns:r="http://schemas.openxmlformats.org/officeDocument/2006/relationships" xmlns:p="http://schemas.openxmlformats.org/presentationml/2006/main">
+  <p:cSld>
+    <p:spTree>
+      <p:nvGrpSpPr>
+        <p:cNvPr id="1" name=""/>
+        <p:cNvGrpSpPr/>
+        <p:nvPr/>
+      </p:nvGrpSpPr>
+      <p:grpSpPr>
+        <a:xfrm>
+          <a:off x="0" y="0"/>
+          <a:ext cx="0" cy="0"/>
+          <a:chOff x="0" y="0"/>
+          <a:chExt cx="0" cy="0"/>
+        </a:xfrm>
+      </p:grpSpPr>
+      <p:sp>
+        <p:nvSpPr>
+          <p:cNvPr id="2" name="Title 1">
+            <a:extLst>
+              <a:ext uri="{FF2B5EF4-FFF2-40B4-BE49-F238E27FC236}">
+                <a16:creationId xmlns:a16="http://schemas.microsoft.com/office/drawing/2014/main" id="{D9FB80BE-A511-4D3D-B1F4-95AFCCFC7FA8}"/>
+              </a:ext>
+            </a:extLst>
+          </p:cNvPr>
+          <p:cNvSpPr>
+            <a:spLocks noGrp="1"/>
+          </p:cNvSpPr>
+          <p:nvPr>
+            <p:ph type="title"/>
+          </p:nvPr>
+        </p:nvSpPr>
+        <p:spPr/>
+        <p:txBody>
+          <a:bodyPr/>
+          <a:lstStyle/>
+          <a:p>
+            <a:r>
+              <a:rPr lang="da-DK" dirty="0"/>
+              <a:t>Sampler</a:t>
+            </a:r>
+          </a:p>
+        </p:txBody>
+      </p:sp>
+      <p:sp>
+        <p:nvSpPr>
+          <p:cNvPr id="3" name="Content Placeholder 2">
+            <a:extLst>
+              <a:ext uri="{FF2B5EF4-FFF2-40B4-BE49-F238E27FC236}">
+                <a16:creationId xmlns:a16="http://schemas.microsoft.com/office/drawing/2014/main" id="{E421535A-13F6-4706-BC30-C5DFD8772FA8}"/>
+              </a:ext>
+            </a:extLst>
+          </p:cNvPr>
+          <p:cNvSpPr>
+            <a:spLocks noGrp="1"/>
+          </p:cNvSpPr>
+          <p:nvPr>
+            <p:ph idx="1"/>
+          </p:nvPr>
+        </p:nvSpPr>
+        <p:spPr/>
+        <p:txBody>
+          <a:bodyPr/>
+          <a:lstStyle/>
+          <a:p>
+            <a:r>
+              <a:rPr lang="da-DK" b="1" dirty="0"/>
+              <a:t>NSGA-II</a:t>
+            </a:r>
+          </a:p>
+          <a:p>
+            <a:r>
+              <a:rPr lang="da-DK" dirty="0">
+                <a:hlinkClick r:id="rId2"/>
+              </a:rPr>
+              <a:t>https://ieeexplore.ieee.org/document/996017</a:t>
+            </a:r>
+            <a:endParaRPr lang="da-DK" dirty="0"/>
+          </a:p>
+          <a:p>
+            <a:r>
+              <a:rPr lang="da-DK" dirty="0"/>
+              <a:t>Evolutionary algorithm</a:t>
+            </a:r>
+          </a:p>
+          <a:p>
+            <a:endParaRPr lang="da-DK" dirty="0"/>
+          </a:p>
+          <a:p>
+            <a:endParaRPr lang="da-DK" dirty="0"/>
+          </a:p>
+          <a:p>
+            <a:pPr marL="0" indent="0">
+              <a:buNone/>
+            </a:pPr>
+            <a:endParaRPr lang="da-DK" dirty="0"/>
+          </a:p>
+        </p:txBody>
+      </p:sp>
+      <p:sp>
+        <p:nvSpPr>
+          <p:cNvPr id="4" name="Date Placeholder 3">
+            <a:extLst>
+              <a:ext uri="{FF2B5EF4-FFF2-40B4-BE49-F238E27FC236}">
+                <a16:creationId xmlns:a16="http://schemas.microsoft.com/office/drawing/2014/main" id="{57468BE4-997B-459D-91F3-5DAADD1BBD3A}"/>
+              </a:ext>
+            </a:extLst>
+          </p:cNvPr>
+          <p:cNvSpPr>
+            <a:spLocks noGrp="1"/>
+          </p:cNvSpPr>
+          <p:nvPr>
+            <p:ph type="dt" sz="half" idx="10"/>
+          </p:nvPr>
+        </p:nvSpPr>
+        <p:spPr/>
+        <p:txBody>
+          <a:bodyPr/>
+          <a:lstStyle/>
+          <a:p>
+            <a:fld id="{019E29B9-5584-4737-9C98-1B926378C778}" type="datetime1">
+              <a:rPr lang="en-US" smtClean="0"/>
+              <a:t>5/21/2021</a:t>
+            </a:fld>
+            <a:endParaRPr lang="da-DK"/>
+          </a:p>
+        </p:txBody>
+      </p:sp>
+      <p:sp>
+        <p:nvSpPr>
+          <p:cNvPr id="5" name="Footer Placeholder 4">
+            <a:extLst>
+              <a:ext uri="{FF2B5EF4-FFF2-40B4-BE49-F238E27FC236}">
+                <a16:creationId xmlns:a16="http://schemas.microsoft.com/office/drawing/2014/main" id="{3AE3E3C6-BFB3-4B5B-AB2B-EEE3FFC1F48A}"/>
+              </a:ext>
+            </a:extLst>
+          </p:cNvPr>
+          <p:cNvSpPr>
+            <a:spLocks noGrp="1"/>
+          </p:cNvSpPr>
+          <p:nvPr>
+            <p:ph type="ftr" sz="quarter" idx="11"/>
+          </p:nvPr>
+        </p:nvSpPr>
+        <p:spPr/>
+        <p:txBody>
+          <a:bodyPr/>
+          <a:lstStyle/>
+          <a:p>
+            <a:r>
+              <a:rPr lang="da-DK"/>
+              <a:t>Nicki Skafte Detlefsen</a:t>
+            </a:r>
+          </a:p>
+        </p:txBody>
+      </p:sp>
+      <p:sp>
+        <p:nvSpPr>
+          <p:cNvPr id="6" name="Slide Number Placeholder 5">
+            <a:extLst>
+              <a:ext uri="{FF2B5EF4-FFF2-40B4-BE49-F238E27FC236}">
+                <a16:creationId xmlns:a16="http://schemas.microsoft.com/office/drawing/2014/main" id="{C6A34D12-C47E-4301-8010-5B3E807D3D94}"/>
+              </a:ext>
+            </a:extLst>
+          </p:cNvPr>
+          <p:cNvSpPr>
+            <a:spLocks noGrp="1"/>
+          </p:cNvSpPr>
+          <p:nvPr>
+            <p:ph type="sldNum" sz="quarter" idx="12"/>
+          </p:nvPr>
+        </p:nvSpPr>
+        <p:spPr/>
+        <p:txBody>
+          <a:bodyPr/>
+          <a:lstStyle/>
+          <a:p>
+            <a:fld id="{F6FEDE24-D50C-481B-A7B4-8AF13899101A}" type="slidenum">
+              <a:rPr lang="da-DK" smtClean="0"/>
+              <a:t>12</a:t>
+            </a:fld>
+            <a:endParaRPr lang="da-DK"/>
+          </a:p>
+        </p:txBody>
+      </p:sp>
+    </p:spTree>
+    <p:extLst>
+      <p:ext uri="{BB962C8B-B14F-4D97-AF65-F5344CB8AC3E}">
+        <p14:creationId xmlns:p14="http://schemas.microsoft.com/office/powerpoint/2010/main" val="1023826806"/>
+      </p:ext>
+    </p:extLst>
+  </p:cSld>
+  <p:clrMapOvr>
+    <a:masterClrMapping/>
+  </p:clrMapOvr>
+</p:sld>
+</file>
+
+<file path=ppt/slides/slide13.xml><?xml version="1.0" encoding="utf-8"?>
+<p:sld xmlns:a="http://schemas.openxmlformats.org/drawingml/2006/main" xmlns:r="http://schemas.openxmlformats.org/officeDocument/2006/relationships" xmlns:p="http://schemas.openxmlformats.org/presentationml/2006/main">
+  <p:cSld>
+    <p:spTree>
+      <p:nvGrpSpPr>
+        <p:cNvPr id="1" name=""/>
+        <p:cNvGrpSpPr/>
+        <p:nvPr/>
+      </p:nvGrpSpPr>
+      <p:grpSpPr>
+        <a:xfrm>
+          <a:off x="0" y="0"/>
+          <a:ext cx="0" cy="0"/>
+          <a:chOff x="0" y="0"/>
+          <a:chExt cx="0" cy="0"/>
+        </a:xfrm>
+      </p:grpSpPr>
+      <p:sp>
+        <p:nvSpPr>
+          <p:cNvPr id="2" name="Title 1">
+            <a:extLst>
+              <a:ext uri="{FF2B5EF4-FFF2-40B4-BE49-F238E27FC236}">
+                <a16:creationId xmlns:a16="http://schemas.microsoft.com/office/drawing/2014/main" id="{9A93575A-2B34-44B0-9D6F-223847BB1BD2}"/>
+              </a:ext>
+            </a:extLst>
+          </p:cNvPr>
+          <p:cNvSpPr>
+            <a:spLocks noGrp="1"/>
+          </p:cNvSpPr>
+          <p:nvPr>
+            <p:ph type="title"/>
+          </p:nvPr>
+        </p:nvSpPr>
+        <p:spPr/>
+        <p:txBody>
+          <a:bodyPr/>
+          <a:lstStyle/>
+          <a:p>
+            <a:r>
+              <a:rPr lang="da-DK" dirty="0"/>
+              <a:t>Pruning</a:t>
+            </a:r>
+          </a:p>
+        </p:txBody>
+      </p:sp>
+      <p:sp>
+        <p:nvSpPr>
+          <p:cNvPr id="3" name="Content Placeholder 2">
+            <a:extLst>
+              <a:ext uri="{FF2B5EF4-FFF2-40B4-BE49-F238E27FC236}">
+                <a16:creationId xmlns:a16="http://schemas.microsoft.com/office/drawing/2014/main" id="{4CEE5350-00DC-4C1C-B818-DE24AABEB3E1}"/>
+              </a:ext>
+            </a:extLst>
+          </p:cNvPr>
+          <p:cNvSpPr>
+            <a:spLocks noGrp="1"/>
+          </p:cNvSpPr>
+          <p:nvPr>
+            <p:ph idx="1"/>
+          </p:nvPr>
+        </p:nvSpPr>
+        <p:spPr/>
+        <p:txBody>
+          <a:bodyPr/>
+          <a:lstStyle/>
+          <a:p>
+            <a:endParaRPr lang="da-DK" dirty="0"/>
+          </a:p>
+          <a:p>
+            <a:endParaRPr lang="da-DK" dirty="0"/>
+          </a:p>
+          <a:p>
+            <a:endParaRPr lang="da-DK" dirty="0"/>
+          </a:p>
+          <a:p>
+            <a:endParaRPr lang="da-DK" dirty="0"/>
+          </a:p>
+          <a:p>
+            <a:endParaRPr lang="da-DK" dirty="0"/>
+          </a:p>
+          <a:p>
+            <a:endParaRPr lang="da-DK" dirty="0"/>
+          </a:p>
+          <a:p>
+            <a:endParaRPr lang="da-DK" dirty="0"/>
+          </a:p>
+          <a:p>
+            <a:pPr marL="0" indent="0">
+              <a:buNone/>
+            </a:pPr>
+            <a:r>
+              <a:rPr lang="da-DK" dirty="0"/>
+              <a:t>Be carefull with over-pruning as you may loose some performance on the floor</a:t>
+            </a:r>
+          </a:p>
+        </p:txBody>
+      </p:sp>
+      <p:sp>
+        <p:nvSpPr>
+          <p:cNvPr id="4" name="Date Placeholder 3">
+            <a:extLst>
+              <a:ext uri="{FF2B5EF4-FFF2-40B4-BE49-F238E27FC236}">
+                <a16:creationId xmlns:a16="http://schemas.microsoft.com/office/drawing/2014/main" id="{EE194419-5603-489D-A342-9DF851BF26E0}"/>
+              </a:ext>
+            </a:extLst>
+          </p:cNvPr>
+          <p:cNvSpPr>
+            <a:spLocks noGrp="1"/>
+          </p:cNvSpPr>
+          <p:nvPr>
+            <p:ph type="dt" sz="half" idx="10"/>
+          </p:nvPr>
+        </p:nvSpPr>
+        <p:spPr/>
+        <p:txBody>
+          <a:bodyPr/>
+          <a:lstStyle/>
+          <a:p>
+            <a:fld id="{019E29B9-5584-4737-9C98-1B926378C778}" type="datetime1">
+              <a:rPr lang="en-US" smtClean="0"/>
+              <a:t>5/21/2021</a:t>
+            </a:fld>
+            <a:endParaRPr lang="da-DK"/>
+          </a:p>
+        </p:txBody>
+      </p:sp>
+      <p:sp>
+        <p:nvSpPr>
+          <p:cNvPr id="5" name="Footer Placeholder 4">
+            <a:extLst>
+              <a:ext uri="{FF2B5EF4-FFF2-40B4-BE49-F238E27FC236}">
+                <a16:creationId xmlns:a16="http://schemas.microsoft.com/office/drawing/2014/main" id="{241B45D6-BD88-4701-9A2E-60FD91C1F570}"/>
+              </a:ext>
+            </a:extLst>
+          </p:cNvPr>
+          <p:cNvSpPr>
+            <a:spLocks noGrp="1"/>
+          </p:cNvSpPr>
+          <p:nvPr>
+            <p:ph type="ftr" sz="quarter" idx="11"/>
+          </p:nvPr>
+        </p:nvSpPr>
+        <p:spPr/>
+        <p:txBody>
+          <a:bodyPr/>
+          <a:lstStyle/>
+          <a:p>
+            <a:r>
+              <a:rPr lang="da-DK"/>
+              <a:t>Nicki Skafte Detlefsen</a:t>
+            </a:r>
+          </a:p>
+        </p:txBody>
+      </p:sp>
+      <p:sp>
+        <p:nvSpPr>
+          <p:cNvPr id="6" name="Slide Number Placeholder 5">
+            <a:extLst>
+              <a:ext uri="{FF2B5EF4-FFF2-40B4-BE49-F238E27FC236}">
+                <a16:creationId xmlns:a16="http://schemas.microsoft.com/office/drawing/2014/main" id="{D8985595-AC23-4970-8F6B-4C01142728F4}"/>
+              </a:ext>
+            </a:extLst>
+          </p:cNvPr>
+          <p:cNvSpPr>
+            <a:spLocks noGrp="1"/>
+          </p:cNvSpPr>
+          <p:nvPr>
+            <p:ph type="sldNum" sz="quarter" idx="12"/>
+          </p:nvPr>
+        </p:nvSpPr>
+        <p:spPr/>
+        <p:txBody>
+          <a:bodyPr/>
+          <a:lstStyle/>
+          <a:p>
+            <a:fld id="{F6FEDE24-D50C-481B-A7B4-8AF13899101A}" type="slidenum">
+              <a:rPr lang="da-DK" smtClean="0"/>
+              <a:t>13</a:t>
+            </a:fld>
+            <a:endParaRPr lang="da-DK"/>
+          </a:p>
+        </p:txBody>
+      </p:sp>
+      <p:pic>
+        <p:nvPicPr>
+          <p:cNvPr id="8" name="Picture 7" descr="Chart&#10;&#10;Description automatically generated">
+            <a:extLst>
+              <a:ext uri="{FF2B5EF4-FFF2-40B4-BE49-F238E27FC236}">
+                <a16:creationId xmlns:a16="http://schemas.microsoft.com/office/drawing/2014/main" id="{D42BAD61-161B-47E9-B0B7-758D21FC9161}"/>
+              </a:ext>
+            </a:extLst>
+          </p:cNvPr>
+          <p:cNvPicPr>
+            <a:picLocks noChangeAspect="1"/>
+          </p:cNvPicPr>
+          <p:nvPr/>
+        </p:nvPicPr>
+        <p:blipFill>
+          <a:blip r:embed="rId2">
+            <a:extLst>
+              <a:ext uri="{28A0092B-C50C-407E-A947-70E740481C1C}">
+                <a14:useLocalDpi xmlns:a14="http://schemas.microsoft.com/office/drawing/2010/main" val="0"/>
+              </a:ext>
+            </a:extLst>
+          </a:blip>
+          <a:stretch>
+            <a:fillRect/>
+          </a:stretch>
+        </p:blipFill>
+        <p:spPr>
+          <a:xfrm>
+            <a:off x="2771192" y="1096627"/>
+            <a:ext cx="6248400" cy="3489192"/>
+          </a:xfrm>
+          <a:prstGeom prst="rect">
+            <a:avLst/>
+          </a:prstGeom>
+        </p:spPr>
+      </p:pic>
+    </p:spTree>
+    <p:extLst>
+      <p:ext uri="{BB962C8B-B14F-4D97-AF65-F5344CB8AC3E}">
+        <p14:creationId xmlns:p14="http://schemas.microsoft.com/office/powerpoint/2010/main" val="2832370657"/>
+      </p:ext>
+    </p:extLst>
+  </p:cSld>
+  <p:clrMapOvr>
+    <a:masterClrMapping/>
+  </p:clrMapOvr>
+</p:sld>
+</file>
+
+<file path=ppt/slides/slide14.xml><?xml version="1.0" encoding="utf-8"?>
+<p:sld xmlns:a="http://schemas.openxmlformats.org/drawingml/2006/main" xmlns:r="http://schemas.openxmlformats.org/officeDocument/2006/relationships" xmlns:p="http://schemas.openxmlformats.org/presentationml/2006/main">
+  <p:cSld>
+    <p:spTree>
+      <p:nvGrpSpPr>
+        <p:cNvPr id="1" name=""/>
+        <p:cNvGrpSpPr/>
+        <p:nvPr/>
+      </p:nvGrpSpPr>
+      <p:grpSpPr>
+        <a:xfrm>
+          <a:off x="0" y="0"/>
+          <a:ext cx="0" cy="0"/>
+          <a:chOff x="0" y="0"/>
+          <a:chExt cx="0" cy="0"/>
+        </a:xfrm>
+      </p:grpSpPr>
+      <p:sp>
+        <p:nvSpPr>
+          <p:cNvPr id="2" name="Title 1">
+            <a:extLst>
+              <a:ext uri="{FF2B5EF4-FFF2-40B4-BE49-F238E27FC236}">
+                <a16:creationId xmlns:a16="http://schemas.microsoft.com/office/drawing/2014/main" id="{441B86A7-10D4-4594-ACDC-F5238B820386}"/>
+              </a:ext>
+            </a:extLst>
+          </p:cNvPr>
+          <p:cNvSpPr>
+            <a:spLocks noGrp="1"/>
+          </p:cNvSpPr>
+          <p:nvPr>
+            <p:ph type="title"/>
+          </p:nvPr>
+        </p:nvSpPr>
+        <p:spPr/>
+        <p:txBody>
+          <a:bodyPr/>
+          <a:lstStyle/>
+          <a:p>
+            <a:r>
+              <a:rPr lang="da-DK" dirty="0"/>
+              <a:t>Hyperparameter fremework </a:t>
+            </a:r>
+          </a:p>
+        </p:txBody>
+      </p:sp>
+      <p:sp>
+        <p:nvSpPr>
+          <p:cNvPr id="3" name="Content Placeholder 2">
+            <a:extLst>
+              <a:ext uri="{FF2B5EF4-FFF2-40B4-BE49-F238E27FC236}">
+                <a16:creationId xmlns:a16="http://schemas.microsoft.com/office/drawing/2014/main" id="{9D82536D-E493-4163-B5FF-B014EBE7FA1A}"/>
+              </a:ext>
+            </a:extLst>
+          </p:cNvPr>
+          <p:cNvSpPr>
+            <a:spLocks noGrp="1"/>
+          </p:cNvSpPr>
+          <p:nvPr>
+            <p:ph idx="1"/>
+          </p:nvPr>
+        </p:nvSpPr>
+        <p:spPr/>
+        <p:txBody>
+          <a:bodyPr/>
+          <a:lstStyle/>
+          <a:p>
+            <a:pPr marL="0" indent="0">
+              <a:buNone/>
+            </a:pPr>
+            <a:endParaRPr lang="da-DK" dirty="0">
+              <a:hlinkClick r:id="rId2"/>
+            </a:endParaRPr>
+          </a:p>
+          <a:p>
+            <a:pPr marL="0" indent="0">
+              <a:buNone/>
+            </a:pPr>
+            <a:endParaRPr lang="da-DK" dirty="0">
+              <a:hlinkClick r:id="rId2"/>
+            </a:endParaRPr>
+          </a:p>
+          <a:p>
+            <a:pPr marL="0" indent="0">
+              <a:buNone/>
+            </a:pPr>
+            <a:endParaRPr lang="da-DK" dirty="0">
+              <a:hlinkClick r:id="rId2"/>
+            </a:endParaRPr>
+          </a:p>
+          <a:p>
+            <a:pPr marL="0" indent="0">
+              <a:buNone/>
+            </a:pPr>
+            <a:endParaRPr lang="da-DK" dirty="0">
+              <a:hlinkClick r:id="rId2"/>
+            </a:endParaRPr>
+          </a:p>
+          <a:p>
+            <a:pPr marL="0" indent="0" algn="ctr">
+              <a:buNone/>
+            </a:pPr>
+            <a:r>
+              <a:rPr lang="da-DK" dirty="0">
+                <a:hlinkClick r:id="rId2"/>
+              </a:rPr>
+              <a:t>https://optuna.readthedocs.io/en/stable/</a:t>
+            </a:r>
+            <a:endParaRPr lang="da-DK" dirty="0"/>
+          </a:p>
+          <a:p>
+            <a:endParaRPr lang="da-DK" dirty="0"/>
+          </a:p>
+        </p:txBody>
+      </p:sp>
+      <p:sp>
+        <p:nvSpPr>
+          <p:cNvPr id="4" name="Date Placeholder 3">
+            <a:extLst>
+              <a:ext uri="{FF2B5EF4-FFF2-40B4-BE49-F238E27FC236}">
+                <a16:creationId xmlns:a16="http://schemas.microsoft.com/office/drawing/2014/main" id="{111C51B9-0949-48B2-B002-DF4BBE3A7311}"/>
+              </a:ext>
+            </a:extLst>
+          </p:cNvPr>
+          <p:cNvSpPr>
+            <a:spLocks noGrp="1"/>
+          </p:cNvSpPr>
+          <p:nvPr>
+            <p:ph type="dt" sz="half" idx="10"/>
+          </p:nvPr>
+        </p:nvSpPr>
+        <p:spPr/>
+        <p:txBody>
+          <a:bodyPr/>
+          <a:lstStyle/>
+          <a:p>
+            <a:fld id="{019E29B9-5584-4737-9C98-1B926378C778}" type="datetime1">
+              <a:rPr lang="en-US" smtClean="0"/>
+              <a:t>5/21/2021</a:t>
+            </a:fld>
+            <a:endParaRPr lang="da-DK"/>
+          </a:p>
+        </p:txBody>
+      </p:sp>
+      <p:sp>
+        <p:nvSpPr>
+          <p:cNvPr id="5" name="Footer Placeholder 4">
+            <a:extLst>
+              <a:ext uri="{FF2B5EF4-FFF2-40B4-BE49-F238E27FC236}">
+                <a16:creationId xmlns:a16="http://schemas.microsoft.com/office/drawing/2014/main" id="{DD6B00F0-3047-4DF3-98D1-811011573E26}"/>
+              </a:ext>
+            </a:extLst>
+          </p:cNvPr>
+          <p:cNvSpPr>
+            <a:spLocks noGrp="1"/>
+          </p:cNvSpPr>
+          <p:nvPr>
+            <p:ph type="ftr" sz="quarter" idx="11"/>
+          </p:nvPr>
+        </p:nvSpPr>
+        <p:spPr/>
+        <p:txBody>
+          <a:bodyPr/>
+          <a:lstStyle/>
+          <a:p>
+            <a:r>
+              <a:rPr lang="da-DK"/>
+              <a:t>Nicki Skafte Detlefsen</a:t>
+            </a:r>
+          </a:p>
+        </p:txBody>
+      </p:sp>
+      <p:sp>
+        <p:nvSpPr>
+          <p:cNvPr id="6" name="Slide Number Placeholder 5">
+            <a:extLst>
+              <a:ext uri="{FF2B5EF4-FFF2-40B4-BE49-F238E27FC236}">
+                <a16:creationId xmlns:a16="http://schemas.microsoft.com/office/drawing/2014/main" id="{F65DB896-37D5-46D7-A596-B4467D392297}"/>
+              </a:ext>
+            </a:extLst>
+          </p:cNvPr>
+          <p:cNvSpPr>
+            <a:spLocks noGrp="1"/>
+          </p:cNvSpPr>
+          <p:nvPr>
+            <p:ph type="sldNum" sz="quarter" idx="12"/>
+          </p:nvPr>
+        </p:nvSpPr>
+        <p:spPr/>
+        <p:txBody>
+          <a:bodyPr/>
+          <a:lstStyle/>
+          <a:p>
+            <a:fld id="{F6FEDE24-D50C-481B-A7B4-8AF13899101A}" type="slidenum">
+              <a:rPr lang="da-DK" smtClean="0"/>
+              <a:t>14</a:t>
+            </a:fld>
+            <a:endParaRPr lang="da-DK"/>
+          </a:p>
+        </p:txBody>
+      </p:sp>
+      <p:pic>
+        <p:nvPicPr>
+          <p:cNvPr id="12" name="Picture 11" descr="Text, logo&#10;&#10;Description automatically generated">
+            <a:extLst>
+              <a:ext uri="{FF2B5EF4-FFF2-40B4-BE49-F238E27FC236}">
+                <a16:creationId xmlns:a16="http://schemas.microsoft.com/office/drawing/2014/main" id="{6A8A6E17-B8C3-41F9-AA53-0492DD1AAE8D}"/>
+              </a:ext>
+            </a:extLst>
+          </p:cNvPr>
+          <p:cNvPicPr>
+            <a:picLocks noChangeAspect="1"/>
+          </p:cNvPicPr>
+          <p:nvPr/>
+        </p:nvPicPr>
+        <p:blipFill>
+          <a:blip r:embed="rId3">
+            <a:extLst>
+              <a:ext uri="{28A0092B-C50C-407E-A947-70E740481C1C}">
+                <a14:useLocalDpi xmlns:a14="http://schemas.microsoft.com/office/drawing/2010/main" val="0"/>
+              </a:ext>
+            </a:extLst>
+          </a:blip>
+          <a:stretch>
+            <a:fillRect/>
+          </a:stretch>
+        </p:blipFill>
+        <p:spPr>
+          <a:xfrm>
+            <a:off x="1174109" y="918857"/>
+            <a:ext cx="9525000" cy="2000250"/>
+          </a:xfrm>
+          <a:prstGeom prst="rect">
+            <a:avLst/>
+          </a:prstGeom>
+        </p:spPr>
+      </p:pic>
+    </p:spTree>
+    <p:extLst>
+      <p:ext uri="{BB962C8B-B14F-4D97-AF65-F5344CB8AC3E}">
+        <p14:creationId xmlns:p14="http://schemas.microsoft.com/office/powerpoint/2010/main" val="847311214"/>
+      </p:ext>
+    </p:extLst>
+  </p:cSld>
+  <p:clrMapOvr>
+    <a:masterClrMapping/>
+  </p:clrMapOvr>
+</p:sld>
+</file>
+
+<file path=ppt/slides/slide15.xml><?xml version="1.0" encoding="utf-8"?>
+<p:sld xmlns:a="http://schemas.openxmlformats.org/drawingml/2006/main" xmlns:r="http://schemas.openxmlformats.org/officeDocument/2006/relationships" xmlns:p="http://schemas.openxmlformats.org/presentationml/2006/main">
+  <p:cSld>
+    <p:spTree>
+      <p:nvGrpSpPr>
+        <p:cNvPr id="1" name=""/>
+        <p:cNvGrpSpPr/>
+        <p:nvPr/>
+      </p:nvGrpSpPr>
+      <p:grpSpPr>
+        <a:xfrm>
+          <a:off x="0" y="0"/>
+          <a:ext cx="0" cy="0"/>
+          <a:chOff x="0" y="0"/>
+          <a:chExt cx="0" cy="0"/>
+        </a:xfrm>
+      </p:grpSpPr>
+      <p:sp>
+        <p:nvSpPr>
+          <p:cNvPr id="2" name="Title 1">
+            <a:extLst>
+              <a:ext uri="{FF2B5EF4-FFF2-40B4-BE49-F238E27FC236}">
+                <a16:creationId xmlns:a16="http://schemas.microsoft.com/office/drawing/2014/main" id="{B3A3DAEF-86E5-4931-BAC2-E3511BF65298}"/>
+              </a:ext>
+            </a:extLst>
+          </p:cNvPr>
+          <p:cNvSpPr>
+            <a:spLocks noGrp="1"/>
+          </p:cNvSpPr>
+          <p:nvPr>
+            <p:ph type="title"/>
+          </p:nvPr>
+        </p:nvSpPr>
+        <p:spPr/>
+        <p:txBody>
+          <a:bodyPr/>
+          <a:lstStyle/>
+          <a:p>
+            <a:r>
+              <a:rPr lang="da-DK" dirty="0"/>
+              <a:t>Meme of the day</a:t>
+            </a:r>
+          </a:p>
+        </p:txBody>
+      </p:sp>
+      <p:pic>
+        <p:nvPicPr>
+          <p:cNvPr id="8" name="Content Placeholder 7" descr="Diagram&#10;&#10;Description automatically generated with low confidence">
+            <a:extLst>
+              <a:ext uri="{FF2B5EF4-FFF2-40B4-BE49-F238E27FC236}">
+                <a16:creationId xmlns:a16="http://schemas.microsoft.com/office/drawing/2014/main" id="{8129342B-C9E3-4199-9A45-697717761658}"/>
+              </a:ext>
+            </a:extLst>
+          </p:cNvPr>
+          <p:cNvPicPr>
+            <a:picLocks noGrp="1" noChangeAspect="1"/>
+          </p:cNvPicPr>
+          <p:nvPr>
+            <p:ph idx="1"/>
+          </p:nvPr>
+        </p:nvPicPr>
+        <p:blipFill>
+          <a:blip r:embed="rId2">
+            <a:extLst>
+              <a:ext uri="{28A0092B-C50C-407E-A947-70E740481C1C}">
+                <a14:useLocalDpi xmlns:a14="http://schemas.microsoft.com/office/drawing/2010/main" val="0"/>
+              </a:ext>
+            </a:extLst>
+          </a:blip>
+          <a:stretch>
+            <a:fillRect/>
+          </a:stretch>
+        </p:blipFill>
+        <p:spPr>
+          <a:xfrm>
+            <a:off x="3714750" y="1378744"/>
+            <a:ext cx="4762500" cy="4762500"/>
+          </a:xfrm>
+        </p:spPr>
+      </p:pic>
+      <p:sp>
+        <p:nvSpPr>
+          <p:cNvPr id="4" name="Date Placeholder 3">
+            <a:extLst>
+              <a:ext uri="{FF2B5EF4-FFF2-40B4-BE49-F238E27FC236}">
+                <a16:creationId xmlns:a16="http://schemas.microsoft.com/office/drawing/2014/main" id="{F02DF75D-D609-403F-BD67-F3B238B71E9C}"/>
+              </a:ext>
+            </a:extLst>
+          </p:cNvPr>
+          <p:cNvSpPr>
+            <a:spLocks noGrp="1"/>
+          </p:cNvSpPr>
+          <p:nvPr>
+            <p:ph type="dt" sz="half" idx="10"/>
+          </p:nvPr>
+        </p:nvSpPr>
+        <p:spPr/>
+        <p:txBody>
+          <a:bodyPr/>
+          <a:lstStyle/>
+          <a:p>
+            <a:fld id="{019E29B9-5584-4737-9C98-1B926378C778}" type="datetime1">
+              <a:rPr lang="en-US" smtClean="0"/>
+              <a:t>5/21/2021</a:t>
+            </a:fld>
+            <a:endParaRPr lang="da-DK"/>
+          </a:p>
+        </p:txBody>
+      </p:sp>
+      <p:sp>
+        <p:nvSpPr>
+          <p:cNvPr id="5" name="Footer Placeholder 4">
+            <a:extLst>
+              <a:ext uri="{FF2B5EF4-FFF2-40B4-BE49-F238E27FC236}">
+                <a16:creationId xmlns:a16="http://schemas.microsoft.com/office/drawing/2014/main" id="{64D5B49A-8B68-4A7E-8D6F-4466E3AADF4B}"/>
+              </a:ext>
+            </a:extLst>
+          </p:cNvPr>
+          <p:cNvSpPr>
+            <a:spLocks noGrp="1"/>
+          </p:cNvSpPr>
+          <p:nvPr>
+            <p:ph type="ftr" sz="quarter" idx="11"/>
+          </p:nvPr>
+        </p:nvSpPr>
+        <p:spPr/>
+        <p:txBody>
+          <a:bodyPr/>
+          <a:lstStyle/>
+          <a:p>
+            <a:r>
+              <a:rPr lang="da-DK"/>
+              <a:t>Nicki Skafte Detlefsen</a:t>
+            </a:r>
+          </a:p>
+        </p:txBody>
+      </p:sp>
+      <p:sp>
+        <p:nvSpPr>
+          <p:cNvPr id="6" name="Slide Number Placeholder 5">
+            <a:extLst>
+              <a:ext uri="{FF2B5EF4-FFF2-40B4-BE49-F238E27FC236}">
+                <a16:creationId xmlns:a16="http://schemas.microsoft.com/office/drawing/2014/main" id="{E69E32E8-4DD0-427E-8834-EC1D6548B32C}"/>
+              </a:ext>
+            </a:extLst>
+          </p:cNvPr>
+          <p:cNvSpPr>
+            <a:spLocks noGrp="1"/>
+          </p:cNvSpPr>
+          <p:nvPr>
+            <p:ph type="sldNum" sz="quarter" idx="12"/>
+          </p:nvPr>
+        </p:nvSpPr>
+        <p:spPr/>
+        <p:txBody>
+          <a:bodyPr/>
+          <a:lstStyle/>
+          <a:p>
+            <a:fld id="{F6FEDE24-D50C-481B-A7B4-8AF13899101A}" type="slidenum">
+              <a:rPr lang="da-DK" smtClean="0"/>
+              <a:t>15</a:t>
+            </a:fld>
+            <a:endParaRPr lang="da-DK"/>
+          </a:p>
+        </p:txBody>
+      </p:sp>
+    </p:spTree>
+    <p:extLst>
+      <p:ext uri="{BB962C8B-B14F-4D97-AF65-F5344CB8AC3E}">
+        <p14:creationId xmlns:p14="http://schemas.microsoft.com/office/powerpoint/2010/main" val="2684583096"/>
+      </p:ext>
+    </p:extLst>
+  </p:cSld>
+  <p:clrMapOvr>
+    <a:masterClrMapping/>
+  </p:clrMapOvr>
+</p:sld>
+</file>
+
 <file path=ppt/slides/slide2.xml><?xml version="1.0" encoding="utf-8"?>
 <p:sld xmlns:a="http://schemas.openxmlformats.org/drawingml/2006/main" xmlns:r="http://schemas.openxmlformats.org/officeDocument/2006/relationships" xmlns:p="http://schemas.openxmlformats.org/presentationml/2006/main">
   <p:cSld>
@@ -4256,7 +5785,22 @@
             <a:endParaRPr lang="da-DK" dirty="0"/>
           </a:p>
           <a:p>
-            <a:endParaRPr lang="da-DK" dirty="0"/>
+            <a:pPr marL="0" indent="0">
+              <a:buNone/>
+            </a:pPr>
+            <a:r>
+              <a:rPr lang="da-DK" dirty="0"/>
+              <a:t>”We are all SOTA suckers”</a:t>
+            </a:r>
+          </a:p>
+          <a:p>
+            <a:pPr marL="0" indent="0">
+              <a:buNone/>
+            </a:pPr>
+            <a:r>
+              <a:rPr lang="da-DK" dirty="0"/>
+              <a:t>	- Ole Winther</a:t>
+            </a:r>
           </a:p>
         </p:txBody>
       </p:sp>
@@ -4283,7 +5827,7 @@
           <a:p>
             <a:fld id="{019E29B9-5584-4737-9C98-1B926378C778}" type="datetime1">
               <a:rPr lang="en-US" smtClean="0"/>
-              <a:t>4/28/2021</a:t>
+              <a:t>5/21/2021</a:t>
             </a:fld>
             <a:endParaRPr lang="da-DK"/>
           </a:p>
@@ -4577,7 +6121,7 @@
           <a:p>
             <a:fld id="{019E29B9-5584-4737-9C98-1B926378C778}" type="datetime1">
               <a:rPr lang="en-US" smtClean="0"/>
-              <a:t>4/28/2021</a:t>
+              <a:t>5/21/2021</a:t>
             </a:fld>
             <a:endParaRPr lang="da-DK"/>
           </a:p>
@@ -4747,7 +6291,7 @@
           <p:cNvPr id="2" name="Title 1">
             <a:extLst>
               <a:ext uri="{FF2B5EF4-FFF2-40B4-BE49-F238E27FC236}">
-                <a16:creationId xmlns:a16="http://schemas.microsoft.com/office/drawing/2014/main" id="{E45F7B07-21E9-4F7E-9CD6-335BAFB45DE9}"/>
+                <a16:creationId xmlns:a16="http://schemas.microsoft.com/office/drawing/2014/main" id="{0CC5CCF5-F982-4EB2-91AA-16D3268260CA}"/>
               </a:ext>
             </a:extLst>
           </p:cNvPr>
@@ -4765,107 +6309,379 @@
           <a:p>
             <a:r>
               <a:rPr lang="da-DK" dirty="0"/>
-              <a:t>What about doing grid search?</a:t>
-            </a:r>
-          </a:p>
-        </p:txBody>
-      </p:sp>
-      <p:sp>
-        <p:nvSpPr>
-          <p:cNvPr id="3" name="Content Placeholder 2">
-            <a:extLst>
-              <a:ext uri="{FF2B5EF4-FFF2-40B4-BE49-F238E27FC236}">
-                <a16:creationId xmlns:a16="http://schemas.microsoft.com/office/drawing/2014/main" id="{6FE0F872-928D-4E85-8B50-AF6CBED0DED7}"/>
-              </a:ext>
-            </a:extLst>
-          </p:cNvPr>
-          <p:cNvSpPr>
-            <a:spLocks noGrp="1"/>
-          </p:cNvSpPr>
-          <p:nvPr>
-            <p:ph idx="1"/>
-          </p:nvPr>
-        </p:nvSpPr>
-        <p:spPr/>
-        <p:txBody>
-          <a:bodyPr>
-            <a:normAutofit lnSpcReduction="10000"/>
-          </a:bodyPr>
-          <a:lstStyle/>
-          <a:p>
-            <a:pPr marL="0" indent="0">
-              <a:buNone/>
-            </a:pPr>
-            <a:r>
-              <a:rPr lang="da-DK" dirty="0"/>
-              <a:t>Curse of dimensionality?</a:t>
-            </a:r>
-          </a:p>
-          <a:p>
-            <a:pPr marL="0" indent="0">
-              <a:buNone/>
-            </a:pPr>
-            <a:endParaRPr lang="da-DK" dirty="0"/>
-          </a:p>
-          <a:p>
-            <a:pPr marL="0" indent="0">
-              <a:buNone/>
-            </a:pPr>
-            <a:endParaRPr lang="da-DK" dirty="0"/>
-          </a:p>
-          <a:p>
-            <a:pPr marL="0" indent="0">
-              <a:buNone/>
-            </a:pPr>
-            <a:endParaRPr lang="da-DK" dirty="0"/>
-          </a:p>
-          <a:p>
-            <a:pPr marL="0" indent="0">
-              <a:buNone/>
-            </a:pPr>
-            <a:endParaRPr lang="da-DK" dirty="0"/>
-          </a:p>
-          <a:p>
-            <a:pPr marL="0" indent="0">
-              <a:buNone/>
-            </a:pPr>
-            <a:endParaRPr lang="da-DK" dirty="0"/>
-          </a:p>
-          <a:p>
-            <a:pPr marL="0" indent="0">
-              <a:buNone/>
-            </a:pPr>
-            <a:endParaRPr lang="da-DK" dirty="0"/>
-          </a:p>
-          <a:p>
-            <a:pPr marL="0" indent="0">
-              <a:buNone/>
-            </a:pPr>
-            <a:endParaRPr lang="da-DK" dirty="0"/>
-          </a:p>
-          <a:p>
-            <a:pPr marL="0" indent="0">
-              <a:buNone/>
-            </a:pPr>
-            <a:r>
-              <a:rPr lang="da-DK" dirty="0"/>
-              <a:t>The number of combinations grows exponentially in the number of parameters we try to optimize.</a:t>
-            </a:r>
-          </a:p>
-          <a:p>
-            <a:pPr marL="0" indent="0">
-              <a:buNone/>
-            </a:pPr>
-            <a:endParaRPr lang="da-DK" dirty="0"/>
-          </a:p>
-        </p:txBody>
-      </p:sp>
+              <a:t>Detour: What should we optimize?</a:t>
+            </a:r>
+          </a:p>
+        </p:txBody>
+      </p:sp>
+      <mc:AlternateContent xmlns:mc="http://schemas.openxmlformats.org/markup-compatibility/2006">
+        <mc:Choice xmlns:a14="http://schemas.microsoft.com/office/drawing/2010/main" Requires="a14">
+          <p:sp>
+            <p:nvSpPr>
+              <p:cNvPr id="3" name="Content Placeholder 2">
+                <a:extLst>
+                  <a:ext uri="{FF2B5EF4-FFF2-40B4-BE49-F238E27FC236}">
+                    <a16:creationId xmlns:a16="http://schemas.microsoft.com/office/drawing/2014/main" id="{662314E4-A1C0-454E-BB79-E5496C3F2360}"/>
+                  </a:ext>
+                </a:extLst>
+              </p:cNvPr>
+              <p:cNvSpPr>
+                <a:spLocks noGrp="1"/>
+              </p:cNvSpPr>
+              <p:nvPr>
+                <p:ph idx="1"/>
+              </p:nvPr>
+            </p:nvSpPr>
+            <p:spPr/>
+            <p:txBody>
+              <a:bodyPr/>
+              <a:lstStyle/>
+              <a:p>
+                <a:pPr marL="0" indent="0">
+                  <a:buNone/>
+                </a:pPr>
+                <a:r>
+                  <a:rPr lang="da-DK" dirty="0"/>
+                  <a:t>Regardless of chosen model, hyperparameter, search strategy etc. it all depends that we can define some </a:t>
+                </a:r>
+                <a:r>
+                  <a:rPr lang="da-DK" b="1" dirty="0"/>
+                  <a:t>Metric </a:t>
+                </a:r>
+                <a:r>
+                  <a:rPr lang="da-DK" dirty="0"/>
+                  <a:t>for which we can determine if a set of hyperparameters </a:t>
+                </a:r>
+                <a14:m>
+                  <m:oMath xmlns:m="http://schemas.openxmlformats.org/officeDocument/2006/math">
+                    <m:sSub>
+                      <m:sSubPr>
+                        <m:ctrlPr>
+                          <a:rPr lang="da-DK" b="0" i="1" smtClean="0">
+                            <a:latin typeface="Cambria Math" panose="02040503050406030204" pitchFamily="18" charset="0"/>
+                          </a:rPr>
+                        </m:ctrlPr>
+                      </m:sSubPr>
+                      <m:e>
+                        <m:r>
+                          <a:rPr lang="da-DK" b="0" i="1" smtClean="0">
+                            <a:latin typeface="Cambria Math" panose="02040503050406030204" pitchFamily="18" charset="0"/>
+                          </a:rPr>
+                          <m:t>h</m:t>
+                        </m:r>
+                      </m:e>
+                      <m:sub>
+                        <m:r>
+                          <a:rPr lang="da-DK" b="0" i="1" smtClean="0">
+                            <a:latin typeface="Cambria Math" panose="02040503050406030204" pitchFamily="18" charset="0"/>
+                          </a:rPr>
+                          <m:t>1</m:t>
+                        </m:r>
+                      </m:sub>
+                    </m:sSub>
+                    <m:r>
+                      <a:rPr lang="da-DK" b="0" i="0" smtClean="0">
+                        <a:latin typeface="Cambria Math" panose="02040503050406030204" pitchFamily="18" charset="0"/>
+                      </a:rPr>
+                      <m:t> </m:t>
+                    </m:r>
+                  </m:oMath>
+                </a14:m>
+                <a:r>
+                  <a:rPr lang="da-DK" dirty="0"/>
+                  <a:t>is better than </a:t>
+                </a:r>
+                <a14:m>
+                  <m:oMath xmlns:m="http://schemas.openxmlformats.org/officeDocument/2006/math">
+                    <m:sSub>
+                      <m:sSubPr>
+                        <m:ctrlPr>
+                          <a:rPr lang="da-DK" b="0" i="1" smtClean="0">
+                            <a:latin typeface="Cambria Math" panose="02040503050406030204" pitchFamily="18" charset="0"/>
+                          </a:rPr>
+                        </m:ctrlPr>
+                      </m:sSubPr>
+                      <m:e>
+                        <m:r>
+                          <a:rPr lang="da-DK" b="0" i="1" smtClean="0">
+                            <a:latin typeface="Cambria Math" panose="02040503050406030204" pitchFamily="18" charset="0"/>
+                          </a:rPr>
+                          <m:t>h</m:t>
+                        </m:r>
+                      </m:e>
+                      <m:sub>
+                        <m:r>
+                          <a:rPr lang="da-DK" b="0" i="1" smtClean="0">
+                            <a:latin typeface="Cambria Math" panose="02040503050406030204" pitchFamily="18" charset="0"/>
+                          </a:rPr>
+                          <m:t>2</m:t>
+                        </m:r>
+                      </m:sub>
+                    </m:sSub>
+                  </m:oMath>
+                </a14:m>
+                <a:endParaRPr lang="da-DK" dirty="0"/>
+              </a:p>
+              <a:p>
+                <a:pPr marL="0" indent="0">
+                  <a:buNone/>
+                </a:pPr>
+                <a:endParaRPr lang="da-DK" dirty="0"/>
+              </a:p>
+              <a:p>
+                <a:pPr marL="0" indent="0">
+                  <a:buNone/>
+                </a:pPr>
+                <a:r>
+                  <a:rPr lang="da-DK" dirty="0"/>
+                  <a:t>In general we will say that</a:t>
+                </a:r>
+              </a:p>
+              <a:p>
+                <a:pPr marL="0" indent="0" algn="ctr">
+                  <a:buNone/>
+                </a:pPr>
+                <a14:m>
+                  <m:oMath xmlns:m="http://schemas.openxmlformats.org/officeDocument/2006/math">
+                    <m:sSub>
+                      <m:sSubPr>
+                        <m:ctrlPr>
+                          <a:rPr lang="da-DK" b="0" i="1" smtClean="0">
+                            <a:latin typeface="Cambria Math" panose="02040503050406030204" pitchFamily="18" charset="0"/>
+                          </a:rPr>
+                        </m:ctrlPr>
+                      </m:sSubPr>
+                      <m:e>
+                        <m:r>
+                          <a:rPr lang="da-DK" b="0" i="1" smtClean="0">
+                            <a:latin typeface="Cambria Math" panose="02040503050406030204" pitchFamily="18" charset="0"/>
+                          </a:rPr>
+                          <m:t>h</m:t>
+                        </m:r>
+                      </m:e>
+                      <m:sub>
+                        <m:r>
+                          <a:rPr lang="da-DK" b="0" i="1" smtClean="0">
+                            <a:latin typeface="Cambria Math" panose="02040503050406030204" pitchFamily="18" charset="0"/>
+                          </a:rPr>
+                          <m:t>1</m:t>
+                        </m:r>
+                      </m:sub>
+                    </m:sSub>
+                  </m:oMath>
+                </a14:m>
+                <a:r>
+                  <a:rPr lang="da-DK" dirty="0"/>
+                  <a:t> is better than </a:t>
+                </a:r>
+                <a14:m>
+                  <m:oMath xmlns:m="http://schemas.openxmlformats.org/officeDocument/2006/math">
+                    <m:sSub>
+                      <m:sSubPr>
+                        <m:ctrlPr>
+                          <a:rPr lang="da-DK" b="0" i="1" smtClean="0">
+                            <a:latin typeface="Cambria Math" panose="02040503050406030204" pitchFamily="18" charset="0"/>
+                          </a:rPr>
+                        </m:ctrlPr>
+                      </m:sSubPr>
+                      <m:e>
+                        <m:r>
+                          <a:rPr lang="da-DK" b="0" i="1" smtClean="0">
+                            <a:latin typeface="Cambria Math" panose="02040503050406030204" pitchFamily="18" charset="0"/>
+                          </a:rPr>
+                          <m:t>h</m:t>
+                        </m:r>
+                      </m:e>
+                      <m:sub>
+                        <m:r>
+                          <a:rPr lang="da-DK" b="0" i="1" smtClean="0">
+                            <a:latin typeface="Cambria Math" panose="02040503050406030204" pitchFamily="18" charset="0"/>
+                          </a:rPr>
+                          <m:t>2</m:t>
+                        </m:r>
+                      </m:sub>
+                    </m:sSub>
+                  </m:oMath>
+                </a14:m>
+                <a:endParaRPr lang="da-DK" dirty="0"/>
+              </a:p>
+              <a:p>
+                <a:pPr marL="0" indent="0">
+                  <a:buNone/>
+                </a:pPr>
+                <a:r>
+                  <a:rPr lang="da-DK" dirty="0"/>
+                  <a:t>If it holds for our </a:t>
+                </a:r>
+                <a:r>
+                  <a:rPr lang="da-DK" b="1" dirty="0"/>
+                  <a:t>Metric M</a:t>
+                </a:r>
+                <a:r>
+                  <a:rPr lang="da-DK" dirty="0"/>
+                  <a:t> that</a:t>
+                </a:r>
+              </a:p>
+              <a:p>
+                <a:pPr marL="0" indent="0" algn="ctr">
+                  <a:buNone/>
+                </a:pPr>
+                <a14:m>
+                  <m:oMathPara xmlns:m="http://schemas.openxmlformats.org/officeDocument/2006/math">
+                    <m:oMathParaPr>
+                      <m:jc m:val="centerGroup"/>
+                    </m:oMathParaPr>
+                    <m:oMath xmlns:m="http://schemas.openxmlformats.org/officeDocument/2006/math">
+                      <m:r>
+                        <a:rPr lang="da-DK" b="0" i="1" smtClean="0">
+                          <a:latin typeface="Cambria Math" panose="02040503050406030204" pitchFamily="18" charset="0"/>
+                        </a:rPr>
+                        <m:t>𝑀</m:t>
+                      </m:r>
+                      <m:d>
+                        <m:dPr>
+                          <m:ctrlPr>
+                            <a:rPr lang="da-DK" b="0" i="1" smtClean="0">
+                              <a:latin typeface="Cambria Math" panose="02040503050406030204" pitchFamily="18" charset="0"/>
+                            </a:rPr>
+                          </m:ctrlPr>
+                        </m:dPr>
+                        <m:e>
+                          <m:sSub>
+                            <m:sSubPr>
+                              <m:ctrlPr>
+                                <a:rPr lang="da-DK" b="0" i="1" smtClean="0">
+                                  <a:latin typeface="Cambria Math" panose="02040503050406030204" pitchFamily="18" charset="0"/>
+                                </a:rPr>
+                              </m:ctrlPr>
+                            </m:sSubPr>
+                            <m:e>
+                              <m:r>
+                                <a:rPr lang="da-DK" b="0" i="1" smtClean="0">
+                                  <a:latin typeface="Cambria Math" panose="02040503050406030204" pitchFamily="18" charset="0"/>
+                                </a:rPr>
+                                <m:t>h</m:t>
+                              </m:r>
+                            </m:e>
+                            <m:sub>
+                              <m:r>
+                                <a:rPr lang="da-DK" b="0" i="1" smtClean="0">
+                                  <a:latin typeface="Cambria Math" panose="02040503050406030204" pitchFamily="18" charset="0"/>
+                                </a:rPr>
+                                <m:t>1</m:t>
+                              </m:r>
+                            </m:sub>
+                          </m:sSub>
+                        </m:e>
+                      </m:d>
+                      <m:r>
+                        <a:rPr lang="da-DK" b="0" i="1" smtClean="0">
+                          <a:latin typeface="Cambria Math" panose="02040503050406030204" pitchFamily="18" charset="0"/>
+                        </a:rPr>
+                        <m:t>&lt;</m:t>
+                      </m:r>
+                      <m:r>
+                        <a:rPr lang="da-DK" b="0" i="1" smtClean="0">
+                          <a:latin typeface="Cambria Math" panose="02040503050406030204" pitchFamily="18" charset="0"/>
+                        </a:rPr>
+                        <m:t>𝑀</m:t>
+                      </m:r>
+                      <m:d>
+                        <m:dPr>
+                          <m:ctrlPr>
+                            <a:rPr lang="da-DK" b="0" i="1" smtClean="0">
+                              <a:latin typeface="Cambria Math" panose="02040503050406030204" pitchFamily="18" charset="0"/>
+                            </a:rPr>
+                          </m:ctrlPr>
+                        </m:dPr>
+                        <m:e>
+                          <m:sSub>
+                            <m:sSubPr>
+                              <m:ctrlPr>
+                                <a:rPr lang="da-DK" b="0" i="1" smtClean="0">
+                                  <a:latin typeface="Cambria Math" panose="02040503050406030204" pitchFamily="18" charset="0"/>
+                                </a:rPr>
+                              </m:ctrlPr>
+                            </m:sSubPr>
+                            <m:e>
+                              <m:r>
+                                <a:rPr lang="da-DK" b="0" i="1" smtClean="0">
+                                  <a:latin typeface="Cambria Math" panose="02040503050406030204" pitchFamily="18" charset="0"/>
+                                </a:rPr>
+                                <m:t>h</m:t>
+                              </m:r>
+                            </m:e>
+                            <m:sub>
+                              <m:r>
+                                <a:rPr lang="da-DK" b="0" i="1" smtClean="0">
+                                  <a:latin typeface="Cambria Math" panose="02040503050406030204" pitchFamily="18" charset="0"/>
+                                </a:rPr>
+                                <m:t>2</m:t>
+                              </m:r>
+                            </m:sub>
+                          </m:sSub>
+                        </m:e>
+                      </m:d>
+                    </m:oMath>
+                  </m:oMathPara>
+                </a14:m>
+                <a:endParaRPr lang="da-DK" b="0" dirty="0"/>
+              </a:p>
+              <a:p>
+                <a:pPr marL="0" indent="0">
+                  <a:buNone/>
+                </a:pPr>
+                <a:endParaRPr lang="da-DK" dirty="0"/>
+              </a:p>
+            </p:txBody>
+          </p:sp>
+        </mc:Choice>
+        <mc:Fallback>
+          <p:sp>
+            <p:nvSpPr>
+              <p:cNvPr id="3" name="Content Placeholder 2">
+                <a:extLst>
+                  <a:ext uri="{FF2B5EF4-FFF2-40B4-BE49-F238E27FC236}">
+                    <a16:creationId xmlns:a16="http://schemas.microsoft.com/office/drawing/2014/main" id="{662314E4-A1C0-454E-BB79-E5496C3F2360}"/>
+                  </a:ext>
+                </a:extLst>
+              </p:cNvPr>
+              <p:cNvSpPr>
+                <a:spLocks noGrp="1" noRot="1" noChangeAspect="1" noMove="1" noResize="1" noEditPoints="1" noAdjustHandles="1" noChangeArrowheads="1" noChangeShapeType="1" noTextEdit="1"/>
+              </p:cNvSpPr>
+              <p:nvPr>
+                <p:ph idx="1"/>
+              </p:nvPr>
+            </p:nvSpPr>
+            <p:spPr>
+              <a:blipFill>
+                <a:blip r:embed="rId2"/>
+                <a:stretch>
+                  <a:fillRect l="-1217" t="-2018" r="-1739"/>
+                </a:stretch>
+              </a:blipFill>
+            </p:spPr>
+            <p:txBody>
+              <a:bodyPr/>
+              <a:lstStyle/>
+              <a:p>
+                <a:r>
+                  <a:rPr lang="da-DK">
+                    <a:noFill/>
+                  </a:rPr>
+                  <a:t> </a:t>
+                </a:r>
+              </a:p>
+            </p:txBody>
+          </p:sp>
+        </mc:Fallback>
+      </mc:AlternateContent>
       <p:sp>
         <p:nvSpPr>
           <p:cNvPr id="4" name="Date Placeholder 3">
             <a:extLst>
               <a:ext uri="{FF2B5EF4-FFF2-40B4-BE49-F238E27FC236}">
-                <a16:creationId xmlns:a16="http://schemas.microsoft.com/office/drawing/2014/main" id="{9F9190A6-2CF1-4070-BD68-D7AD082B9A65}"/>
+                <a16:creationId xmlns:a16="http://schemas.microsoft.com/office/drawing/2014/main" id="{BB37E987-D39A-4933-891E-FCE435E2C2E2}"/>
               </a:ext>
             </a:extLst>
           </p:cNvPr>
@@ -4883,7 +6699,7 @@
           <a:p>
             <a:fld id="{019E29B9-5584-4737-9C98-1B926378C778}" type="datetime1">
               <a:rPr lang="en-US" smtClean="0"/>
-              <a:t>4/28/2021</a:t>
+              <a:t>5/21/2021</a:t>
             </a:fld>
             <a:endParaRPr lang="da-DK"/>
           </a:p>
@@ -4894,7 +6710,7 @@
           <p:cNvPr id="5" name="Footer Placeholder 4">
             <a:extLst>
               <a:ext uri="{FF2B5EF4-FFF2-40B4-BE49-F238E27FC236}">
-                <a16:creationId xmlns:a16="http://schemas.microsoft.com/office/drawing/2014/main" id="{32F0BBFF-29A3-4CA8-9D13-3E3FD592776B}"/>
+                <a16:creationId xmlns:a16="http://schemas.microsoft.com/office/drawing/2014/main" id="{BB9E5FDD-1F9F-48AC-84A0-7C18268DD2FD}"/>
               </a:ext>
             </a:extLst>
           </p:cNvPr>
@@ -4922,7 +6738,7 @@
           <p:cNvPr id="6" name="Slide Number Placeholder 5">
             <a:extLst>
               <a:ext uri="{FF2B5EF4-FFF2-40B4-BE49-F238E27FC236}">
-                <a16:creationId xmlns:a16="http://schemas.microsoft.com/office/drawing/2014/main" id="{5FDFD2DD-4E39-434E-9AE8-C6415C2E8649}"/>
+                <a16:creationId xmlns:a16="http://schemas.microsoft.com/office/drawing/2014/main" id="{CCFC5B05-A468-4EC7-980A-9F7D28E41989}"/>
               </a:ext>
             </a:extLst>
           </p:cNvPr>
@@ -4946,46 +6762,10 @@
           </a:p>
         </p:txBody>
       </p:sp>
-      <p:pic>
-        <p:nvPicPr>
-          <p:cNvPr id="8" name="Picture 7" descr="Diagram&#10;&#10;Description automatically generated with medium confidence">
-            <a:extLst>
-              <a:ext uri="{FF2B5EF4-FFF2-40B4-BE49-F238E27FC236}">
-                <a16:creationId xmlns:a16="http://schemas.microsoft.com/office/drawing/2014/main" id="{E62A03A3-4600-4CE2-B444-D0E37D36C609}"/>
-              </a:ext>
-            </a:extLst>
-          </p:cNvPr>
-          <p:cNvPicPr>
-            <a:picLocks noChangeAspect="1"/>
-          </p:cNvPicPr>
-          <p:nvPr/>
-        </p:nvPicPr>
-        <p:blipFill>
-          <a:blip r:embed="rId2">
-            <a:extLst>
-              <a:ext uri="{28A0092B-C50C-407E-A947-70E740481C1C}">
-                <a14:useLocalDpi xmlns:a14="http://schemas.microsoft.com/office/drawing/2010/main" val="0"/>
-              </a:ext>
-            </a:extLst>
-          </a:blip>
-          <a:stretch>
-            <a:fillRect/>
-          </a:stretch>
-        </p:blipFill>
-        <p:spPr>
-          <a:xfrm>
-            <a:off x="1863304" y="1949942"/>
-            <a:ext cx="8465391" cy="2958116"/>
-          </a:xfrm>
-          <a:prstGeom prst="rect">
-            <a:avLst/>
-          </a:prstGeom>
-        </p:spPr>
-      </p:pic>
     </p:spTree>
     <p:extLst>
       <p:ext uri="{BB962C8B-B14F-4D97-AF65-F5344CB8AC3E}">
-        <p14:creationId xmlns:p14="http://schemas.microsoft.com/office/powerpoint/2010/main" val="1479205863"/>
+        <p14:creationId xmlns:p14="http://schemas.microsoft.com/office/powerpoint/2010/main" val="3783090301"/>
       </p:ext>
     </p:extLst>
   </p:cSld>
@@ -5017,7 +6797,7 @@
           <p:cNvPr id="2" name="Title 1">
             <a:extLst>
               <a:ext uri="{FF2B5EF4-FFF2-40B4-BE49-F238E27FC236}">
-                <a16:creationId xmlns:a16="http://schemas.microsoft.com/office/drawing/2014/main" id="{F816FD17-BBD6-496A-8804-A3DABF5A234F}"/>
+                <a16:creationId xmlns:a16="http://schemas.microsoft.com/office/drawing/2014/main" id="{42105D32-13E5-456E-8C36-EF3BEF8E6094}"/>
               </a:ext>
             </a:extLst>
           </p:cNvPr>
@@ -5035,7 +6815,7 @@
           <a:p>
             <a:r>
               <a:rPr lang="da-DK" dirty="0"/>
-              <a:t>Baysian to the rescue</a:t>
+              <a:t>What is a metric?</a:t>
             </a:r>
           </a:p>
         </p:txBody>
@@ -5045,7 +6825,7 @@
           <p:cNvPr id="3" name="Content Placeholder 2">
             <a:extLst>
               <a:ext uri="{FF2B5EF4-FFF2-40B4-BE49-F238E27FC236}">
-                <a16:creationId xmlns:a16="http://schemas.microsoft.com/office/drawing/2014/main" id="{C67AF617-689B-4AC0-AD53-5F7170662167}"/>
+                <a16:creationId xmlns:a16="http://schemas.microsoft.com/office/drawing/2014/main" id="{A9CFB08A-7441-4C20-A7A7-998F7FDA8175}"/>
               </a:ext>
             </a:extLst>
           </p:cNvPr>
@@ -5061,9 +6841,12 @@
           <a:bodyPr/>
           <a:lstStyle/>
           <a:p>
+            <a:pPr marL="0" indent="0">
+              <a:buNone/>
+            </a:pPr>
             <a:r>
               <a:rPr lang="da-DK" dirty="0"/>
-              <a:t>fafa</a:t>
+              <a:t>Any quantity that measures ”goodness of fit”</a:t>
             </a:r>
           </a:p>
         </p:txBody>
@@ -5073,7 +6856,7 @@
           <p:cNvPr id="4" name="Date Placeholder 3">
             <a:extLst>
               <a:ext uri="{FF2B5EF4-FFF2-40B4-BE49-F238E27FC236}">
-                <a16:creationId xmlns:a16="http://schemas.microsoft.com/office/drawing/2014/main" id="{A2FD9BA9-94AF-41B5-86EF-495D60711F4A}"/>
+                <a16:creationId xmlns:a16="http://schemas.microsoft.com/office/drawing/2014/main" id="{3CDCE860-075F-4AC1-B045-B481D7BC4014}"/>
               </a:ext>
             </a:extLst>
           </p:cNvPr>
@@ -5091,7 +6874,7 @@
           <a:p>
             <a:fld id="{019E29B9-5584-4737-9C98-1B926378C778}" type="datetime1">
               <a:rPr lang="en-US" smtClean="0"/>
-              <a:t>4/28/2021</a:t>
+              <a:t>5/21/2021</a:t>
             </a:fld>
             <a:endParaRPr lang="da-DK"/>
           </a:p>
@@ -5102,7 +6885,7 @@
           <p:cNvPr id="5" name="Footer Placeholder 4">
             <a:extLst>
               <a:ext uri="{FF2B5EF4-FFF2-40B4-BE49-F238E27FC236}">
-                <a16:creationId xmlns:a16="http://schemas.microsoft.com/office/drawing/2014/main" id="{FD895FF5-2B5F-479E-A78F-A8B594941BA5}"/>
+                <a16:creationId xmlns:a16="http://schemas.microsoft.com/office/drawing/2014/main" id="{66B26304-DBA6-4423-A943-CA1E02F88FF4}"/>
               </a:ext>
             </a:extLst>
           </p:cNvPr>
@@ -5130,7 +6913,7 @@
           <p:cNvPr id="6" name="Slide Number Placeholder 5">
             <a:extLst>
               <a:ext uri="{FF2B5EF4-FFF2-40B4-BE49-F238E27FC236}">
-                <a16:creationId xmlns:a16="http://schemas.microsoft.com/office/drawing/2014/main" id="{8FD66691-0416-4966-B214-54D05CC90D47}"/>
+                <a16:creationId xmlns:a16="http://schemas.microsoft.com/office/drawing/2014/main" id="{02D970FC-38B8-4188-AE36-6BF739EACF73}"/>
               </a:ext>
             </a:extLst>
           </p:cNvPr>
@@ -5154,46 +6937,192 @@
           </a:p>
         </p:txBody>
       </p:sp>
-      <p:pic>
-        <p:nvPicPr>
-          <p:cNvPr id="10" name="Picture 9" descr="A person wearing sunglasses&#10;&#10;Description automatically generated with medium confidence">
-            <a:extLst>
-              <a:ext uri="{FF2B5EF4-FFF2-40B4-BE49-F238E27FC236}">
-                <a16:creationId xmlns:a16="http://schemas.microsoft.com/office/drawing/2014/main" id="{A553DB91-C226-421E-8463-0FD78F38B47F}"/>
-              </a:ext>
-            </a:extLst>
-          </p:cNvPr>
-          <p:cNvPicPr>
-            <a:picLocks noChangeAspect="1"/>
-          </p:cNvPicPr>
+      <p:sp>
+        <p:nvSpPr>
+          <p:cNvPr id="7" name="Oval 6">
+            <a:extLst>
+              <a:ext uri="{FF2B5EF4-FFF2-40B4-BE49-F238E27FC236}">
+                <a16:creationId xmlns:a16="http://schemas.microsoft.com/office/drawing/2014/main" id="{2DAF7853-17C9-419F-8EC1-C05B1ADFEBD8}"/>
+              </a:ext>
+            </a:extLst>
+          </p:cNvPr>
+          <p:cNvSpPr/>
           <p:nvPr/>
-        </p:nvPicPr>
-        <p:blipFill>
-          <a:blip r:embed="rId2">
-            <a:extLst>
-              <a:ext uri="{28A0092B-C50C-407E-A947-70E740481C1C}">
-                <a14:useLocalDpi xmlns:a14="http://schemas.microsoft.com/office/drawing/2010/main" val="0"/>
-              </a:ext>
-            </a:extLst>
-          </a:blip>
-          <a:stretch>
-            <a:fillRect/>
-          </a:stretch>
-        </p:blipFill>
+        </p:nvSpPr>
         <p:spPr>
           <a:xfrm>
-            <a:off x="7251440" y="1704392"/>
-            <a:ext cx="3810000" cy="3810000"/>
+            <a:off x="1151709" y="1950720"/>
+            <a:ext cx="9699171" cy="4345675"/>
+          </a:xfrm>
+          <a:prstGeom prst="ellipse">
+            <a:avLst/>
+          </a:prstGeom>
+          <a:noFill/>
+          <a:ln w="38100">
+            <a:solidFill>
+              <a:schemeClr val="accent1"/>
+            </a:solidFill>
+          </a:ln>
+        </p:spPr>
+        <p:style>
+          <a:lnRef idx="2">
+            <a:schemeClr val="accent1">
+              <a:shade val="50000"/>
+            </a:schemeClr>
+          </a:lnRef>
+          <a:fillRef idx="1">
+            <a:schemeClr val="accent1"/>
+          </a:fillRef>
+          <a:effectRef idx="0">
+            <a:schemeClr val="accent1"/>
+          </a:effectRef>
+          <a:fontRef idx="minor">
+            <a:schemeClr val="lt1"/>
+          </a:fontRef>
+        </p:style>
+        <p:txBody>
+          <a:bodyPr rtlCol="0" anchor="ctr"/>
+          <a:lstStyle/>
+          <a:p>
+            <a:pPr algn="ctr"/>
+            <a:endParaRPr lang="da-DK"/>
+          </a:p>
+        </p:txBody>
+      </p:sp>
+      <p:sp>
+        <p:nvSpPr>
+          <p:cNvPr id="8" name="Oval 7">
+            <a:extLst>
+              <a:ext uri="{FF2B5EF4-FFF2-40B4-BE49-F238E27FC236}">
+                <a16:creationId xmlns:a16="http://schemas.microsoft.com/office/drawing/2014/main" id="{35F6D718-0F15-4525-B3FF-958F5764712D}"/>
+              </a:ext>
+            </a:extLst>
+          </p:cNvPr>
+          <p:cNvSpPr/>
+          <p:nvPr/>
+        </p:nvSpPr>
+        <p:spPr>
+          <a:xfrm>
+            <a:off x="3683726" y="2717074"/>
+            <a:ext cx="6779623" cy="3365961"/>
+          </a:xfrm>
+          <a:prstGeom prst="ellipse">
+            <a:avLst/>
+          </a:prstGeom>
+          <a:noFill/>
+          <a:ln w="38100">
+            <a:solidFill>
+              <a:schemeClr val="accent1"/>
+            </a:solidFill>
+          </a:ln>
+        </p:spPr>
+        <p:style>
+          <a:lnRef idx="2">
+            <a:schemeClr val="accent1">
+              <a:shade val="50000"/>
+            </a:schemeClr>
+          </a:lnRef>
+          <a:fillRef idx="1">
+            <a:schemeClr val="accent1"/>
+          </a:fillRef>
+          <a:effectRef idx="0">
+            <a:schemeClr val="accent1"/>
+          </a:effectRef>
+          <a:fontRef idx="minor">
+            <a:schemeClr val="lt1"/>
+          </a:fontRef>
+        </p:style>
+        <p:txBody>
+          <a:bodyPr rtlCol="0" anchor="ctr"/>
+          <a:lstStyle/>
+          <a:p>
+            <a:pPr algn="ctr"/>
+            <a:endParaRPr lang="da-DK"/>
+          </a:p>
+        </p:txBody>
+      </p:sp>
+      <p:sp>
+        <p:nvSpPr>
+          <p:cNvPr id="9" name="TextBox 8">
+            <a:extLst>
+              <a:ext uri="{FF2B5EF4-FFF2-40B4-BE49-F238E27FC236}">
+                <a16:creationId xmlns:a16="http://schemas.microsoft.com/office/drawing/2014/main" id="{C2C7918D-9A43-4776-8A59-431D9D8B770F}"/>
+              </a:ext>
+            </a:extLst>
+          </p:cNvPr>
+          <p:cNvSpPr txBox="1"/>
+          <p:nvPr/>
+        </p:nvSpPr>
+        <p:spPr>
+          <a:xfrm>
+            <a:off x="1547949" y="2255409"/>
+            <a:ext cx="2455817" cy="461665"/>
           </a:xfrm>
           <a:prstGeom prst="rect">
             <a:avLst/>
           </a:prstGeom>
+          <a:noFill/>
         </p:spPr>
-      </p:pic>
+        <p:txBody>
+          <a:bodyPr wrap="square" rtlCol="0">
+            <a:spAutoFit/>
+          </a:bodyPr>
+          <a:lstStyle/>
+          <a:p>
+            <a:r>
+              <a:rPr lang="da-DK" sz="2400" dirty="0"/>
+              <a:t>Metric</a:t>
+            </a:r>
+            <a:endParaRPr lang="da-DK" dirty="0"/>
+          </a:p>
+        </p:txBody>
+      </p:sp>
+      <p:sp>
+        <p:nvSpPr>
+          <p:cNvPr id="10" name="TextBox 9">
+            <a:extLst>
+              <a:ext uri="{FF2B5EF4-FFF2-40B4-BE49-F238E27FC236}">
+                <a16:creationId xmlns:a16="http://schemas.microsoft.com/office/drawing/2014/main" id="{7E95693E-874A-47F0-9983-1427BA18E338}"/>
+              </a:ext>
+            </a:extLst>
+          </p:cNvPr>
+          <p:cNvSpPr txBox="1"/>
+          <p:nvPr/>
+        </p:nvSpPr>
+        <p:spPr>
+          <a:xfrm>
+            <a:off x="6001294" y="2782278"/>
+            <a:ext cx="2455817" cy="830997"/>
+          </a:xfrm>
+          <a:prstGeom prst="rect">
+            <a:avLst/>
+          </a:prstGeom>
+          <a:noFill/>
+        </p:spPr>
+        <p:txBody>
+          <a:bodyPr wrap="square" rtlCol="0">
+            <a:spAutoFit/>
+          </a:bodyPr>
+          <a:lstStyle/>
+          <a:p>
+            <a:r>
+              <a:rPr lang="da-DK" sz="2400" dirty="0"/>
+              <a:t>Loss functions</a:t>
+            </a:r>
+          </a:p>
+          <a:p>
+            <a:r>
+              <a:rPr lang="da-DK" sz="2400" dirty="0"/>
+              <a:t>(differentiable)</a:t>
+            </a:r>
+            <a:endParaRPr lang="da-DK" dirty="0"/>
+          </a:p>
+        </p:txBody>
+      </p:sp>
     </p:spTree>
     <p:extLst>
       <p:ext uri="{BB962C8B-B14F-4D97-AF65-F5344CB8AC3E}">
-        <p14:creationId xmlns:p14="http://schemas.microsoft.com/office/powerpoint/2010/main" val="146951144"/>
+        <p14:creationId xmlns:p14="http://schemas.microsoft.com/office/powerpoint/2010/main" val="2543158196"/>
       </p:ext>
     </p:extLst>
   </p:cSld>
@@ -5225,7 +7154,7 @@
           <p:cNvPr id="2" name="Title 1">
             <a:extLst>
               <a:ext uri="{FF2B5EF4-FFF2-40B4-BE49-F238E27FC236}">
-                <a16:creationId xmlns:a16="http://schemas.microsoft.com/office/drawing/2014/main" id="{9A93575A-2B34-44B0-9D6F-223847BB1BD2}"/>
+                <a16:creationId xmlns:a16="http://schemas.microsoft.com/office/drawing/2014/main" id="{1507532C-2B15-4A7D-8C7B-1EC9567DF044}"/>
               </a:ext>
             </a:extLst>
           </p:cNvPr>
@@ -5243,69 +7172,485 @@
           <a:p>
             <a:r>
               <a:rPr lang="da-DK" dirty="0"/>
-              <a:t>Pruning</a:t>
-            </a:r>
-          </a:p>
-        </p:txBody>
-      </p:sp>
-      <p:sp>
-        <p:nvSpPr>
-          <p:cNvPr id="3" name="Content Placeholder 2">
-            <a:extLst>
-              <a:ext uri="{FF2B5EF4-FFF2-40B4-BE49-F238E27FC236}">
-                <a16:creationId xmlns:a16="http://schemas.microsoft.com/office/drawing/2014/main" id="{4CEE5350-00DC-4C1C-B818-DE24AABEB3E1}"/>
-              </a:ext>
-            </a:extLst>
-          </p:cNvPr>
-          <p:cNvSpPr>
-            <a:spLocks noGrp="1"/>
-          </p:cNvSpPr>
-          <p:nvPr>
-            <p:ph idx="1"/>
-          </p:nvPr>
-        </p:nvSpPr>
-        <p:spPr/>
-        <p:txBody>
-          <a:bodyPr/>
-          <a:lstStyle/>
-          <a:p>
-            <a:endParaRPr lang="da-DK" dirty="0"/>
-          </a:p>
-          <a:p>
-            <a:endParaRPr lang="da-DK" dirty="0"/>
-          </a:p>
-          <a:p>
-            <a:endParaRPr lang="da-DK" dirty="0"/>
-          </a:p>
-          <a:p>
-            <a:endParaRPr lang="da-DK" dirty="0"/>
-          </a:p>
-          <a:p>
-            <a:endParaRPr lang="da-DK" dirty="0"/>
-          </a:p>
-          <a:p>
-            <a:endParaRPr lang="da-DK" dirty="0"/>
-          </a:p>
-          <a:p>
-            <a:endParaRPr lang="da-DK" dirty="0"/>
-          </a:p>
-          <a:p>
-            <a:pPr marL="0" indent="0">
-              <a:buNone/>
-            </a:pPr>
-            <a:r>
-              <a:rPr lang="da-DK" dirty="0"/>
-              <a:t>Be carefull with over-pruning as you may loose some performance on the floor</a:t>
-            </a:r>
-          </a:p>
-        </p:txBody>
-      </p:sp>
+              <a:t>Generalization error</a:t>
+            </a:r>
+          </a:p>
+        </p:txBody>
+      </p:sp>
+      <mc:AlternateContent xmlns:mc="http://schemas.openxmlformats.org/markup-compatibility/2006">
+        <mc:Choice xmlns:a14="http://schemas.microsoft.com/office/drawing/2010/main" Requires="a14">
+          <p:sp>
+            <p:nvSpPr>
+              <p:cNvPr id="3" name="Content Placeholder 2">
+                <a:extLst>
+                  <a:ext uri="{FF2B5EF4-FFF2-40B4-BE49-F238E27FC236}">
+                    <a16:creationId xmlns:a16="http://schemas.microsoft.com/office/drawing/2014/main" id="{B7CC241D-0CD1-40E6-BAE0-1E91174B774C}"/>
+                  </a:ext>
+                </a:extLst>
+              </p:cNvPr>
+              <p:cNvSpPr>
+                <a:spLocks noGrp="1"/>
+              </p:cNvSpPr>
+              <p:nvPr>
+                <p:ph idx="1"/>
+              </p:nvPr>
+            </p:nvSpPr>
+            <p:spPr/>
+            <p:txBody>
+              <a:bodyPr/>
+              <a:lstStyle/>
+              <a:p>
+                <a:pPr marL="0" indent="0">
+                  <a:buNone/>
+                </a:pPr>
+                <a:r>
+                  <a:rPr lang="da-DK" dirty="0"/>
+                  <a:t>The generalization error/expected loss/risk is given by</a:t>
+                </a:r>
+              </a:p>
+              <a:p>
+                <a:pPr marL="0" indent="0">
+                  <a:buNone/>
+                </a:pPr>
+                <a:endParaRPr lang="da-DK" dirty="0"/>
+              </a:p>
+              <a:p>
+                <a:pPr marL="0" indent="0">
+                  <a:buNone/>
+                </a:pPr>
+                <a14:m>
+                  <m:oMathPara xmlns:m="http://schemas.openxmlformats.org/officeDocument/2006/math">
+                    <m:oMathParaPr>
+                      <m:jc m:val="centerGroup"/>
+                    </m:oMathParaPr>
+                    <m:oMath xmlns:m="http://schemas.openxmlformats.org/officeDocument/2006/math">
+                      <m:r>
+                        <a:rPr lang="da-DK" b="0" i="1" smtClean="0">
+                          <a:latin typeface="Cambria Math" panose="02040503050406030204" pitchFamily="18" charset="0"/>
+                        </a:rPr>
+                        <m:t>𝐼</m:t>
+                      </m:r>
+                      <m:d>
+                        <m:dPr>
+                          <m:begChr m:val="["/>
+                          <m:endChr m:val="]"/>
+                          <m:ctrlPr>
+                            <a:rPr lang="da-DK" b="0" i="1" smtClean="0">
+                              <a:latin typeface="Cambria Math" panose="02040503050406030204" pitchFamily="18" charset="0"/>
+                            </a:rPr>
+                          </m:ctrlPr>
+                        </m:dPr>
+                        <m:e>
+                          <m:r>
+                            <a:rPr lang="da-DK" b="0" i="1" smtClean="0">
+                              <a:latin typeface="Cambria Math" panose="02040503050406030204" pitchFamily="18" charset="0"/>
+                            </a:rPr>
+                            <m:t>𝑓</m:t>
+                          </m:r>
+                        </m:e>
+                      </m:d>
+                      <m:r>
+                        <a:rPr lang="da-DK" b="0" i="1" smtClean="0">
+                          <a:latin typeface="Cambria Math" panose="02040503050406030204" pitchFamily="18" charset="0"/>
+                        </a:rPr>
+                        <m:t>=</m:t>
+                      </m:r>
+                      <m:nary>
+                        <m:naryPr>
+                          <m:ctrlPr>
+                            <a:rPr lang="da-DK" b="0" i="1" smtClean="0">
+                              <a:latin typeface="Cambria Math" panose="02040503050406030204" pitchFamily="18" charset="0"/>
+                            </a:rPr>
+                          </m:ctrlPr>
+                        </m:naryPr>
+                        <m:sub>
+                          <m:r>
+                            <m:rPr>
+                              <m:brk m:alnAt="23"/>
+                            </m:rPr>
+                            <a:rPr lang="da-DK" b="0" i="1" smtClean="0">
+                              <a:latin typeface="Cambria Math" panose="02040503050406030204" pitchFamily="18" charset="0"/>
+                            </a:rPr>
+                            <m:t>𝑋</m:t>
+                          </m:r>
+                          <m:r>
+                            <a:rPr lang="da-DK" b="0" i="1" smtClean="0">
+                              <a:latin typeface="Cambria Math" panose="02040503050406030204" pitchFamily="18" charset="0"/>
+                              <a:ea typeface="Cambria Math" panose="02040503050406030204" pitchFamily="18" charset="0"/>
+                            </a:rPr>
+                            <m:t>×</m:t>
+                          </m:r>
+                          <m:r>
+                            <a:rPr lang="da-DK" b="0" i="1" smtClean="0">
+                              <a:latin typeface="Cambria Math" panose="02040503050406030204" pitchFamily="18" charset="0"/>
+                              <a:ea typeface="Cambria Math" panose="02040503050406030204" pitchFamily="18" charset="0"/>
+                            </a:rPr>
+                            <m:t>𝑌</m:t>
+                          </m:r>
+                        </m:sub>
+                        <m:sup/>
+                        <m:e>
+                          <m:r>
+                            <a:rPr lang="da-DK" b="0" i="1" smtClean="0">
+                              <a:latin typeface="Cambria Math" panose="02040503050406030204" pitchFamily="18" charset="0"/>
+                            </a:rPr>
+                            <m:t>𝑀</m:t>
+                          </m:r>
+                          <m:d>
+                            <m:dPr>
+                              <m:ctrlPr>
+                                <a:rPr lang="da-DK" b="0" i="1" smtClean="0">
+                                  <a:latin typeface="Cambria Math" panose="02040503050406030204" pitchFamily="18" charset="0"/>
+                                </a:rPr>
+                              </m:ctrlPr>
+                            </m:dPr>
+                            <m:e>
+                              <m:r>
+                                <a:rPr lang="da-DK" b="0" i="1" smtClean="0">
+                                  <a:latin typeface="Cambria Math" panose="02040503050406030204" pitchFamily="18" charset="0"/>
+                                </a:rPr>
+                                <m:t>𝑓</m:t>
+                              </m:r>
+                              <m:d>
+                                <m:dPr>
+                                  <m:ctrlPr>
+                                    <a:rPr lang="da-DK" b="0" i="1" smtClean="0">
+                                      <a:latin typeface="Cambria Math" panose="02040503050406030204" pitchFamily="18" charset="0"/>
+                                    </a:rPr>
+                                  </m:ctrlPr>
+                                </m:dPr>
+                                <m:e>
+                                  <m:r>
+                                    <a:rPr lang="da-DK" b="0" i="1" smtClean="0">
+                                      <a:latin typeface="Cambria Math" panose="02040503050406030204" pitchFamily="18" charset="0"/>
+                                    </a:rPr>
+                                    <m:t>𝑥</m:t>
+                                  </m:r>
+                                </m:e>
+                              </m:d>
+                              <m:r>
+                                <a:rPr lang="da-DK" b="0" i="1" smtClean="0">
+                                  <a:latin typeface="Cambria Math" panose="02040503050406030204" pitchFamily="18" charset="0"/>
+                                </a:rPr>
+                                <m:t>,</m:t>
+                              </m:r>
+                              <m:r>
+                                <a:rPr lang="da-DK" b="0" i="1" smtClean="0">
+                                  <a:latin typeface="Cambria Math" panose="02040503050406030204" pitchFamily="18" charset="0"/>
+                                </a:rPr>
+                                <m:t>𝑦</m:t>
+                              </m:r>
+                            </m:e>
+                          </m:d>
+                          <m:r>
+                            <a:rPr lang="da-DK" b="0" i="1" smtClean="0">
+                              <a:latin typeface="Cambria Math" panose="02040503050406030204" pitchFamily="18" charset="0"/>
+                            </a:rPr>
+                            <m:t>𝑝</m:t>
+                          </m:r>
+                          <m:d>
+                            <m:dPr>
+                              <m:ctrlPr>
+                                <a:rPr lang="da-DK" b="0" i="1" smtClean="0">
+                                  <a:latin typeface="Cambria Math" panose="02040503050406030204" pitchFamily="18" charset="0"/>
+                                </a:rPr>
+                              </m:ctrlPr>
+                            </m:dPr>
+                            <m:e>
+                              <m:r>
+                                <a:rPr lang="da-DK" b="0" i="1" smtClean="0">
+                                  <a:latin typeface="Cambria Math" panose="02040503050406030204" pitchFamily="18" charset="0"/>
+                                </a:rPr>
+                                <m:t>𝑥</m:t>
+                              </m:r>
+                              <m:r>
+                                <a:rPr lang="da-DK" b="0" i="1" smtClean="0">
+                                  <a:latin typeface="Cambria Math" panose="02040503050406030204" pitchFamily="18" charset="0"/>
+                                </a:rPr>
+                                <m:t>,</m:t>
+                              </m:r>
+                              <m:r>
+                                <a:rPr lang="da-DK" b="0" i="1" smtClean="0">
+                                  <a:latin typeface="Cambria Math" panose="02040503050406030204" pitchFamily="18" charset="0"/>
+                                </a:rPr>
+                                <m:t>𝑦</m:t>
+                              </m:r>
+                            </m:e>
+                          </m:d>
+                          <m:r>
+                            <a:rPr lang="da-DK" b="0" i="1" smtClean="0">
+                              <a:latin typeface="Cambria Math" panose="02040503050406030204" pitchFamily="18" charset="0"/>
+                            </a:rPr>
+                            <m:t> </m:t>
+                          </m:r>
+                          <m:r>
+                            <a:rPr lang="da-DK" b="0" i="1" smtClean="0">
+                              <a:latin typeface="Cambria Math" panose="02040503050406030204" pitchFamily="18" charset="0"/>
+                            </a:rPr>
+                            <m:t>𝑑𝑥𝑑𝑦</m:t>
+                          </m:r>
+                        </m:e>
+                      </m:nary>
+                    </m:oMath>
+                  </m:oMathPara>
+                </a14:m>
+                <a:endParaRPr lang="da-DK" dirty="0"/>
+              </a:p>
+              <a:p>
+                <a:pPr marL="0" indent="0">
+                  <a:buNone/>
+                </a:pPr>
+                <a:endParaRPr lang="da-DK" dirty="0"/>
+              </a:p>
+              <a:p>
+                <a:pPr marL="0" indent="0">
+                  <a:buNone/>
+                </a:pPr>
+                <a:r>
+                  <a:rPr lang="da-DK" dirty="0"/>
+                  <a:t>where </a:t>
+                </a:r>
+                <a14:m>
+                  <m:oMath xmlns:m="http://schemas.openxmlformats.org/officeDocument/2006/math">
+                    <m:r>
+                      <a:rPr lang="da-DK" b="0" i="1" smtClean="0">
+                        <a:latin typeface="Cambria Math" panose="02040503050406030204" pitchFamily="18" charset="0"/>
+                      </a:rPr>
+                      <m:t>𝑓</m:t>
+                    </m:r>
+                  </m:oMath>
+                </a14:m>
+                <a:r>
+                  <a:rPr lang="da-DK" dirty="0"/>
+                  <a:t> is some function </a:t>
+                </a:r>
+                <a14:m>
+                  <m:oMath xmlns:m="http://schemas.openxmlformats.org/officeDocument/2006/math">
+                    <m:r>
+                      <a:rPr lang="da-DK" b="0" i="1" smtClean="0">
+                        <a:latin typeface="Cambria Math" panose="02040503050406030204" pitchFamily="18" charset="0"/>
+                      </a:rPr>
+                      <m:t>𝑓</m:t>
+                    </m:r>
+                    <m:r>
+                      <a:rPr lang="da-DK" b="0" i="1" smtClean="0">
+                        <a:latin typeface="Cambria Math" panose="02040503050406030204" pitchFamily="18" charset="0"/>
+                      </a:rPr>
+                      <m:t>:</m:t>
+                    </m:r>
+                    <m:r>
+                      <a:rPr lang="da-DK" b="0" i="1" smtClean="0">
+                        <a:latin typeface="Cambria Math" panose="02040503050406030204" pitchFamily="18" charset="0"/>
+                      </a:rPr>
+                      <m:t>𝑋</m:t>
+                    </m:r>
+                    <m:r>
+                      <a:rPr lang="da-DK" b="0" i="1" smtClean="0">
+                        <a:latin typeface="Cambria Math" panose="02040503050406030204" pitchFamily="18" charset="0"/>
+                      </a:rPr>
+                      <m:t>→</m:t>
+                    </m:r>
+                    <m:r>
+                      <a:rPr lang="da-DK" b="0" i="1" smtClean="0">
+                        <a:latin typeface="Cambria Math" panose="02040503050406030204" pitchFamily="18" charset="0"/>
+                      </a:rPr>
+                      <m:t>𝑌</m:t>
+                    </m:r>
+                    <m:r>
+                      <a:rPr lang="da-DK" b="0" i="1" smtClean="0">
+                        <a:latin typeface="Cambria Math" panose="02040503050406030204" pitchFamily="18" charset="0"/>
+                      </a:rPr>
+                      <m:t>, </m:t>
+                    </m:r>
+                    <m:r>
+                      <a:rPr lang="da-DK" b="0" i="1" smtClean="0">
+                        <a:latin typeface="Cambria Math" panose="02040503050406030204" pitchFamily="18" charset="0"/>
+                      </a:rPr>
+                      <m:t>𝑀</m:t>
+                    </m:r>
+                  </m:oMath>
+                </a14:m>
+                <a:r>
+                  <a:rPr lang="da-DK" dirty="0"/>
+                  <a:t> denotes the evaluation Metric and </a:t>
+                </a:r>
+                <a14:m>
+                  <m:oMath xmlns:m="http://schemas.openxmlformats.org/officeDocument/2006/math">
+                    <m:r>
+                      <a:rPr lang="da-DK" b="0" i="1" smtClean="0">
+                        <a:latin typeface="Cambria Math" panose="02040503050406030204" pitchFamily="18" charset="0"/>
+                      </a:rPr>
+                      <m:t>𝑝</m:t>
+                    </m:r>
+                    <m:r>
+                      <a:rPr lang="da-DK" b="0" i="1" smtClean="0">
+                        <a:latin typeface="Cambria Math" panose="02040503050406030204" pitchFamily="18" charset="0"/>
+                      </a:rPr>
+                      <m:t>(</m:t>
+                    </m:r>
+                    <m:r>
+                      <a:rPr lang="da-DK" b="0" i="1" smtClean="0">
+                        <a:latin typeface="Cambria Math" panose="02040503050406030204" pitchFamily="18" charset="0"/>
+                      </a:rPr>
+                      <m:t>𝑥</m:t>
+                    </m:r>
+                    <m:r>
+                      <a:rPr lang="da-DK" b="0" i="1" smtClean="0">
+                        <a:latin typeface="Cambria Math" panose="02040503050406030204" pitchFamily="18" charset="0"/>
+                      </a:rPr>
+                      <m:t>,</m:t>
+                    </m:r>
+                    <m:r>
+                      <a:rPr lang="da-DK" b="0" i="1" smtClean="0">
+                        <a:latin typeface="Cambria Math" panose="02040503050406030204" pitchFamily="18" charset="0"/>
+                      </a:rPr>
+                      <m:t>𝑦</m:t>
+                    </m:r>
+                    <m:r>
+                      <a:rPr lang="da-DK" b="0" i="1" smtClean="0">
+                        <a:latin typeface="Cambria Math" panose="02040503050406030204" pitchFamily="18" charset="0"/>
+                      </a:rPr>
+                      <m:t>)</m:t>
+                    </m:r>
+                  </m:oMath>
+                </a14:m>
+                <a:r>
+                  <a:rPr lang="da-DK" dirty="0"/>
+                  <a:t> is the joint probablility distribution between </a:t>
+                </a:r>
+                <a14:m>
+                  <m:oMath xmlns:m="http://schemas.openxmlformats.org/officeDocument/2006/math">
+                    <m:r>
+                      <a:rPr lang="da-DK" b="0" i="1" smtClean="0">
+                        <a:latin typeface="Cambria Math" panose="02040503050406030204" pitchFamily="18" charset="0"/>
+                      </a:rPr>
+                      <m:t>𝑥</m:t>
+                    </m:r>
+                  </m:oMath>
+                </a14:m>
+                <a:r>
+                  <a:rPr lang="da-DK" dirty="0"/>
+                  <a:t> and </a:t>
+                </a:r>
+                <a14:m>
+                  <m:oMath xmlns:m="http://schemas.openxmlformats.org/officeDocument/2006/math">
+                    <m:r>
+                      <a:rPr lang="da-DK" b="0" i="1" smtClean="0">
+                        <a:latin typeface="Cambria Math" panose="02040503050406030204" pitchFamily="18" charset="0"/>
+                      </a:rPr>
+                      <m:t>𝑦</m:t>
+                    </m:r>
+                  </m:oMath>
+                </a14:m>
+                <a:endParaRPr lang="da-DK" dirty="0"/>
+              </a:p>
+              <a:p>
+                <a:pPr marL="0" indent="0">
+                  <a:buNone/>
+                </a:pPr>
+                <a:endParaRPr lang="da-DK" dirty="0"/>
+              </a:p>
+              <a:p>
+                <a:pPr marL="0" indent="0">
+                  <a:buNone/>
+                </a:pPr>
+                <a:r>
+                  <a:rPr lang="da-DK" dirty="0"/>
+                  <a:t>We cannot optimize this directly because </a:t>
+                </a:r>
+                <a14:m>
+                  <m:oMath xmlns:m="http://schemas.openxmlformats.org/officeDocument/2006/math">
+                    <m:r>
+                      <a:rPr lang="da-DK" b="0" i="1" smtClean="0">
+                        <a:latin typeface="Cambria Math" panose="02040503050406030204" pitchFamily="18" charset="0"/>
+                      </a:rPr>
+                      <m:t>𝑝</m:t>
+                    </m:r>
+                    <m:d>
+                      <m:dPr>
+                        <m:ctrlPr>
+                          <a:rPr lang="da-DK" b="0" i="1" smtClean="0">
+                            <a:latin typeface="Cambria Math" panose="02040503050406030204" pitchFamily="18" charset="0"/>
+                          </a:rPr>
+                        </m:ctrlPr>
+                      </m:dPr>
+                      <m:e>
+                        <m:r>
+                          <a:rPr lang="da-DK" b="0" i="1" smtClean="0">
+                            <a:latin typeface="Cambria Math" panose="02040503050406030204" pitchFamily="18" charset="0"/>
+                          </a:rPr>
+                          <m:t>𝑥</m:t>
+                        </m:r>
+                        <m:r>
+                          <a:rPr lang="da-DK" b="0" i="1" smtClean="0">
+                            <a:latin typeface="Cambria Math" panose="02040503050406030204" pitchFamily="18" charset="0"/>
+                          </a:rPr>
+                          <m:t>,</m:t>
+                        </m:r>
+                        <m:r>
+                          <a:rPr lang="da-DK" b="0" i="1" smtClean="0">
+                            <a:latin typeface="Cambria Math" panose="02040503050406030204" pitchFamily="18" charset="0"/>
+                          </a:rPr>
+                          <m:t>𝑦</m:t>
+                        </m:r>
+                      </m:e>
+                    </m:d>
+                  </m:oMath>
+                </a14:m>
+                <a:r>
+                  <a:rPr lang="da-DK" dirty="0"/>
+                  <a:t> is unknown and even if we knew it, the integral would be intractable.</a:t>
+                </a:r>
+              </a:p>
+            </p:txBody>
+          </p:sp>
+        </mc:Choice>
+        <mc:Fallback>
+          <p:sp>
+            <p:nvSpPr>
+              <p:cNvPr id="3" name="Content Placeholder 2">
+                <a:extLst>
+                  <a:ext uri="{FF2B5EF4-FFF2-40B4-BE49-F238E27FC236}">
+                    <a16:creationId xmlns:a16="http://schemas.microsoft.com/office/drawing/2014/main" id="{B7CC241D-0CD1-40E6-BAE0-1E91174B774C}"/>
+                  </a:ext>
+                </a:extLst>
+              </p:cNvPr>
+              <p:cNvSpPr>
+                <a:spLocks noGrp="1" noRot="1" noChangeAspect="1" noMove="1" noResize="1" noEditPoints="1" noAdjustHandles="1" noChangeArrowheads="1" noChangeShapeType="1" noTextEdit="1"/>
+              </p:cNvSpPr>
+              <p:nvPr>
+                <p:ph idx="1"/>
+              </p:nvPr>
+            </p:nvSpPr>
+            <p:spPr>
+              <a:blipFill>
+                <a:blip r:embed="rId2"/>
+                <a:stretch>
+                  <a:fillRect l="-1217" t="-2018" r="-348" b="-757"/>
+                </a:stretch>
+              </a:blipFill>
+            </p:spPr>
+            <p:txBody>
+              <a:bodyPr/>
+              <a:lstStyle/>
+              <a:p>
+                <a:r>
+                  <a:rPr lang="da-DK">
+                    <a:noFill/>
+                  </a:rPr>
+                  <a:t> </a:t>
+                </a:r>
+              </a:p>
+            </p:txBody>
+          </p:sp>
+        </mc:Fallback>
+      </mc:AlternateContent>
       <p:sp>
         <p:nvSpPr>
           <p:cNvPr id="4" name="Date Placeholder 3">
             <a:extLst>
               <a:ext uri="{FF2B5EF4-FFF2-40B4-BE49-F238E27FC236}">
-                <a16:creationId xmlns:a16="http://schemas.microsoft.com/office/drawing/2014/main" id="{EE194419-5603-489D-A342-9DF851BF26E0}"/>
+                <a16:creationId xmlns:a16="http://schemas.microsoft.com/office/drawing/2014/main" id="{2F663831-27F1-415B-A962-B604A7A0C792}"/>
               </a:ext>
             </a:extLst>
           </p:cNvPr>
@@ -5323,7 +7668,7 @@
           <a:p>
             <a:fld id="{019E29B9-5584-4737-9C98-1B926378C778}" type="datetime1">
               <a:rPr lang="en-US" smtClean="0"/>
-              <a:t>4/28/2021</a:t>
+              <a:t>5/21/2021</a:t>
             </a:fld>
             <a:endParaRPr lang="da-DK"/>
           </a:p>
@@ -5334,7 +7679,7 @@
           <p:cNvPr id="5" name="Footer Placeholder 4">
             <a:extLst>
               <a:ext uri="{FF2B5EF4-FFF2-40B4-BE49-F238E27FC236}">
-                <a16:creationId xmlns:a16="http://schemas.microsoft.com/office/drawing/2014/main" id="{241B45D6-BD88-4701-9A2E-60FD91C1F570}"/>
+                <a16:creationId xmlns:a16="http://schemas.microsoft.com/office/drawing/2014/main" id="{3E05950E-42FC-4B65-A401-6784E3806683}"/>
               </a:ext>
             </a:extLst>
           </p:cNvPr>
@@ -5362,7 +7707,7 @@
           <p:cNvPr id="6" name="Slide Number Placeholder 5">
             <a:extLst>
               <a:ext uri="{FF2B5EF4-FFF2-40B4-BE49-F238E27FC236}">
-                <a16:creationId xmlns:a16="http://schemas.microsoft.com/office/drawing/2014/main" id="{D8985595-AC23-4970-8F6B-4C01142728F4}"/>
+                <a16:creationId xmlns:a16="http://schemas.microsoft.com/office/drawing/2014/main" id="{18FD0EDF-978C-44D7-BF24-26438C0F2F6D}"/>
               </a:ext>
             </a:extLst>
           </p:cNvPr>
@@ -5386,46 +7731,10 @@
           </a:p>
         </p:txBody>
       </p:sp>
-      <p:pic>
-        <p:nvPicPr>
-          <p:cNvPr id="8" name="Picture 7" descr="Chart&#10;&#10;Description automatically generated">
-            <a:extLst>
-              <a:ext uri="{FF2B5EF4-FFF2-40B4-BE49-F238E27FC236}">
-                <a16:creationId xmlns:a16="http://schemas.microsoft.com/office/drawing/2014/main" id="{D42BAD61-161B-47E9-B0B7-758D21FC9161}"/>
-              </a:ext>
-            </a:extLst>
-          </p:cNvPr>
-          <p:cNvPicPr>
-            <a:picLocks noChangeAspect="1"/>
-          </p:cNvPicPr>
-          <p:nvPr/>
-        </p:nvPicPr>
-        <p:blipFill>
-          <a:blip r:embed="rId2">
-            <a:extLst>
-              <a:ext uri="{28A0092B-C50C-407E-A947-70E740481C1C}">
-                <a14:useLocalDpi xmlns:a14="http://schemas.microsoft.com/office/drawing/2010/main" val="0"/>
-              </a:ext>
-            </a:extLst>
-          </a:blip>
-          <a:stretch>
-            <a:fillRect/>
-          </a:stretch>
-        </p:blipFill>
-        <p:spPr>
-          <a:xfrm>
-            <a:off x="2771192" y="1096627"/>
-            <a:ext cx="6248400" cy="3489192"/>
-          </a:xfrm>
-          <a:prstGeom prst="rect">
-            <a:avLst/>
-          </a:prstGeom>
-        </p:spPr>
-      </p:pic>
     </p:spTree>
     <p:extLst>
       <p:ext uri="{BB962C8B-B14F-4D97-AF65-F5344CB8AC3E}">
-        <p14:creationId xmlns:p14="http://schemas.microsoft.com/office/powerpoint/2010/main" val="2832370657"/>
+        <p14:creationId xmlns:p14="http://schemas.microsoft.com/office/powerpoint/2010/main" val="1805560160"/>
       </p:ext>
     </p:extLst>
   </p:cSld>
@@ -5457,7 +7766,7 @@
           <p:cNvPr id="2" name="Title 1">
             <a:extLst>
               <a:ext uri="{FF2B5EF4-FFF2-40B4-BE49-F238E27FC236}">
-                <a16:creationId xmlns:a16="http://schemas.microsoft.com/office/drawing/2014/main" id="{441B86A7-10D4-4594-ACDC-F5238B820386}"/>
+                <a16:creationId xmlns:a16="http://schemas.microsoft.com/office/drawing/2014/main" id="{EF43050F-740A-495D-8876-CA11179A367A}"/>
               </a:ext>
             </a:extLst>
           </p:cNvPr>
@@ -5475,86 +7784,567 @@
           <a:p>
             <a:r>
               <a:rPr lang="da-DK" dirty="0"/>
-              <a:t>Hyperparameter fremework </a:t>
-            </a:r>
-          </a:p>
-        </p:txBody>
-      </p:sp>
-      <p:sp>
-        <p:nvSpPr>
-          <p:cNvPr id="3" name="Content Placeholder 2">
-            <a:extLst>
-              <a:ext uri="{FF2B5EF4-FFF2-40B4-BE49-F238E27FC236}">
-                <a16:creationId xmlns:a16="http://schemas.microsoft.com/office/drawing/2014/main" id="{9D82536D-E493-4163-B5FF-B014EBE7FA1A}"/>
-              </a:ext>
-            </a:extLst>
-          </p:cNvPr>
-          <p:cNvSpPr>
-            <a:spLocks noGrp="1"/>
-          </p:cNvSpPr>
-          <p:nvPr>
-            <p:ph idx="1"/>
-          </p:nvPr>
-        </p:nvSpPr>
-        <p:spPr/>
-        <p:txBody>
-          <a:bodyPr/>
-          <a:lstStyle/>
-          <a:p>
-            <a:pPr marL="0" indent="0">
-              <a:buNone/>
-            </a:pPr>
-            <a:endParaRPr lang="da-DK" dirty="0">
-              <a:hlinkClick r:id="rId2"/>
-            </a:endParaRPr>
-          </a:p>
-          <a:p>
-            <a:pPr marL="0" indent="0">
-              <a:buNone/>
-            </a:pPr>
-            <a:endParaRPr lang="da-DK" dirty="0">
-              <a:hlinkClick r:id="rId2"/>
-            </a:endParaRPr>
-          </a:p>
-          <a:p>
-            <a:pPr marL="0" indent="0">
-              <a:buNone/>
-            </a:pPr>
-            <a:endParaRPr lang="da-DK" dirty="0">
-              <a:hlinkClick r:id="rId2"/>
-            </a:endParaRPr>
-          </a:p>
-          <a:p>
-            <a:pPr marL="0" indent="0">
-              <a:buNone/>
-            </a:pPr>
-            <a:endParaRPr lang="da-DK" dirty="0">
-              <a:hlinkClick r:id="rId2"/>
-            </a:endParaRPr>
-          </a:p>
-          <a:p>
-            <a:pPr marL="0" indent="0" algn="ctr">
-              <a:buNone/>
-            </a:pPr>
-            <a:r>
-              <a:rPr lang="da-DK" dirty="0">
-                <a:hlinkClick r:id="rId2"/>
-              </a:rPr>
-              <a:t>https://optuna.readthedocs.io/en/stable/</a:t>
-            </a:r>
-            <a:endParaRPr lang="da-DK" dirty="0"/>
-          </a:p>
-          <a:p>
-            <a:endParaRPr lang="da-DK" dirty="0"/>
-          </a:p>
-        </p:txBody>
-      </p:sp>
+              <a:t>Generalization error</a:t>
+            </a:r>
+          </a:p>
+        </p:txBody>
+      </p:sp>
+      <mc:AlternateContent xmlns:mc="http://schemas.openxmlformats.org/markup-compatibility/2006">
+        <mc:Choice xmlns:a14="http://schemas.microsoft.com/office/drawing/2010/main" Requires="a14">
+          <p:sp>
+            <p:nvSpPr>
+              <p:cNvPr id="3" name="Content Placeholder 2">
+                <a:extLst>
+                  <a:ext uri="{FF2B5EF4-FFF2-40B4-BE49-F238E27FC236}">
+                    <a16:creationId xmlns:a16="http://schemas.microsoft.com/office/drawing/2014/main" id="{28A4F489-F9E6-4C23-8BCC-C154479CD5DC}"/>
+                  </a:ext>
+                </a:extLst>
+              </p:cNvPr>
+              <p:cNvSpPr>
+                <a:spLocks noGrp="1"/>
+              </p:cNvSpPr>
+              <p:nvPr>
+                <p:ph idx="1"/>
+              </p:nvPr>
+            </p:nvSpPr>
+            <p:spPr/>
+            <p:txBody>
+              <a:bodyPr>
+                <a:normAutofit/>
+              </a:bodyPr>
+              <a:lstStyle/>
+              <a:p>
+                <a:pPr marL="0" indent="0">
+                  <a:buNone/>
+                </a:pPr>
+                <a:r>
+                  <a:rPr lang="da-DK" dirty="0"/>
+                  <a:t>We can calculate the empirical error</a:t>
+                </a:r>
+              </a:p>
+              <a:p>
+                <a:pPr marL="0" indent="0">
+                  <a:buNone/>
+                </a:pPr>
+                <a14:m>
+                  <m:oMathPara xmlns:m="http://schemas.openxmlformats.org/officeDocument/2006/math">
+                    <m:oMathParaPr>
+                      <m:jc m:val="centerGroup"/>
+                    </m:oMathParaPr>
+                    <m:oMath xmlns:m="http://schemas.openxmlformats.org/officeDocument/2006/math">
+                      <m:sSub>
+                        <m:sSubPr>
+                          <m:ctrlPr>
+                            <a:rPr lang="da-DK" b="0" i="1" smtClean="0">
+                              <a:latin typeface="Cambria Math" panose="02040503050406030204" pitchFamily="18" charset="0"/>
+                            </a:rPr>
+                          </m:ctrlPr>
+                        </m:sSubPr>
+                        <m:e>
+                          <m:r>
+                            <a:rPr lang="da-DK" b="0" i="1" smtClean="0">
+                              <a:latin typeface="Cambria Math" panose="02040503050406030204" pitchFamily="18" charset="0"/>
+                            </a:rPr>
+                            <m:t>𝐼</m:t>
+                          </m:r>
+                        </m:e>
+                        <m:sub>
+                          <m:r>
+                            <a:rPr lang="da-DK" b="0" i="1" smtClean="0">
+                              <a:latin typeface="Cambria Math" panose="02040503050406030204" pitchFamily="18" charset="0"/>
+                            </a:rPr>
+                            <m:t>𝑛</m:t>
+                          </m:r>
+                        </m:sub>
+                      </m:sSub>
+                      <m:d>
+                        <m:dPr>
+                          <m:begChr m:val="["/>
+                          <m:endChr m:val="]"/>
+                          <m:ctrlPr>
+                            <a:rPr lang="da-DK" b="0" i="1" smtClean="0">
+                              <a:latin typeface="Cambria Math" panose="02040503050406030204" pitchFamily="18" charset="0"/>
+                            </a:rPr>
+                          </m:ctrlPr>
+                        </m:dPr>
+                        <m:e>
+                          <m:r>
+                            <a:rPr lang="da-DK" b="0" i="1" smtClean="0">
+                              <a:latin typeface="Cambria Math" panose="02040503050406030204" pitchFamily="18" charset="0"/>
+                            </a:rPr>
+                            <m:t>𝑓</m:t>
+                          </m:r>
+                        </m:e>
+                      </m:d>
+                      <m:r>
+                        <a:rPr lang="da-DK" b="0" i="1" smtClean="0">
+                          <a:latin typeface="Cambria Math" panose="02040503050406030204" pitchFamily="18" charset="0"/>
+                        </a:rPr>
+                        <m:t>=</m:t>
+                      </m:r>
+                      <m:f>
+                        <m:fPr>
+                          <m:ctrlPr>
+                            <a:rPr lang="da-DK" b="0" i="1" smtClean="0">
+                              <a:latin typeface="Cambria Math" panose="02040503050406030204" pitchFamily="18" charset="0"/>
+                            </a:rPr>
+                          </m:ctrlPr>
+                        </m:fPr>
+                        <m:num>
+                          <m:r>
+                            <a:rPr lang="da-DK" b="0" i="1" smtClean="0">
+                              <a:latin typeface="Cambria Math" panose="02040503050406030204" pitchFamily="18" charset="0"/>
+                            </a:rPr>
+                            <m:t>1</m:t>
+                          </m:r>
+                        </m:num>
+                        <m:den>
+                          <m:r>
+                            <a:rPr lang="da-DK" b="0" i="1" smtClean="0">
+                              <a:latin typeface="Cambria Math" panose="02040503050406030204" pitchFamily="18" charset="0"/>
+                            </a:rPr>
+                            <m:t>𝑛</m:t>
+                          </m:r>
+                        </m:den>
+                      </m:f>
+                      <m:nary>
+                        <m:naryPr>
+                          <m:chr m:val="∑"/>
+                          <m:ctrlPr>
+                            <a:rPr lang="da-DK" b="0" i="1" smtClean="0">
+                              <a:latin typeface="Cambria Math" panose="02040503050406030204" pitchFamily="18" charset="0"/>
+                            </a:rPr>
+                          </m:ctrlPr>
+                        </m:naryPr>
+                        <m:sub>
+                          <m:r>
+                            <m:rPr>
+                              <m:brk m:alnAt="23"/>
+                            </m:rPr>
+                            <a:rPr lang="da-DK" b="0" i="1" smtClean="0">
+                              <a:latin typeface="Cambria Math" panose="02040503050406030204" pitchFamily="18" charset="0"/>
+                            </a:rPr>
+                            <m:t>𝑖</m:t>
+                          </m:r>
+                          <m:r>
+                            <a:rPr lang="da-DK" b="0" i="1" smtClean="0">
+                              <a:latin typeface="Cambria Math" panose="02040503050406030204" pitchFamily="18" charset="0"/>
+                            </a:rPr>
+                            <m:t>=1</m:t>
+                          </m:r>
+                        </m:sub>
+                        <m:sup>
+                          <m:r>
+                            <a:rPr lang="da-DK" b="0" i="1" smtClean="0">
+                              <a:latin typeface="Cambria Math" panose="02040503050406030204" pitchFamily="18" charset="0"/>
+                            </a:rPr>
+                            <m:t>𝑛</m:t>
+                          </m:r>
+                        </m:sup>
+                        <m:e>
+                          <m:r>
+                            <a:rPr lang="da-DK" b="0" i="1" smtClean="0">
+                              <a:latin typeface="Cambria Math" panose="02040503050406030204" pitchFamily="18" charset="0"/>
+                            </a:rPr>
+                            <m:t>𝑀</m:t>
+                          </m:r>
+                          <m:r>
+                            <a:rPr lang="da-DK" b="0" i="1" smtClean="0">
+                              <a:latin typeface="Cambria Math" panose="02040503050406030204" pitchFamily="18" charset="0"/>
+                            </a:rPr>
+                            <m:t>(</m:t>
+                          </m:r>
+                          <m:r>
+                            <a:rPr lang="da-DK" b="0" i="1" smtClean="0">
+                              <a:latin typeface="Cambria Math" panose="02040503050406030204" pitchFamily="18" charset="0"/>
+                            </a:rPr>
+                            <m:t>𝑓</m:t>
+                          </m:r>
+                          <m:d>
+                            <m:dPr>
+                              <m:ctrlPr>
+                                <a:rPr lang="da-DK" b="0" i="1" smtClean="0">
+                                  <a:latin typeface="Cambria Math" panose="02040503050406030204" pitchFamily="18" charset="0"/>
+                                </a:rPr>
+                              </m:ctrlPr>
+                            </m:dPr>
+                            <m:e>
+                              <m:sSub>
+                                <m:sSubPr>
+                                  <m:ctrlPr>
+                                    <a:rPr lang="da-DK" b="0" i="1" smtClean="0">
+                                      <a:latin typeface="Cambria Math" panose="02040503050406030204" pitchFamily="18" charset="0"/>
+                                    </a:rPr>
+                                  </m:ctrlPr>
+                                </m:sSubPr>
+                                <m:e>
+                                  <m:r>
+                                    <a:rPr lang="da-DK" b="0" i="1" smtClean="0">
+                                      <a:latin typeface="Cambria Math" panose="02040503050406030204" pitchFamily="18" charset="0"/>
+                                    </a:rPr>
+                                    <m:t>𝑥</m:t>
+                                  </m:r>
+                                </m:e>
+                                <m:sub>
+                                  <m:r>
+                                    <a:rPr lang="da-DK" b="0" i="1" smtClean="0">
+                                      <a:latin typeface="Cambria Math" panose="02040503050406030204" pitchFamily="18" charset="0"/>
+                                    </a:rPr>
+                                    <m:t>𝑖</m:t>
+                                  </m:r>
+                                </m:sub>
+                              </m:sSub>
+                            </m:e>
+                          </m:d>
+                          <m:r>
+                            <a:rPr lang="da-DK" b="0" i="1" smtClean="0">
+                              <a:latin typeface="Cambria Math" panose="02040503050406030204" pitchFamily="18" charset="0"/>
+                            </a:rPr>
+                            <m:t>,</m:t>
+                          </m:r>
+                          <m:sSub>
+                            <m:sSubPr>
+                              <m:ctrlPr>
+                                <a:rPr lang="da-DK" b="0" i="1" smtClean="0">
+                                  <a:latin typeface="Cambria Math" panose="02040503050406030204" pitchFamily="18" charset="0"/>
+                                </a:rPr>
+                              </m:ctrlPr>
+                            </m:sSubPr>
+                            <m:e>
+                              <m:r>
+                                <a:rPr lang="da-DK" b="0" i="1" smtClean="0">
+                                  <a:latin typeface="Cambria Math" panose="02040503050406030204" pitchFamily="18" charset="0"/>
+                                </a:rPr>
+                                <m:t>𝑦</m:t>
+                              </m:r>
+                            </m:e>
+                            <m:sub>
+                              <m:r>
+                                <a:rPr lang="da-DK" b="0" i="1" smtClean="0">
+                                  <a:latin typeface="Cambria Math" panose="02040503050406030204" pitchFamily="18" charset="0"/>
+                                </a:rPr>
+                                <m:t>𝑖</m:t>
+                              </m:r>
+                            </m:sub>
+                          </m:sSub>
+                          <m:r>
+                            <a:rPr lang="da-DK" b="0" i="1" smtClean="0">
+                              <a:latin typeface="Cambria Math" panose="02040503050406030204" pitchFamily="18" charset="0"/>
+                            </a:rPr>
+                            <m:t>)</m:t>
+                          </m:r>
+                        </m:e>
+                      </m:nary>
+                    </m:oMath>
+                  </m:oMathPara>
+                </a14:m>
+                <a:endParaRPr lang="da-DK" b="0" dirty="0"/>
+              </a:p>
+              <a:p>
+                <a:pPr marL="0" indent="0">
+                  <a:buNone/>
+                </a:pPr>
+                <a:r>
+                  <a:rPr lang="da-DK" dirty="0"/>
+                  <a:t>Which measured the ”error” that our function </a:t>
+                </a:r>
+                <a14:m>
+                  <m:oMath xmlns:m="http://schemas.openxmlformats.org/officeDocument/2006/math">
+                    <m:r>
+                      <a:rPr lang="da-DK" b="0" i="1" smtClean="0">
+                        <a:latin typeface="Cambria Math" panose="02040503050406030204" pitchFamily="18" charset="0"/>
+                      </a:rPr>
+                      <m:t>𝑓</m:t>
+                    </m:r>
+                  </m:oMath>
+                </a14:m>
+                <a:r>
+                  <a:rPr lang="da-DK" dirty="0"/>
+                  <a:t> does on </a:t>
+                </a:r>
+                <a14:m>
+                  <m:oMath xmlns:m="http://schemas.openxmlformats.org/officeDocument/2006/math">
+                    <m:r>
+                      <a:rPr lang="da-DK" b="0" i="1" smtClean="0">
+                        <a:latin typeface="Cambria Math" panose="02040503050406030204" pitchFamily="18" charset="0"/>
+                      </a:rPr>
+                      <m:t>𝑛</m:t>
+                    </m:r>
+                  </m:oMath>
+                </a14:m>
+                <a:r>
+                  <a:rPr lang="da-DK" dirty="0"/>
+                  <a:t> datapoints measured by metric </a:t>
+                </a:r>
+                <a14:m>
+                  <m:oMath xmlns:m="http://schemas.openxmlformats.org/officeDocument/2006/math">
+                    <m:r>
+                      <a:rPr lang="da-DK" b="0" i="1" smtClean="0">
+                        <a:latin typeface="Cambria Math" panose="02040503050406030204" pitchFamily="18" charset="0"/>
+                      </a:rPr>
+                      <m:t>𝑀</m:t>
+                    </m:r>
+                  </m:oMath>
+                </a14:m>
+                <a:endParaRPr lang="da-DK" dirty="0"/>
+              </a:p>
+              <a:p>
+                <a:pPr marL="0" indent="0">
+                  <a:buNone/>
+                </a:pPr>
+                <a:endParaRPr lang="da-DK" dirty="0"/>
+              </a:p>
+              <a:p>
+                <a:pPr marL="0" indent="0">
+                  <a:buNone/>
+                </a:pPr>
+                <a:r>
+                  <a:rPr lang="da-DK" dirty="0"/>
+                  <a:t>An algorithm is said to </a:t>
+                </a:r>
+                <a:r>
+                  <a:rPr lang="da-DK" b="1" dirty="0"/>
+                  <a:t>generalize</a:t>
+                </a:r>
+                <a:r>
+                  <a:rPr lang="da-DK" dirty="0"/>
+                  <a:t> if</a:t>
+                </a:r>
+              </a:p>
+              <a:p>
+                <a:pPr marL="0" indent="0">
+                  <a:buNone/>
+                </a:pPr>
+                <a14:m>
+                  <m:oMathPara xmlns:m="http://schemas.openxmlformats.org/officeDocument/2006/math">
+                    <m:oMathParaPr>
+                      <m:jc m:val="centerGroup"/>
+                    </m:oMathParaPr>
+                    <m:oMath xmlns:m="http://schemas.openxmlformats.org/officeDocument/2006/math">
+                      <m:func>
+                        <m:funcPr>
+                          <m:ctrlPr>
+                            <a:rPr lang="da-DK" i="1" smtClean="0">
+                              <a:latin typeface="Cambria Math" panose="02040503050406030204" pitchFamily="18" charset="0"/>
+                            </a:rPr>
+                          </m:ctrlPr>
+                        </m:funcPr>
+                        <m:fName>
+                          <m:limLow>
+                            <m:limLowPr>
+                              <m:ctrlPr>
+                                <a:rPr lang="da-DK" i="1" smtClean="0">
+                                  <a:latin typeface="Cambria Math" panose="02040503050406030204" pitchFamily="18" charset="0"/>
+                                </a:rPr>
+                              </m:ctrlPr>
+                            </m:limLowPr>
+                            <m:e>
+                              <m:r>
+                                <m:rPr>
+                                  <m:sty m:val="p"/>
+                                </m:rPr>
+                                <a:rPr lang="da-DK" i="0" smtClean="0">
+                                  <a:latin typeface="Cambria Math" panose="02040503050406030204" pitchFamily="18" charset="0"/>
+                                </a:rPr>
+                                <m:t>lim</m:t>
+                              </m:r>
+                            </m:e>
+                            <m:lim>
+                              <m:r>
+                                <a:rPr lang="da-DK" b="0" i="1" smtClean="0">
+                                  <a:latin typeface="Cambria Math" panose="02040503050406030204" pitchFamily="18" charset="0"/>
+                                </a:rPr>
+                                <m:t>𝑛</m:t>
+                              </m:r>
+                              <m:r>
+                                <a:rPr lang="da-DK" b="0" i="1" smtClean="0">
+                                  <a:latin typeface="Cambria Math" panose="02040503050406030204" pitchFamily="18" charset="0"/>
+                                </a:rPr>
+                                <m:t>→∞</m:t>
+                              </m:r>
+                            </m:lim>
+                          </m:limLow>
+                        </m:fName>
+                        <m:e>
+                          <m:r>
+                            <a:rPr lang="da-DK" b="0" i="1" smtClean="0">
+                              <a:latin typeface="Cambria Math" panose="02040503050406030204" pitchFamily="18" charset="0"/>
+                            </a:rPr>
+                            <m:t>𝐼</m:t>
+                          </m:r>
+                          <m:d>
+                            <m:dPr>
+                              <m:begChr m:val="["/>
+                              <m:endChr m:val="]"/>
+                              <m:ctrlPr>
+                                <a:rPr lang="da-DK" b="0" i="1" smtClean="0">
+                                  <a:latin typeface="Cambria Math" panose="02040503050406030204" pitchFamily="18" charset="0"/>
+                                </a:rPr>
+                              </m:ctrlPr>
+                            </m:dPr>
+                            <m:e>
+                              <m:r>
+                                <a:rPr lang="da-DK" b="0" i="1" smtClean="0">
+                                  <a:latin typeface="Cambria Math" panose="02040503050406030204" pitchFamily="18" charset="0"/>
+                                </a:rPr>
+                                <m:t>𝑓</m:t>
+                              </m:r>
+                            </m:e>
+                          </m:d>
+                          <m:r>
+                            <a:rPr lang="da-DK" b="0" i="1" smtClean="0">
+                              <a:latin typeface="Cambria Math" panose="02040503050406030204" pitchFamily="18" charset="0"/>
+                            </a:rPr>
+                            <m:t>−</m:t>
+                          </m:r>
+                          <m:sSub>
+                            <m:sSubPr>
+                              <m:ctrlPr>
+                                <a:rPr lang="da-DK" b="0" i="1" smtClean="0">
+                                  <a:latin typeface="Cambria Math" panose="02040503050406030204" pitchFamily="18" charset="0"/>
+                                </a:rPr>
+                              </m:ctrlPr>
+                            </m:sSubPr>
+                            <m:e>
+                              <m:r>
+                                <a:rPr lang="da-DK" b="0" i="1" smtClean="0">
+                                  <a:latin typeface="Cambria Math" panose="02040503050406030204" pitchFamily="18" charset="0"/>
+                                </a:rPr>
+                                <m:t>𝐼</m:t>
+                              </m:r>
+                            </m:e>
+                            <m:sub>
+                              <m:r>
+                                <a:rPr lang="da-DK" b="0" i="1" smtClean="0">
+                                  <a:latin typeface="Cambria Math" panose="02040503050406030204" pitchFamily="18" charset="0"/>
+                                </a:rPr>
+                                <m:t>𝑛</m:t>
+                              </m:r>
+                            </m:sub>
+                          </m:sSub>
+                          <m:d>
+                            <m:dPr>
+                              <m:begChr m:val="["/>
+                              <m:endChr m:val="]"/>
+                              <m:ctrlPr>
+                                <a:rPr lang="da-DK" b="0" i="1" smtClean="0">
+                                  <a:latin typeface="Cambria Math" panose="02040503050406030204" pitchFamily="18" charset="0"/>
+                                </a:rPr>
+                              </m:ctrlPr>
+                            </m:dPr>
+                            <m:e>
+                              <m:r>
+                                <a:rPr lang="da-DK" b="0" i="1" smtClean="0">
+                                  <a:latin typeface="Cambria Math" panose="02040503050406030204" pitchFamily="18" charset="0"/>
+                                </a:rPr>
+                                <m:t>𝑓</m:t>
+                              </m:r>
+                            </m:e>
+                          </m:d>
+                          <m:r>
+                            <a:rPr lang="da-DK" b="0" i="1" smtClean="0">
+                              <a:latin typeface="Cambria Math" panose="02040503050406030204" pitchFamily="18" charset="0"/>
+                            </a:rPr>
+                            <m:t>=0</m:t>
+                          </m:r>
+                        </m:e>
+                      </m:func>
+                    </m:oMath>
+                  </m:oMathPara>
+                </a14:m>
+                <a:endParaRPr lang="da-DK" dirty="0"/>
+              </a:p>
+              <a:p>
+                <a:pPr marL="0" indent="0">
+                  <a:buNone/>
+                </a:pPr>
+                <a:r>
+                  <a:rPr lang="da-DK" dirty="0"/>
+                  <a:t>however, this does not solve our problem because </a:t>
+                </a:r>
+                <a14:m>
+                  <m:oMath xmlns:m="http://schemas.openxmlformats.org/officeDocument/2006/math">
+                    <m:r>
+                      <a:rPr lang="da-DK" b="0" i="1" smtClean="0">
+                        <a:latin typeface="Cambria Math" panose="02040503050406030204" pitchFamily="18" charset="0"/>
+                      </a:rPr>
+                      <m:t>𝐼</m:t>
+                    </m:r>
+                    <m:d>
+                      <m:dPr>
+                        <m:begChr m:val="["/>
+                        <m:endChr m:val="]"/>
+                        <m:ctrlPr>
+                          <a:rPr lang="da-DK" b="0" i="1" smtClean="0">
+                            <a:latin typeface="Cambria Math" panose="02040503050406030204" pitchFamily="18" charset="0"/>
+                          </a:rPr>
+                        </m:ctrlPr>
+                      </m:dPr>
+                      <m:e>
+                        <m:r>
+                          <a:rPr lang="da-DK" b="0" i="1" smtClean="0">
+                            <a:latin typeface="Cambria Math" panose="02040503050406030204" pitchFamily="18" charset="0"/>
+                          </a:rPr>
+                          <m:t>𝑓</m:t>
+                        </m:r>
+                      </m:e>
+                    </m:d>
+                  </m:oMath>
+                </a14:m>
+                <a:r>
+                  <a:rPr lang="da-DK" dirty="0"/>
+                  <a:t> is still unknown</a:t>
+                </a:r>
+              </a:p>
+            </p:txBody>
+          </p:sp>
+        </mc:Choice>
+        <mc:Fallback>
+          <p:sp>
+            <p:nvSpPr>
+              <p:cNvPr id="3" name="Content Placeholder 2">
+                <a:extLst>
+                  <a:ext uri="{FF2B5EF4-FFF2-40B4-BE49-F238E27FC236}">
+                    <a16:creationId xmlns:a16="http://schemas.microsoft.com/office/drawing/2014/main" id="{28A4F489-F9E6-4C23-8BCC-C154479CD5DC}"/>
+                  </a:ext>
+                </a:extLst>
+              </p:cNvPr>
+              <p:cNvSpPr>
+                <a:spLocks noGrp="1" noRot="1" noChangeAspect="1" noMove="1" noResize="1" noEditPoints="1" noAdjustHandles="1" noChangeArrowheads="1" noChangeShapeType="1" noTextEdit="1"/>
+              </p:cNvSpPr>
+              <p:nvPr>
+                <p:ph idx="1"/>
+              </p:nvPr>
+            </p:nvSpPr>
+            <p:spPr>
+              <a:blipFill>
+                <a:blip r:embed="rId2"/>
+                <a:stretch>
+                  <a:fillRect l="-1217" t="-2018"/>
+                </a:stretch>
+              </a:blipFill>
+            </p:spPr>
+            <p:txBody>
+              <a:bodyPr/>
+              <a:lstStyle/>
+              <a:p>
+                <a:r>
+                  <a:rPr lang="da-DK">
+                    <a:noFill/>
+                  </a:rPr>
+                  <a:t> </a:t>
+                </a:r>
+              </a:p>
+            </p:txBody>
+          </p:sp>
+        </mc:Fallback>
+      </mc:AlternateContent>
       <p:sp>
         <p:nvSpPr>
           <p:cNvPr id="4" name="Date Placeholder 3">
             <a:extLst>
               <a:ext uri="{FF2B5EF4-FFF2-40B4-BE49-F238E27FC236}">
-                <a16:creationId xmlns:a16="http://schemas.microsoft.com/office/drawing/2014/main" id="{111C51B9-0949-48B2-B002-DF4BBE3A7311}"/>
+                <a16:creationId xmlns:a16="http://schemas.microsoft.com/office/drawing/2014/main" id="{82004D30-1CF0-4313-B5F3-E67269938CAB}"/>
               </a:ext>
             </a:extLst>
           </p:cNvPr>
@@ -5572,7 +8362,7 @@
           <a:p>
             <a:fld id="{019E29B9-5584-4737-9C98-1B926378C778}" type="datetime1">
               <a:rPr lang="en-US" smtClean="0"/>
-              <a:t>4/28/2021</a:t>
+              <a:t>5/21/2021</a:t>
             </a:fld>
             <a:endParaRPr lang="da-DK"/>
           </a:p>
@@ -5583,7 +8373,7 @@
           <p:cNvPr id="5" name="Footer Placeholder 4">
             <a:extLst>
               <a:ext uri="{FF2B5EF4-FFF2-40B4-BE49-F238E27FC236}">
-                <a16:creationId xmlns:a16="http://schemas.microsoft.com/office/drawing/2014/main" id="{DD6B00F0-3047-4DF3-98D1-811011573E26}"/>
+                <a16:creationId xmlns:a16="http://schemas.microsoft.com/office/drawing/2014/main" id="{CDF33583-549C-44DB-B8D8-4337EBD5B780}"/>
               </a:ext>
             </a:extLst>
           </p:cNvPr>
@@ -5611,7 +8401,7 @@
           <p:cNvPr id="6" name="Slide Number Placeholder 5">
             <a:extLst>
               <a:ext uri="{FF2B5EF4-FFF2-40B4-BE49-F238E27FC236}">
-                <a16:creationId xmlns:a16="http://schemas.microsoft.com/office/drawing/2014/main" id="{F65DB896-37D5-46D7-A596-B4467D392297}"/>
+                <a16:creationId xmlns:a16="http://schemas.microsoft.com/office/drawing/2014/main" id="{A5B3F80E-E22F-4928-9704-966650DCA70E}"/>
               </a:ext>
             </a:extLst>
           </p:cNvPr>
@@ -5635,46 +8425,58 @@
           </a:p>
         </p:txBody>
       </p:sp>
-      <p:pic>
-        <p:nvPicPr>
-          <p:cNvPr id="12" name="Picture 11" descr="Text, logo&#10;&#10;Description automatically generated">
-            <a:extLst>
-              <a:ext uri="{FF2B5EF4-FFF2-40B4-BE49-F238E27FC236}">
-                <a16:creationId xmlns:a16="http://schemas.microsoft.com/office/drawing/2014/main" id="{6A8A6E17-B8C3-41F9-AA53-0492DD1AAE8D}"/>
-              </a:ext>
-            </a:extLst>
-          </p:cNvPr>
-          <p:cNvPicPr>
-            <a:picLocks noChangeAspect="1"/>
-          </p:cNvPicPr>
+      <p:sp>
+        <p:nvSpPr>
+          <p:cNvPr id="7" name="Rectangle 6">
+            <a:extLst>
+              <a:ext uri="{FF2B5EF4-FFF2-40B4-BE49-F238E27FC236}">
+                <a16:creationId xmlns:a16="http://schemas.microsoft.com/office/drawing/2014/main" id="{1FF167D1-EC2A-4AD1-B267-74A60BAB257A}"/>
+              </a:ext>
+            </a:extLst>
+          </p:cNvPr>
+          <p:cNvSpPr/>
           <p:nvPr/>
-        </p:nvPicPr>
-        <p:blipFill>
-          <a:blip r:embed="rId3">
-            <a:extLst>
-              <a:ext uri="{28A0092B-C50C-407E-A947-70E740481C1C}">
-                <a14:useLocalDpi xmlns:a14="http://schemas.microsoft.com/office/drawing/2010/main" val="0"/>
-              </a:ext>
-            </a:extLst>
-          </a:blip>
-          <a:stretch>
-            <a:fillRect/>
-          </a:stretch>
-        </p:blipFill>
+        </p:nvSpPr>
         <p:spPr>
           <a:xfrm>
-            <a:off x="1174109" y="918857"/>
-            <a:ext cx="9525000" cy="2000250"/>
+            <a:off x="838200" y="4282440"/>
+            <a:ext cx="10515600" cy="1615440"/>
           </a:xfrm>
           <a:prstGeom prst="rect">
             <a:avLst/>
           </a:prstGeom>
+          <a:noFill/>
+          <a:ln w="38100"/>
         </p:spPr>
-      </p:pic>
+        <p:style>
+          <a:lnRef idx="2">
+            <a:schemeClr val="accent1">
+              <a:shade val="50000"/>
+            </a:schemeClr>
+          </a:lnRef>
+          <a:fillRef idx="1">
+            <a:schemeClr val="accent1"/>
+          </a:fillRef>
+          <a:effectRef idx="0">
+            <a:schemeClr val="accent1"/>
+          </a:effectRef>
+          <a:fontRef idx="minor">
+            <a:schemeClr val="lt1"/>
+          </a:fontRef>
+        </p:style>
+        <p:txBody>
+          <a:bodyPr rtlCol="0" anchor="ctr"/>
+          <a:lstStyle/>
+          <a:p>
+            <a:pPr algn="ctr"/>
+            <a:endParaRPr lang="da-DK"/>
+          </a:p>
+        </p:txBody>
+      </p:sp>
     </p:spTree>
     <p:extLst>
       <p:ext uri="{BB962C8B-B14F-4D97-AF65-F5344CB8AC3E}">
-        <p14:creationId xmlns:p14="http://schemas.microsoft.com/office/powerpoint/2010/main" val="847311214"/>
+        <p14:creationId xmlns:p14="http://schemas.microsoft.com/office/powerpoint/2010/main" val="458832472"/>
       </p:ext>
     </p:extLst>
   </p:cSld>
@@ -5706,7 +8508,7 @@
           <p:cNvPr id="2" name="Title 1">
             <a:extLst>
               <a:ext uri="{FF2B5EF4-FFF2-40B4-BE49-F238E27FC236}">
-                <a16:creationId xmlns:a16="http://schemas.microsoft.com/office/drawing/2014/main" id="{B3A3DAEF-86E5-4931-BAC2-E3511BF65298}"/>
+                <a16:creationId xmlns:a16="http://schemas.microsoft.com/office/drawing/2014/main" id="{01965ECD-8EF0-43E1-B46D-0F5FBADF55FC}"/>
               </a:ext>
             </a:extLst>
           </p:cNvPr>
@@ -5724,29 +8526,320 @@
           <a:p>
             <a:r>
               <a:rPr lang="da-DK" dirty="0"/>
-              <a:t>Meme of the day</a:t>
-            </a:r>
+              <a:t>Cross-validation</a:t>
+            </a:r>
+          </a:p>
+        </p:txBody>
+      </p:sp>
+      <mc:AlternateContent xmlns:mc="http://schemas.openxmlformats.org/markup-compatibility/2006">
+        <mc:Choice xmlns:a14="http://schemas.microsoft.com/office/drawing/2010/main" Requires="a14">
+          <p:sp>
+            <p:nvSpPr>
+              <p:cNvPr id="3" name="Content Placeholder 2">
+                <a:extLst>
+                  <a:ext uri="{FF2B5EF4-FFF2-40B4-BE49-F238E27FC236}">
+                    <a16:creationId xmlns:a16="http://schemas.microsoft.com/office/drawing/2014/main" id="{C9E2577B-675D-4BA8-BB3C-C9327C9CEDA5}"/>
+                  </a:ext>
+                </a:extLst>
+              </p:cNvPr>
+              <p:cNvSpPr>
+                <a:spLocks noGrp="1"/>
+              </p:cNvSpPr>
+              <p:nvPr>
+                <p:ph idx="1"/>
+              </p:nvPr>
+            </p:nvSpPr>
+            <p:spPr/>
+            <p:txBody>
+              <a:bodyPr>
+                <a:normAutofit lnSpcReduction="10000"/>
+              </a:bodyPr>
+              <a:lstStyle/>
+              <a:p>
+                <a:pPr marL="0" indent="0">
+                  <a:buNone/>
+                </a:pPr>
+                <a:r>
+                  <a:rPr lang="da-DK" dirty="0"/>
+                  <a:t>Cross-validation in a nutshell:</a:t>
+                </a:r>
+              </a:p>
+              <a:p>
+                <a:pPr marL="0" indent="0">
+                  <a:buNone/>
+                </a:pPr>
+                <a:r>
+                  <a:rPr lang="da-DK" dirty="0"/>
+                  <a:t>	We take some of our data away which we can use to estimate 	the true generalized loss </a:t>
+                </a:r>
+                <a14:m>
+                  <m:oMath xmlns:m="http://schemas.openxmlformats.org/officeDocument/2006/math">
+                    <m:r>
+                      <a:rPr lang="da-DK" b="0" i="1" smtClean="0">
+                        <a:latin typeface="Cambria Math" panose="02040503050406030204" pitchFamily="18" charset="0"/>
+                      </a:rPr>
+                      <m:t>𝐼</m:t>
+                    </m:r>
+                    <m:r>
+                      <a:rPr lang="da-DK" b="0" i="1" smtClean="0">
+                        <a:latin typeface="Cambria Math" panose="02040503050406030204" pitchFamily="18" charset="0"/>
+                      </a:rPr>
+                      <m:t>[</m:t>
+                    </m:r>
+                    <m:r>
+                      <a:rPr lang="da-DK" b="0" i="1" smtClean="0">
+                        <a:latin typeface="Cambria Math" panose="02040503050406030204" pitchFamily="18" charset="0"/>
+                      </a:rPr>
+                      <m:t>𝑓</m:t>
+                    </m:r>
+                    <m:r>
+                      <a:rPr lang="da-DK" b="0" i="1" smtClean="0">
+                        <a:latin typeface="Cambria Math" panose="02040503050406030204" pitchFamily="18" charset="0"/>
+                      </a:rPr>
+                      <m:t>]</m:t>
+                    </m:r>
+                  </m:oMath>
+                </a14:m>
+                <a:endParaRPr lang="da-DK" dirty="0"/>
+              </a:p>
+              <a:p>
+                <a:pPr marL="0" indent="0">
+                  <a:buNone/>
+                </a:pPr>
+                <a:endParaRPr lang="da-DK" dirty="0"/>
+              </a:p>
+              <a:p>
+                <a:pPr marL="0" indent="0">
+                  <a:buNone/>
+                </a:pPr>
+                <a:endParaRPr lang="da-DK" dirty="0"/>
+              </a:p>
+              <a:p>
+                <a:pPr marL="0" indent="0">
+                  <a:buNone/>
+                </a:pPr>
+                <a:endParaRPr lang="da-DK" dirty="0"/>
+              </a:p>
+              <a:p>
+                <a:pPr marL="0" indent="0">
+                  <a:buNone/>
+                </a:pPr>
+                <a:endParaRPr lang="da-DK" dirty="0"/>
+              </a:p>
+              <a:p>
+                <a:pPr marL="0" indent="0">
+                  <a:buNone/>
+                </a:pPr>
+                <a:endParaRPr lang="da-DK" dirty="0"/>
+              </a:p>
+              <a:p>
+                <a:pPr marL="0" indent="0">
+                  <a:buNone/>
+                </a:pPr>
+                <a:endParaRPr lang="da-DK" dirty="0"/>
+              </a:p>
+              <a:p>
+                <a:pPr marL="0" indent="0">
+                  <a:buNone/>
+                </a:pPr>
+                <a:r>
+                  <a:rPr lang="da-DK" dirty="0"/>
+                  <a:t>Question: Which one do we use in deep learning and why?</a:t>
+                </a:r>
+              </a:p>
+            </p:txBody>
+          </p:sp>
+        </mc:Choice>
+        <mc:Fallback>
+          <p:sp>
+            <p:nvSpPr>
+              <p:cNvPr id="3" name="Content Placeholder 2">
+                <a:extLst>
+                  <a:ext uri="{FF2B5EF4-FFF2-40B4-BE49-F238E27FC236}">
+                    <a16:creationId xmlns:a16="http://schemas.microsoft.com/office/drawing/2014/main" id="{C9E2577B-675D-4BA8-BB3C-C9327C9CEDA5}"/>
+                  </a:ext>
+                </a:extLst>
+              </p:cNvPr>
+              <p:cNvSpPr>
+                <a:spLocks noGrp="1" noRot="1" noChangeAspect="1" noMove="1" noResize="1" noEditPoints="1" noAdjustHandles="1" noChangeArrowheads="1" noChangeShapeType="1" noTextEdit="1"/>
+              </p:cNvSpPr>
+              <p:nvPr>
+                <p:ph idx="1"/>
+              </p:nvPr>
+            </p:nvSpPr>
+            <p:spPr>
+              <a:blipFill>
+                <a:blip r:embed="rId2"/>
+                <a:stretch>
+                  <a:fillRect l="-1217" t="-2774"/>
+                </a:stretch>
+              </a:blipFill>
+            </p:spPr>
+            <p:txBody>
+              <a:bodyPr/>
+              <a:lstStyle/>
+              <a:p>
+                <a:r>
+                  <a:rPr lang="da-DK">
+                    <a:noFill/>
+                  </a:rPr>
+                  <a:t> </a:t>
+                </a:r>
+              </a:p>
+            </p:txBody>
+          </p:sp>
+        </mc:Fallback>
+      </mc:AlternateContent>
+      <p:sp>
+        <p:nvSpPr>
+          <p:cNvPr id="4" name="Date Placeholder 3">
+            <a:extLst>
+              <a:ext uri="{FF2B5EF4-FFF2-40B4-BE49-F238E27FC236}">
+                <a16:creationId xmlns:a16="http://schemas.microsoft.com/office/drawing/2014/main" id="{A855E78D-D196-4AB2-98E7-E78DD61B7B6B}"/>
+              </a:ext>
+            </a:extLst>
+          </p:cNvPr>
+          <p:cNvSpPr>
+            <a:spLocks noGrp="1"/>
+          </p:cNvSpPr>
+          <p:nvPr>
+            <p:ph type="dt" sz="half" idx="10"/>
+          </p:nvPr>
+        </p:nvSpPr>
+        <p:spPr/>
+        <p:txBody>
+          <a:bodyPr/>
+          <a:lstStyle/>
+          <a:p>
+            <a:fld id="{019E29B9-5584-4737-9C98-1B926378C778}" type="datetime1">
+              <a:rPr lang="en-US" smtClean="0"/>
+              <a:t>5/21/2021</a:t>
+            </a:fld>
+            <a:endParaRPr lang="da-DK"/>
+          </a:p>
+        </p:txBody>
+      </p:sp>
+      <p:sp>
+        <p:nvSpPr>
+          <p:cNvPr id="5" name="Footer Placeholder 4">
+            <a:extLst>
+              <a:ext uri="{FF2B5EF4-FFF2-40B4-BE49-F238E27FC236}">
+                <a16:creationId xmlns:a16="http://schemas.microsoft.com/office/drawing/2014/main" id="{CC0BAE15-9336-47E4-B253-C11A85B1E5B2}"/>
+              </a:ext>
+            </a:extLst>
+          </p:cNvPr>
+          <p:cNvSpPr>
+            <a:spLocks noGrp="1"/>
+          </p:cNvSpPr>
+          <p:nvPr>
+            <p:ph type="ftr" sz="quarter" idx="11"/>
+          </p:nvPr>
+        </p:nvSpPr>
+        <p:spPr/>
+        <p:txBody>
+          <a:bodyPr/>
+          <a:lstStyle/>
+          <a:p>
+            <a:r>
+              <a:rPr lang="da-DK"/>
+              <a:t>Nicki Skafte Detlefsen</a:t>
+            </a:r>
+          </a:p>
+        </p:txBody>
+      </p:sp>
+      <p:sp>
+        <p:nvSpPr>
+          <p:cNvPr id="6" name="Slide Number Placeholder 5">
+            <a:extLst>
+              <a:ext uri="{FF2B5EF4-FFF2-40B4-BE49-F238E27FC236}">
+                <a16:creationId xmlns:a16="http://schemas.microsoft.com/office/drawing/2014/main" id="{DA540BD2-FF15-46B1-84B3-BC615EA98ACE}"/>
+              </a:ext>
+            </a:extLst>
+          </p:cNvPr>
+          <p:cNvSpPr>
+            <a:spLocks noGrp="1"/>
+          </p:cNvSpPr>
+          <p:nvPr>
+            <p:ph type="sldNum" sz="quarter" idx="12"/>
+          </p:nvPr>
+        </p:nvSpPr>
+        <p:spPr/>
+        <p:txBody>
+          <a:bodyPr/>
+          <a:lstStyle/>
+          <a:p>
+            <a:fld id="{F6FEDE24-D50C-481B-A7B4-8AF13899101A}" type="slidenum">
+              <a:rPr lang="da-DK" smtClean="0"/>
+              <a:t>8</a:t>
+            </a:fld>
+            <a:endParaRPr lang="da-DK"/>
+          </a:p>
+        </p:txBody>
+      </p:sp>
+      <p:sp>
+        <p:nvSpPr>
+          <p:cNvPr id="7" name="Rectangle 6">
+            <a:extLst>
+              <a:ext uri="{FF2B5EF4-FFF2-40B4-BE49-F238E27FC236}">
+                <a16:creationId xmlns:a16="http://schemas.microsoft.com/office/drawing/2014/main" id="{D10E7315-9EEB-48DF-8CE3-F050AF9AD297}"/>
+              </a:ext>
+            </a:extLst>
+          </p:cNvPr>
+          <p:cNvSpPr/>
+          <p:nvPr/>
+        </p:nvSpPr>
+        <p:spPr>
+          <a:xfrm>
+            <a:off x="838200" y="1276014"/>
+            <a:ext cx="10515600" cy="1325563"/>
+          </a:xfrm>
+          <a:prstGeom prst="rect">
+            <a:avLst/>
+          </a:prstGeom>
+          <a:noFill/>
+          <a:ln w="38100"/>
+        </p:spPr>
+        <p:style>
+          <a:lnRef idx="2">
+            <a:schemeClr val="accent1">
+              <a:shade val="50000"/>
+            </a:schemeClr>
+          </a:lnRef>
+          <a:fillRef idx="1">
+            <a:schemeClr val="accent1"/>
+          </a:fillRef>
+          <a:effectRef idx="0">
+            <a:schemeClr val="accent1"/>
+          </a:effectRef>
+          <a:fontRef idx="minor">
+            <a:schemeClr val="lt1"/>
+          </a:fontRef>
+        </p:style>
+        <p:txBody>
+          <a:bodyPr rtlCol="0" anchor="ctr"/>
+          <a:lstStyle/>
+          <a:p>
+            <a:pPr algn="ctr"/>
+            <a:endParaRPr lang="da-DK"/>
           </a:p>
         </p:txBody>
       </p:sp>
       <p:pic>
         <p:nvPicPr>
-          <p:cNvPr id="8" name="Content Placeholder 7" descr="Diagram&#10;&#10;Description automatically generated with low confidence">
-            <a:extLst>
-              <a:ext uri="{FF2B5EF4-FFF2-40B4-BE49-F238E27FC236}">
-                <a16:creationId xmlns:a16="http://schemas.microsoft.com/office/drawing/2014/main" id="{8129342B-C9E3-4199-9A45-697717761658}"/>
+          <p:cNvPr id="9" name="Picture 8" descr="Diagram&#10;&#10;Description automatically generated">
+            <a:extLst>
+              <a:ext uri="{FF2B5EF4-FFF2-40B4-BE49-F238E27FC236}">
+                <a16:creationId xmlns:a16="http://schemas.microsoft.com/office/drawing/2014/main" id="{FE90571B-7D2E-4352-B54E-2133142D9C65}"/>
               </a:ext>
             </a:extLst>
           </p:cNvPr>
           <p:cNvPicPr>
-            <a:picLocks noGrp="1" noChangeAspect="1"/>
+            <a:picLocks noChangeAspect="1"/>
           </p:cNvPicPr>
-          <p:nvPr>
-            <p:ph idx="1"/>
-          </p:nvPr>
+          <p:nvPr/>
         </p:nvPicPr>
         <p:blipFill>
-          <a:blip r:embed="rId2">
+          <a:blip r:embed="rId3">
             <a:extLst>
               <a:ext uri="{28A0092B-C50C-407E-A947-70E740481C1C}">
                 <a14:useLocalDpi xmlns:a14="http://schemas.microsoft.com/office/drawing/2010/main" val="0"/>
@@ -5759,101 +8852,256 @@
         </p:blipFill>
         <p:spPr>
           <a:xfrm>
-            <a:off x="3714750" y="1378744"/>
-            <a:ext cx="4762500" cy="4762500"/>
+            <a:off x="1759131" y="2780848"/>
+            <a:ext cx="8479971" cy="2733544"/>
           </a:xfrm>
+          <a:prstGeom prst="rect">
+            <a:avLst/>
+          </a:prstGeom>
         </p:spPr>
       </p:pic>
-      <p:sp>
-        <p:nvSpPr>
-          <p:cNvPr id="4" name="Date Placeholder 3">
-            <a:extLst>
-              <a:ext uri="{FF2B5EF4-FFF2-40B4-BE49-F238E27FC236}">
-                <a16:creationId xmlns:a16="http://schemas.microsoft.com/office/drawing/2014/main" id="{F02DF75D-D609-403F-BD67-F3B238B71E9C}"/>
-              </a:ext>
-            </a:extLst>
-          </p:cNvPr>
-          <p:cNvSpPr>
-            <a:spLocks noGrp="1"/>
-          </p:cNvSpPr>
-          <p:nvPr>
-            <p:ph type="dt" sz="half" idx="10"/>
-          </p:nvPr>
-        </p:nvSpPr>
-        <p:spPr/>
-        <p:txBody>
-          <a:bodyPr/>
-          <a:lstStyle/>
-          <a:p>
-            <a:fld id="{019E29B9-5584-4737-9C98-1B926378C778}" type="datetime1">
-              <a:rPr lang="en-US" smtClean="0"/>
-              <a:t>4/28/2021</a:t>
-            </a:fld>
-            <a:endParaRPr lang="da-DK"/>
-          </a:p>
-        </p:txBody>
-      </p:sp>
-      <p:sp>
-        <p:nvSpPr>
-          <p:cNvPr id="5" name="Footer Placeholder 4">
-            <a:extLst>
-              <a:ext uri="{FF2B5EF4-FFF2-40B4-BE49-F238E27FC236}">
-                <a16:creationId xmlns:a16="http://schemas.microsoft.com/office/drawing/2014/main" id="{64D5B49A-8B68-4A7E-8D6F-4466E3AADF4B}"/>
-              </a:ext>
-            </a:extLst>
-          </p:cNvPr>
-          <p:cNvSpPr>
-            <a:spLocks noGrp="1"/>
-          </p:cNvSpPr>
-          <p:nvPr>
-            <p:ph type="ftr" sz="quarter" idx="11"/>
-          </p:nvPr>
-        </p:nvSpPr>
-        <p:spPr/>
-        <p:txBody>
-          <a:bodyPr/>
-          <a:lstStyle/>
-          <a:p>
-            <a:r>
-              <a:rPr lang="da-DK"/>
-              <a:t>Nicki Skafte Detlefsen</a:t>
-            </a:r>
-          </a:p>
-        </p:txBody>
-      </p:sp>
-      <p:sp>
-        <p:nvSpPr>
-          <p:cNvPr id="6" name="Slide Number Placeholder 5">
-            <a:extLst>
-              <a:ext uri="{FF2B5EF4-FFF2-40B4-BE49-F238E27FC236}">
-                <a16:creationId xmlns:a16="http://schemas.microsoft.com/office/drawing/2014/main" id="{E69E32E8-4DD0-427E-8834-EC1D6548B32C}"/>
-              </a:ext>
-            </a:extLst>
-          </p:cNvPr>
-          <p:cNvSpPr>
-            <a:spLocks noGrp="1"/>
-          </p:cNvSpPr>
-          <p:nvPr>
-            <p:ph type="sldNum" sz="quarter" idx="12"/>
-          </p:nvPr>
-        </p:nvSpPr>
-        <p:spPr/>
-        <p:txBody>
-          <a:bodyPr/>
-          <a:lstStyle/>
-          <a:p>
-            <a:fld id="{F6FEDE24-D50C-481B-A7B4-8AF13899101A}" type="slidenum">
-              <a:rPr lang="da-DK" smtClean="0"/>
-              <a:t>8</a:t>
-            </a:fld>
-            <a:endParaRPr lang="da-DK"/>
-          </a:p>
-        </p:txBody>
-      </p:sp>
     </p:spTree>
     <p:extLst>
       <p:ext uri="{BB962C8B-B14F-4D97-AF65-F5344CB8AC3E}">
-        <p14:creationId xmlns:p14="http://schemas.microsoft.com/office/powerpoint/2010/main" val="2684583096"/>
+        <p14:creationId xmlns:p14="http://schemas.microsoft.com/office/powerpoint/2010/main" val="1304277997"/>
+      </p:ext>
+    </p:extLst>
+  </p:cSld>
+  <p:clrMapOvr>
+    <a:masterClrMapping/>
+  </p:clrMapOvr>
+</p:sld>
+</file>
+
+<file path=ppt/slides/slide9.xml><?xml version="1.0" encoding="utf-8"?>
+<p:sld xmlns:a="http://schemas.openxmlformats.org/drawingml/2006/main" xmlns:r="http://schemas.openxmlformats.org/officeDocument/2006/relationships" xmlns:p="http://schemas.openxmlformats.org/presentationml/2006/main">
+  <p:cSld>
+    <p:spTree>
+      <p:nvGrpSpPr>
+        <p:cNvPr id="1" name=""/>
+        <p:cNvGrpSpPr/>
+        <p:nvPr/>
+      </p:nvGrpSpPr>
+      <p:grpSpPr>
+        <a:xfrm>
+          <a:off x="0" y="0"/>
+          <a:ext cx="0" cy="0"/>
+          <a:chOff x="0" y="0"/>
+          <a:chExt cx="0" cy="0"/>
+        </a:xfrm>
+      </p:grpSpPr>
+      <p:sp>
+        <p:nvSpPr>
+          <p:cNvPr id="2" name="Title 1">
+            <a:extLst>
+              <a:ext uri="{FF2B5EF4-FFF2-40B4-BE49-F238E27FC236}">
+                <a16:creationId xmlns:a16="http://schemas.microsoft.com/office/drawing/2014/main" id="{442EC157-7733-4643-B7A2-2A8BD42A9F3A}"/>
+              </a:ext>
+            </a:extLst>
+          </p:cNvPr>
+          <p:cNvSpPr>
+            <a:spLocks noGrp="1"/>
+          </p:cNvSpPr>
+          <p:nvPr>
+            <p:ph type="title"/>
+          </p:nvPr>
+        </p:nvSpPr>
+        <p:spPr/>
+        <p:txBody>
+          <a:bodyPr/>
+          <a:lstStyle/>
+          <a:p>
+            <a:r>
+              <a:rPr lang="da-DK" dirty="0"/>
+              <a:t>Back to topic</a:t>
+            </a:r>
+          </a:p>
+        </p:txBody>
+      </p:sp>
+      <p:sp>
+        <p:nvSpPr>
+          <p:cNvPr id="3" name="Content Placeholder 2">
+            <a:extLst>
+              <a:ext uri="{FF2B5EF4-FFF2-40B4-BE49-F238E27FC236}">
+                <a16:creationId xmlns:a16="http://schemas.microsoft.com/office/drawing/2014/main" id="{0C5AE16E-E501-4483-B8AD-D8A7CF97F703}"/>
+              </a:ext>
+            </a:extLst>
+          </p:cNvPr>
+          <p:cNvSpPr>
+            <a:spLocks noGrp="1"/>
+          </p:cNvSpPr>
+          <p:nvPr>
+            <p:ph idx="1"/>
+          </p:nvPr>
+        </p:nvSpPr>
+        <p:spPr/>
+        <p:txBody>
+          <a:bodyPr/>
+          <a:lstStyle/>
+          <a:p>
+            <a:pPr marL="0" indent="0">
+              <a:buNone/>
+            </a:pPr>
+            <a:r>
+              <a:rPr lang="da-DK" dirty="0"/>
+              <a:t>We now assume that we have</a:t>
+            </a:r>
+          </a:p>
+          <a:p>
+            <a:pPr marL="0" indent="0">
+              <a:buNone/>
+            </a:pPr>
+            <a:endParaRPr lang="da-DK" dirty="0"/>
+          </a:p>
+          <a:p>
+            <a:pPr marL="0" indent="0">
+              <a:buNone/>
+            </a:pPr>
+            <a:r>
+              <a:rPr lang="da-DK" dirty="0"/>
+              <a:t>Choice of some hyperparameters</a:t>
+            </a:r>
+          </a:p>
+          <a:p>
+            <a:pPr marL="0" indent="0">
+              <a:buNone/>
+            </a:pPr>
+            <a:r>
+              <a:rPr lang="da-DK" dirty="0"/>
+              <a:t>Some metric we trust</a:t>
+            </a:r>
+          </a:p>
+          <a:p>
+            <a:pPr marL="0" indent="0">
+              <a:buNone/>
+            </a:pPr>
+            <a:r>
+              <a:rPr lang="da-DK" dirty="0"/>
+              <a:t>Some way to measure the generalization error (validation set)</a:t>
+            </a:r>
+          </a:p>
+          <a:p>
+            <a:pPr marL="0" indent="0">
+              <a:buNone/>
+            </a:pPr>
+            <a:endParaRPr lang="da-DK" dirty="0"/>
+          </a:p>
+          <a:p>
+            <a:pPr marL="0" indent="0">
+              <a:buNone/>
+            </a:pPr>
+            <a:r>
+              <a:rPr lang="da-DK" dirty="0"/>
+              <a:t>How should we investigate our hyperparameter space?</a:t>
+            </a:r>
+          </a:p>
+          <a:p>
+            <a:pPr marL="0" indent="0">
+              <a:buNone/>
+            </a:pPr>
+            <a:endParaRPr lang="da-DK" dirty="0"/>
+          </a:p>
+          <a:p>
+            <a:pPr marL="0" indent="0">
+              <a:buNone/>
+            </a:pPr>
+            <a:endParaRPr lang="da-DK" dirty="0"/>
+          </a:p>
+          <a:p>
+            <a:endParaRPr lang="da-DK" dirty="0"/>
+          </a:p>
+        </p:txBody>
+      </p:sp>
+      <p:sp>
+        <p:nvSpPr>
+          <p:cNvPr id="4" name="Date Placeholder 3">
+            <a:extLst>
+              <a:ext uri="{FF2B5EF4-FFF2-40B4-BE49-F238E27FC236}">
+                <a16:creationId xmlns:a16="http://schemas.microsoft.com/office/drawing/2014/main" id="{A085A48E-9FE3-4F59-B350-B05D4B4DF869}"/>
+              </a:ext>
+            </a:extLst>
+          </p:cNvPr>
+          <p:cNvSpPr>
+            <a:spLocks noGrp="1"/>
+          </p:cNvSpPr>
+          <p:nvPr>
+            <p:ph type="dt" sz="half" idx="10"/>
+          </p:nvPr>
+        </p:nvSpPr>
+        <p:spPr/>
+        <p:txBody>
+          <a:bodyPr/>
+          <a:lstStyle/>
+          <a:p>
+            <a:fld id="{019E29B9-5584-4737-9C98-1B926378C778}" type="datetime1">
+              <a:rPr lang="en-US" smtClean="0"/>
+              <a:t>5/21/2021</a:t>
+            </a:fld>
+            <a:endParaRPr lang="da-DK"/>
+          </a:p>
+        </p:txBody>
+      </p:sp>
+      <p:sp>
+        <p:nvSpPr>
+          <p:cNvPr id="5" name="Footer Placeholder 4">
+            <a:extLst>
+              <a:ext uri="{FF2B5EF4-FFF2-40B4-BE49-F238E27FC236}">
+                <a16:creationId xmlns:a16="http://schemas.microsoft.com/office/drawing/2014/main" id="{44E770AA-73A7-4BB5-A41F-807A147D7907}"/>
+              </a:ext>
+            </a:extLst>
+          </p:cNvPr>
+          <p:cNvSpPr>
+            <a:spLocks noGrp="1"/>
+          </p:cNvSpPr>
+          <p:nvPr>
+            <p:ph type="ftr" sz="quarter" idx="11"/>
+          </p:nvPr>
+        </p:nvSpPr>
+        <p:spPr/>
+        <p:txBody>
+          <a:bodyPr/>
+          <a:lstStyle/>
+          <a:p>
+            <a:r>
+              <a:rPr lang="da-DK"/>
+              <a:t>Nicki Skafte Detlefsen</a:t>
+            </a:r>
+          </a:p>
+        </p:txBody>
+      </p:sp>
+      <p:sp>
+        <p:nvSpPr>
+          <p:cNvPr id="6" name="Slide Number Placeholder 5">
+            <a:extLst>
+              <a:ext uri="{FF2B5EF4-FFF2-40B4-BE49-F238E27FC236}">
+                <a16:creationId xmlns:a16="http://schemas.microsoft.com/office/drawing/2014/main" id="{D8BF2522-6559-441F-966E-B2B94B383955}"/>
+              </a:ext>
+            </a:extLst>
+          </p:cNvPr>
+          <p:cNvSpPr>
+            <a:spLocks noGrp="1"/>
+          </p:cNvSpPr>
+          <p:nvPr>
+            <p:ph type="sldNum" sz="quarter" idx="12"/>
+          </p:nvPr>
+        </p:nvSpPr>
+        <p:spPr/>
+        <p:txBody>
+          <a:bodyPr/>
+          <a:lstStyle/>
+          <a:p>
+            <a:fld id="{F6FEDE24-D50C-481B-A7B4-8AF13899101A}" type="slidenum">
+              <a:rPr lang="da-DK" smtClean="0"/>
+              <a:t>9</a:t>
+            </a:fld>
+            <a:endParaRPr lang="da-DK"/>
+          </a:p>
+        </p:txBody>
+      </p:sp>
+    </p:spTree>
+    <p:extLst>
+      <p:ext uri="{BB962C8B-B14F-4D97-AF65-F5344CB8AC3E}">
+        <p14:creationId xmlns:p14="http://schemas.microsoft.com/office/powerpoint/2010/main" val="4270529883"/>
       </p:ext>
     </p:extLst>
   </p:cSld>

--- a/09_crossvalidation_at_scale/Hyperparameters.pptx
+++ b/09_crossvalidation_at_scale/Hyperparameters.pptx
@@ -229,7 +229,7 @@
           <a:p>
             <a:fld id="{D75CAE95-D2DD-4998-876A-092BFD628C65}" type="datetimeFigureOut">
               <a:rPr lang="da-DK" smtClean="0"/>
-              <a:t>21-05-2021</a:t>
+              <a:t>24-05-2021</a:t>
             </a:fld>
             <a:endParaRPr lang="da-DK"/>
           </a:p>
@@ -407,7 +407,7 @@
           <a:p>
             <a:fld id="{1DA8E099-58AA-4136-B409-1CAD1943D842}" type="datetimeFigureOut">
               <a:rPr lang="da-DK" smtClean="0"/>
-              <a:t>21-05-2021</a:t>
+              <a:t>24-05-2021</a:t>
             </a:fld>
             <a:endParaRPr lang="da-DK"/>
           </a:p>
@@ -825,7 +825,7 @@
           <a:p>
             <a:fld id="{C85334AD-9960-4065-BF34-86ED0345A76D}" type="datetime1">
               <a:rPr lang="en-US" smtClean="0"/>
-              <a:t>5/21/2021</a:t>
+              <a:t>5/24/2021</a:t>
             </a:fld>
             <a:endParaRPr lang="da-DK"/>
           </a:p>
@@ -1064,7 +1064,7 @@
           <a:p>
             <a:fld id="{C5669758-3775-48D7-A841-693E908C3BF4}" type="datetime1">
               <a:rPr lang="en-US" smtClean="0"/>
-              <a:t>5/21/2021</a:t>
+              <a:t>5/24/2021</a:t>
             </a:fld>
             <a:endParaRPr lang="da-DK"/>
           </a:p>
@@ -1277,7 +1277,7 @@
           <a:p>
             <a:fld id="{1E0C3FF1-EDBD-4F2A-8366-34A4E3728310}" type="datetime1">
               <a:rPr lang="en-US" smtClean="0"/>
-              <a:t>5/21/2021</a:t>
+              <a:t>5/24/2021</a:t>
             </a:fld>
             <a:endParaRPr lang="da-DK"/>
           </a:p>
@@ -1498,7 +1498,7 @@
           <a:p>
             <a:fld id="{019E29B9-5584-4737-9C98-1B926378C778}" type="datetime1">
               <a:rPr lang="en-US" smtClean="0"/>
-              <a:t>5/21/2021</a:t>
+              <a:t>5/24/2021</a:t>
             </a:fld>
             <a:endParaRPr lang="da-DK"/>
           </a:p>
@@ -1813,7 +1813,7 @@
           <a:p>
             <a:fld id="{FCE38F03-F67D-4508-A858-99FCD085087C}" type="datetime1">
               <a:rPr lang="en-US" smtClean="0"/>
-              <a:t>5/21/2021</a:t>
+              <a:t>5/24/2021</a:t>
             </a:fld>
             <a:endParaRPr lang="da-DK"/>
           </a:p>
@@ -2084,7 +2084,7 @@
           <a:p>
             <a:fld id="{B43F2930-3FFD-4F93-A4BD-4F0D1A0B4514}" type="datetime1">
               <a:rPr lang="en-US" smtClean="0"/>
-              <a:t>5/21/2021</a:t>
+              <a:t>5/24/2021</a:t>
             </a:fld>
             <a:endParaRPr lang="da-DK"/>
           </a:p>
@@ -2502,7 +2502,7 @@
           <a:p>
             <a:fld id="{8E0F9B9B-30CC-4693-8E0F-1A94A979E2C5}" type="datetime1">
               <a:rPr lang="en-US" smtClean="0"/>
-              <a:t>5/21/2021</a:t>
+              <a:t>5/24/2021</a:t>
             </a:fld>
             <a:endParaRPr lang="da-DK"/>
           </a:p>
@@ -2647,7 +2647,7 @@
           <a:p>
             <a:fld id="{6FE1433B-E6A7-44FF-8B55-539471B4D7C5}" type="datetime1">
               <a:rPr lang="en-US" smtClean="0"/>
-              <a:t>5/21/2021</a:t>
+              <a:t>5/24/2021</a:t>
             </a:fld>
             <a:endParaRPr lang="da-DK"/>
           </a:p>
@@ -2763,7 +2763,7 @@
           <a:p>
             <a:fld id="{624F4001-6A8C-42DA-824F-B5CC1375B861}" type="datetime1">
               <a:rPr lang="en-US" smtClean="0"/>
-              <a:t>5/21/2021</a:t>
+              <a:t>5/24/2021</a:t>
             </a:fld>
             <a:endParaRPr lang="da-DK"/>
           </a:p>
@@ -3079,7 +3079,7 @@
           <a:p>
             <a:fld id="{2D3BE137-2C5E-4078-8BA2-7D42D7E67218}" type="datetime1">
               <a:rPr lang="en-US" smtClean="0"/>
-              <a:t>5/21/2021</a:t>
+              <a:t>5/24/2021</a:t>
             </a:fld>
             <a:endParaRPr lang="da-DK"/>
           </a:p>
@@ -3371,7 +3371,7 @@
           <a:p>
             <a:fld id="{0D1436FF-56D3-4E93-92E8-71121EAB120E}" type="datetime1">
               <a:rPr lang="en-US" smtClean="0"/>
-              <a:t>5/21/2021</a:t>
+              <a:t>5/24/2021</a:t>
             </a:fld>
             <a:endParaRPr lang="da-DK"/>
           </a:p>
@@ -3617,7 +3617,7 @@
           <a:p>
             <a:fld id="{16601EF2-4BCA-4009-ACCF-B97F259DEF6F}" type="datetime1">
               <a:rPr lang="en-US" smtClean="0"/>
-              <a:t>5/21/2021</a:t>
+              <a:t>5/24/2021</a:t>
             </a:fld>
             <a:endParaRPr lang="da-DK"/>
           </a:p>
@@ -4298,7 +4298,7 @@
           <a:p>
             <a:fld id="{019E29B9-5584-4737-9C98-1B926378C778}" type="datetime1">
               <a:rPr lang="en-US" smtClean="0"/>
-              <a:t>5/21/2021</a:t>
+              <a:t>5/24/2021</a:t>
             </a:fld>
             <a:endParaRPr lang="da-DK"/>
           </a:p>
@@ -4455,8 +4455,8 @@
           </a:p>
         </p:txBody>
       </p:sp>
-      <mc:AlternateContent xmlns:mc="http://schemas.openxmlformats.org/markup-compatibility/2006">
-        <mc:Choice xmlns:a14="http://schemas.microsoft.com/office/drawing/2010/main" Requires="a14">
+      <mc:AlternateContent xmlns:mc="http://schemas.openxmlformats.org/markup-compatibility/2006" xmlns:a14="http://schemas.microsoft.com/office/drawing/2010/main">
+        <mc:Choice Requires="a14">
           <p:sp>
             <p:nvSpPr>
               <p:cNvPr id="3" name="Content Placeholder 2">
@@ -4624,7 +4624,7 @@
             </p:txBody>
           </p:sp>
         </mc:Choice>
-        <mc:Fallback>
+        <mc:Fallback xmlns="">
           <p:sp>
             <p:nvSpPr>
               <p:cNvPr id="3" name="Content Placeholder 2">
@@ -4691,7 +4691,7 @@
           <a:p>
             <a:fld id="{019E29B9-5584-4737-9C98-1B926378C778}" type="datetime1">
               <a:rPr lang="en-US" smtClean="0"/>
-              <a:t>5/21/2021</a:t>
+              <a:t>5/24/2021</a:t>
             </a:fld>
             <a:endParaRPr lang="da-DK"/>
           </a:p>
@@ -4926,7 +4926,7 @@
           <a:p>
             <a:fld id="{019E29B9-5584-4737-9C98-1B926378C778}" type="datetime1">
               <a:rPr lang="en-US" smtClean="0"/>
-              <a:t>5/21/2021</a:t>
+              <a:t>5/24/2021</a:t>
             </a:fld>
             <a:endParaRPr lang="da-DK"/>
           </a:p>
@@ -5122,7 +5122,7 @@
           <a:p>
             <a:fld id="{019E29B9-5584-4737-9C98-1B926378C778}" type="datetime1">
               <a:rPr lang="en-US" smtClean="0"/>
-              <a:t>5/21/2021</a:t>
+              <a:t>5/24/2021</a:t>
             </a:fld>
             <a:endParaRPr lang="da-DK"/>
           </a:p>
@@ -5371,7 +5371,7 @@
           <a:p>
             <a:fld id="{019E29B9-5584-4737-9C98-1B926378C778}" type="datetime1">
               <a:rPr lang="en-US" smtClean="0"/>
-              <a:t>5/21/2021</a:t>
+              <a:t>5/24/2021</a:t>
             </a:fld>
             <a:endParaRPr lang="da-DK"/>
           </a:p>
@@ -5586,7 +5586,7 @@
           <a:p>
             <a:fld id="{019E29B9-5584-4737-9C98-1B926378C778}" type="datetime1">
               <a:rPr lang="en-US" smtClean="0"/>
-              <a:t>5/21/2021</a:t>
+              <a:t>5/24/2021</a:t>
             </a:fld>
             <a:endParaRPr lang="da-DK"/>
           </a:p>
@@ -5827,7 +5827,7 @@
           <a:p>
             <a:fld id="{019E29B9-5584-4737-9C98-1B926378C778}" type="datetime1">
               <a:rPr lang="en-US" smtClean="0"/>
-              <a:t>5/21/2021</a:t>
+              <a:t>5/24/2021</a:t>
             </a:fld>
             <a:endParaRPr lang="da-DK"/>
           </a:p>
@@ -6121,7 +6121,7 @@
           <a:p>
             <a:fld id="{019E29B9-5584-4737-9C98-1B926378C778}" type="datetime1">
               <a:rPr lang="en-US" smtClean="0"/>
-              <a:t>5/21/2021</a:t>
+              <a:t>5/24/2021</a:t>
             </a:fld>
             <a:endParaRPr lang="da-DK"/>
           </a:p>
@@ -6314,8 +6314,8 @@
           </a:p>
         </p:txBody>
       </p:sp>
-      <mc:AlternateContent xmlns:mc="http://schemas.openxmlformats.org/markup-compatibility/2006">
-        <mc:Choice xmlns:a14="http://schemas.microsoft.com/office/drawing/2010/main" Requires="a14">
+      <mc:AlternateContent xmlns:mc="http://schemas.openxmlformats.org/markup-compatibility/2006" xmlns:a14="http://schemas.microsoft.com/office/drawing/2010/main">
+        <mc:Choice Requires="a14">
           <p:sp>
             <p:nvSpPr>
               <p:cNvPr id="3" name="Content Placeholder 2">
@@ -6636,7 +6636,7 @@
             </p:txBody>
           </p:sp>
         </mc:Choice>
-        <mc:Fallback>
+        <mc:Fallback xmlns="">
           <p:sp>
             <p:nvSpPr>
               <p:cNvPr id="3" name="Content Placeholder 2">
@@ -6699,7 +6699,7 @@
           <a:p>
             <a:fld id="{019E29B9-5584-4737-9C98-1B926378C778}" type="datetime1">
               <a:rPr lang="en-US" smtClean="0"/>
-              <a:t>5/21/2021</a:t>
+              <a:t>5/24/2021</a:t>
             </a:fld>
             <a:endParaRPr lang="da-DK"/>
           </a:p>
@@ -6874,7 +6874,7 @@
           <a:p>
             <a:fld id="{019E29B9-5584-4737-9C98-1B926378C778}" type="datetime1">
               <a:rPr lang="en-US" smtClean="0"/>
-              <a:t>5/21/2021</a:t>
+              <a:t>5/24/2021</a:t>
             </a:fld>
             <a:endParaRPr lang="da-DK"/>
           </a:p>
@@ -6951,8 +6951,8 @@
         </p:nvSpPr>
         <p:spPr>
           <a:xfrm>
-            <a:off x="1151709" y="1950720"/>
-            <a:ext cx="9699171" cy="4345675"/>
+            <a:off x="283030" y="1920981"/>
+            <a:ext cx="5020490" cy="4345675"/>
           </a:xfrm>
           <a:prstGeom prst="ellipse">
             <a:avLst/>
@@ -7003,8 +7003,8 @@
         </p:nvSpPr>
         <p:spPr>
           <a:xfrm>
-            <a:off x="3683726" y="2717074"/>
-            <a:ext cx="6779623" cy="3365961"/>
+            <a:off x="1462922" y="3711758"/>
+            <a:ext cx="2733694" cy="2458331"/>
           </a:xfrm>
           <a:prstGeom prst="ellipse">
             <a:avLst/>
@@ -7055,7 +7055,7 @@
         </p:nvSpPr>
         <p:spPr>
           <a:xfrm>
-            <a:off x="1547949" y="2255409"/>
+            <a:off x="283030" y="1969899"/>
             <a:ext cx="2455817" cy="461665"/>
           </a:xfrm>
           <a:prstGeom prst="rect">
@@ -7091,7 +7091,7 @@
         </p:nvSpPr>
         <p:spPr>
           <a:xfrm>
-            <a:off x="6001294" y="2782278"/>
+            <a:off x="1815972" y="4683395"/>
             <a:ext cx="2455817" cy="830997"/>
           </a:xfrm>
           <a:prstGeom prst="rect">
@@ -7114,6 +7114,129 @@
             <a:r>
               <a:rPr lang="da-DK" sz="2400" dirty="0"/>
               <a:t>(differentiable)</a:t>
+            </a:r>
+            <a:endParaRPr lang="da-DK" dirty="0"/>
+          </a:p>
+        </p:txBody>
+      </p:sp>
+      <p:pic>
+        <p:nvPicPr>
+          <p:cNvPr id="12" name="Picture 11" descr="A picture containing text, different, same&#10;&#10;Description automatically generated">
+            <a:extLst>
+              <a:ext uri="{FF2B5EF4-FFF2-40B4-BE49-F238E27FC236}">
+                <a16:creationId xmlns:a16="http://schemas.microsoft.com/office/drawing/2014/main" id="{325E8D51-E655-43E5-A2F7-6DEB671A6775}"/>
+              </a:ext>
+            </a:extLst>
+          </p:cNvPr>
+          <p:cNvPicPr>
+            <a:picLocks noChangeAspect="1"/>
+          </p:cNvPicPr>
+          <p:nvPr/>
+        </p:nvPicPr>
+        <p:blipFill rotWithShape="1">
+          <a:blip r:embed="rId2">
+            <a:extLst>
+              <a:ext uri="{28A0092B-C50C-407E-A947-70E740481C1C}">
+                <a14:useLocalDpi xmlns:a14="http://schemas.microsoft.com/office/drawing/2010/main" val="0"/>
+              </a:ext>
+            </a:extLst>
+          </a:blip>
+          <a:srcRect b="10833"/>
+          <a:stretch/>
+        </p:blipFill>
+        <p:spPr>
+          <a:xfrm>
+            <a:off x="5638047" y="1706340"/>
+            <a:ext cx="6433750" cy="4309744"/>
+          </a:xfrm>
+          <a:prstGeom prst="rect">
+            <a:avLst/>
+          </a:prstGeom>
+        </p:spPr>
+      </p:pic>
+      <p:sp>
+        <p:nvSpPr>
+          <p:cNvPr id="17" name="Oval 16">
+            <a:extLst>
+              <a:ext uri="{FF2B5EF4-FFF2-40B4-BE49-F238E27FC236}">
+                <a16:creationId xmlns:a16="http://schemas.microsoft.com/office/drawing/2014/main" id="{67DB0485-B016-45C5-A449-ED02037A4161}"/>
+              </a:ext>
+            </a:extLst>
+          </p:cNvPr>
+          <p:cNvSpPr/>
+          <p:nvPr/>
+        </p:nvSpPr>
+        <p:spPr>
+          <a:xfrm>
+            <a:off x="1001027" y="2332236"/>
+            <a:ext cx="3647750" cy="3934419"/>
+          </a:xfrm>
+          <a:prstGeom prst="ellipse">
+            <a:avLst/>
+          </a:prstGeom>
+          <a:noFill/>
+          <a:ln w="38100">
+            <a:solidFill>
+              <a:schemeClr val="accent1"/>
+            </a:solidFill>
+          </a:ln>
+        </p:spPr>
+        <p:style>
+          <a:lnRef idx="2">
+            <a:schemeClr val="accent1">
+              <a:shade val="50000"/>
+            </a:schemeClr>
+          </a:lnRef>
+          <a:fillRef idx="1">
+            <a:schemeClr val="accent1"/>
+          </a:fillRef>
+          <a:effectRef idx="0">
+            <a:schemeClr val="accent1"/>
+          </a:effectRef>
+          <a:fontRef idx="minor">
+            <a:schemeClr val="lt1"/>
+          </a:fontRef>
+        </p:style>
+        <p:txBody>
+          <a:bodyPr rtlCol="0" anchor="ctr"/>
+          <a:lstStyle/>
+          <a:p>
+            <a:pPr algn="ctr"/>
+            <a:endParaRPr lang="da-DK"/>
+          </a:p>
+        </p:txBody>
+      </p:sp>
+      <p:sp>
+        <p:nvSpPr>
+          <p:cNvPr id="18" name="TextBox 17">
+            <a:extLst>
+              <a:ext uri="{FF2B5EF4-FFF2-40B4-BE49-F238E27FC236}">
+                <a16:creationId xmlns:a16="http://schemas.microsoft.com/office/drawing/2014/main" id="{D9307297-CDCD-4EC2-91EB-430C87AC932A}"/>
+              </a:ext>
+            </a:extLst>
+          </p:cNvPr>
+          <p:cNvSpPr txBox="1"/>
+          <p:nvPr/>
+        </p:nvSpPr>
+        <p:spPr>
+          <a:xfrm>
+            <a:off x="1967678" y="2810048"/>
+            <a:ext cx="2455817" cy="461665"/>
+          </a:xfrm>
+          <a:prstGeom prst="rect">
+            <a:avLst/>
+          </a:prstGeom>
+          <a:noFill/>
+        </p:spPr>
+        <p:txBody>
+          <a:bodyPr wrap="square" rtlCol="0">
+            <a:spAutoFit/>
+          </a:bodyPr>
+          <a:lstStyle/>
+          <a:p>
+            <a:r>
+              <a:rPr lang="da-DK" sz="2400" dirty="0"/>
+              <a:t>Scalar-metrics</a:t>
             </a:r>
             <a:endParaRPr lang="da-DK" dirty="0"/>
           </a:p>
@@ -7129,6 +7252,81 @@
   <p:clrMapOvr>
     <a:masterClrMapping/>
   </p:clrMapOvr>
+  <p:timing>
+    <p:tnLst>
+      <p:par>
+        <p:cTn id="1" dur="indefinite" restart="never" nodeType="tmRoot">
+          <p:childTnLst>
+            <p:seq concurrent="1" nextAc="seek">
+              <p:cTn id="2" dur="indefinite" nodeType="mainSeq">
+                <p:childTnLst>
+                  <p:par>
+                    <p:cTn id="3" fill="hold">
+                      <p:stCondLst>
+                        <p:cond delay="indefinite"/>
+                      </p:stCondLst>
+                      <p:childTnLst>
+                        <p:par>
+                          <p:cTn id="4" fill="hold">
+                            <p:stCondLst>
+                              <p:cond delay="0"/>
+                            </p:stCondLst>
+                            <p:childTnLst>
+                              <p:par>
+                                <p:cTn id="5" presetID="1" presetClass="entr" presetSubtype="0" fill="hold" nodeType="clickEffect">
+                                  <p:stCondLst>
+                                    <p:cond delay="0"/>
+                                  </p:stCondLst>
+                                  <p:childTnLst>
+                                    <p:set>
+                                      <p:cBhvr>
+                                        <p:cTn id="6" dur="1" fill="hold">
+                                          <p:stCondLst>
+                                            <p:cond delay="0"/>
+                                          </p:stCondLst>
+                                        </p:cTn>
+                                        <p:tgtEl>
+                                          <p:spTgt spid="12"/>
+                                        </p:tgtEl>
+                                        <p:attrNameLst>
+                                          <p:attrName>style.visibility</p:attrName>
+                                        </p:attrNameLst>
+                                      </p:cBhvr>
+                                      <p:to>
+                                        <p:strVal val="visible"/>
+                                      </p:to>
+                                    </p:set>
+                                  </p:childTnLst>
+                                </p:cTn>
+                              </p:par>
+                            </p:childTnLst>
+                          </p:cTn>
+                        </p:par>
+                      </p:childTnLst>
+                    </p:cTn>
+                  </p:par>
+                </p:childTnLst>
+              </p:cTn>
+              <p:prevCondLst>
+                <p:cond evt="onPrev" delay="0">
+                  <p:tgtEl>
+                    <p:sldTgt/>
+                  </p:tgtEl>
+                </p:cond>
+              </p:prevCondLst>
+              <p:nextCondLst>
+                <p:cond evt="onNext" delay="0">
+                  <p:tgtEl>
+                    <p:sldTgt/>
+                  </p:tgtEl>
+                </p:cond>
+              </p:nextCondLst>
+            </p:seq>
+          </p:childTnLst>
+        </p:cTn>
+      </p:par>
+    </p:tnLst>
+  </p:timing>
 </p:sld>
 </file>
 
@@ -7177,8 +7375,8 @@
           </a:p>
         </p:txBody>
       </p:sp>
-      <mc:AlternateContent xmlns:mc="http://schemas.openxmlformats.org/markup-compatibility/2006">
-        <mc:Choice xmlns:a14="http://schemas.microsoft.com/office/drawing/2010/main" Requires="a14">
+      <mc:AlternateContent xmlns:mc="http://schemas.openxmlformats.org/markup-compatibility/2006" xmlns:a14="http://schemas.microsoft.com/office/drawing/2010/main">
+        <mc:Choice Requires="a14">
           <p:sp>
             <p:nvSpPr>
               <p:cNvPr id="3" name="Content Placeholder 2">
@@ -7605,7 +7803,7 @@
             </p:txBody>
           </p:sp>
         </mc:Choice>
-        <mc:Fallback>
+        <mc:Fallback xmlns="">
           <p:sp>
             <p:nvSpPr>
               <p:cNvPr id="3" name="Content Placeholder 2">
@@ -7668,7 +7866,7 @@
           <a:p>
             <a:fld id="{019E29B9-5584-4737-9C98-1B926378C778}" type="datetime1">
               <a:rPr lang="en-US" smtClean="0"/>
-              <a:t>5/21/2021</a:t>
+              <a:t>5/24/2021</a:t>
             </a:fld>
             <a:endParaRPr lang="da-DK"/>
           </a:p>
@@ -7789,8 +7987,8 @@
           </a:p>
         </p:txBody>
       </p:sp>
-      <mc:AlternateContent xmlns:mc="http://schemas.openxmlformats.org/markup-compatibility/2006">
-        <mc:Choice xmlns:a14="http://schemas.microsoft.com/office/drawing/2010/main" Requires="a14">
+      <mc:AlternateContent xmlns:mc="http://schemas.openxmlformats.org/markup-compatibility/2006" xmlns:a14="http://schemas.microsoft.com/office/drawing/2010/main">
+        <mc:Choice Requires="a14">
           <p:sp>
             <p:nvSpPr>
               <p:cNvPr id="3" name="Content Placeholder 2">
@@ -8299,7 +8497,7 @@
             </p:txBody>
           </p:sp>
         </mc:Choice>
-        <mc:Fallback>
+        <mc:Fallback xmlns="">
           <p:sp>
             <p:nvSpPr>
               <p:cNvPr id="3" name="Content Placeholder 2">
@@ -8362,7 +8560,7 @@
           <a:p>
             <a:fld id="{019E29B9-5584-4737-9C98-1B926378C778}" type="datetime1">
               <a:rPr lang="en-US" smtClean="0"/>
-              <a:t>5/21/2021</a:t>
+              <a:t>5/24/2021</a:t>
             </a:fld>
             <a:endParaRPr lang="da-DK"/>
           </a:p>
@@ -8531,8 +8729,8 @@
           </a:p>
         </p:txBody>
       </p:sp>
-      <mc:AlternateContent xmlns:mc="http://schemas.openxmlformats.org/markup-compatibility/2006">
-        <mc:Choice xmlns:a14="http://schemas.microsoft.com/office/drawing/2010/main" Requires="a14">
+      <mc:AlternateContent xmlns:mc="http://schemas.openxmlformats.org/markup-compatibility/2006" xmlns:a14="http://schemas.microsoft.com/office/drawing/2010/main">
+        <mc:Choice Requires="a14">
           <p:sp>
             <p:nvSpPr>
               <p:cNvPr id="3" name="Content Placeholder 2">
@@ -8650,7 +8848,7 @@
             </p:txBody>
           </p:sp>
         </mc:Choice>
-        <mc:Fallback>
+        <mc:Fallback xmlns="">
           <p:sp>
             <p:nvSpPr>
               <p:cNvPr id="3" name="Content Placeholder 2">
@@ -8713,7 +8911,7 @@
           <a:p>
             <a:fld id="{019E29B9-5584-4737-9C98-1B926378C778}" type="datetime1">
               <a:rPr lang="en-US" smtClean="0"/>
-              <a:t>5/21/2021</a:t>
+              <a:t>5/24/2021</a:t>
             </a:fld>
             <a:endParaRPr lang="da-DK"/>
           </a:p>
@@ -9035,7 +9233,7 @@
           <a:p>
             <a:fld id="{019E29B9-5584-4737-9C98-1B926378C778}" type="datetime1">
               <a:rPr lang="en-US" smtClean="0"/>
-              <a:t>5/21/2021</a:t>
+              <a:t>5/24/2021</a:t>
             </a:fld>
             <a:endParaRPr lang="da-DK"/>
           </a:p>

--- a/09_crossvalidation_at_scale/Hyperparameters.pptx
+++ b/09_crossvalidation_at_scale/Hyperparameters.pptx
@@ -5,10 +5,10 @@
     <p:sldMasterId id="2147483648" r:id="rId1"/>
   </p:sldMasterIdLst>
   <p:notesMasterIdLst>
-    <p:notesMasterId r:id="rId17"/>
+    <p:notesMasterId r:id="rId18"/>
   </p:notesMasterIdLst>
   <p:handoutMasterIdLst>
-    <p:handoutMasterId r:id="rId18"/>
+    <p:handoutMasterId r:id="rId19"/>
   </p:handoutMasterIdLst>
   <p:sldIdLst>
     <p:sldId id="256" r:id="rId2"/>
@@ -16,16 +16,17 @@
     <p:sldId id="258" r:id="rId4"/>
     <p:sldId id="264" r:id="rId5"/>
     <p:sldId id="265" r:id="rId6"/>
-    <p:sldId id="266" r:id="rId7"/>
-    <p:sldId id="268" r:id="rId8"/>
-    <p:sldId id="269" r:id="rId9"/>
-    <p:sldId id="270" r:id="rId10"/>
-    <p:sldId id="263" r:id="rId11"/>
-    <p:sldId id="259" r:id="rId12"/>
-    <p:sldId id="267" r:id="rId13"/>
-    <p:sldId id="260" r:id="rId14"/>
-    <p:sldId id="261" r:id="rId15"/>
-    <p:sldId id="262" r:id="rId16"/>
+    <p:sldId id="271" r:id="rId7"/>
+    <p:sldId id="266" r:id="rId8"/>
+    <p:sldId id="268" r:id="rId9"/>
+    <p:sldId id="269" r:id="rId10"/>
+    <p:sldId id="270" r:id="rId11"/>
+    <p:sldId id="263" r:id="rId12"/>
+    <p:sldId id="259" r:id="rId13"/>
+    <p:sldId id="261" r:id="rId14"/>
+    <p:sldId id="267" r:id="rId15"/>
+    <p:sldId id="260" r:id="rId16"/>
+    <p:sldId id="262" r:id="rId17"/>
   </p:sldIdLst>
   <p:sldSz cx="12192000" cy="6858000"/>
   <p:notesSz cx="6858000" cy="9144000"/>
@@ -229,7 +230,7 @@
           <a:p>
             <a:fld id="{D75CAE95-D2DD-4998-876A-092BFD628C65}" type="datetimeFigureOut">
               <a:rPr lang="da-DK" smtClean="0"/>
-              <a:t>24-05-2021</a:t>
+              <a:t>28-05-2021</a:t>
             </a:fld>
             <a:endParaRPr lang="da-DK"/>
           </a:p>
@@ -407,7 +408,7 @@
           <a:p>
             <a:fld id="{1DA8E099-58AA-4136-B409-1CAD1943D842}" type="datetimeFigureOut">
               <a:rPr lang="da-DK" smtClean="0"/>
-              <a:t>24-05-2021</a:t>
+              <a:t>28-05-2021</a:t>
             </a:fld>
             <a:endParaRPr lang="da-DK"/>
           </a:p>
@@ -825,7 +826,7 @@
           <a:p>
             <a:fld id="{C85334AD-9960-4065-BF34-86ED0345A76D}" type="datetime1">
               <a:rPr lang="en-US" smtClean="0"/>
-              <a:t>5/24/2021</a:t>
+              <a:t>5/28/2021</a:t>
             </a:fld>
             <a:endParaRPr lang="da-DK"/>
           </a:p>
@@ -1064,7 +1065,7 @@
           <a:p>
             <a:fld id="{C5669758-3775-48D7-A841-693E908C3BF4}" type="datetime1">
               <a:rPr lang="en-US" smtClean="0"/>
-              <a:t>5/24/2021</a:t>
+              <a:t>5/28/2021</a:t>
             </a:fld>
             <a:endParaRPr lang="da-DK"/>
           </a:p>
@@ -1277,7 +1278,7 @@
           <a:p>
             <a:fld id="{1E0C3FF1-EDBD-4F2A-8366-34A4E3728310}" type="datetime1">
               <a:rPr lang="en-US" smtClean="0"/>
-              <a:t>5/24/2021</a:t>
+              <a:t>5/28/2021</a:t>
             </a:fld>
             <a:endParaRPr lang="da-DK"/>
           </a:p>
@@ -1498,7 +1499,7 @@
           <a:p>
             <a:fld id="{019E29B9-5584-4737-9C98-1B926378C778}" type="datetime1">
               <a:rPr lang="en-US" smtClean="0"/>
-              <a:t>5/24/2021</a:t>
+              <a:t>5/28/2021</a:t>
             </a:fld>
             <a:endParaRPr lang="da-DK"/>
           </a:p>
@@ -1813,7 +1814,7 @@
           <a:p>
             <a:fld id="{FCE38F03-F67D-4508-A858-99FCD085087C}" type="datetime1">
               <a:rPr lang="en-US" smtClean="0"/>
-              <a:t>5/24/2021</a:t>
+              <a:t>5/28/2021</a:t>
             </a:fld>
             <a:endParaRPr lang="da-DK"/>
           </a:p>
@@ -2084,7 +2085,7 @@
           <a:p>
             <a:fld id="{B43F2930-3FFD-4F93-A4BD-4F0D1A0B4514}" type="datetime1">
               <a:rPr lang="en-US" smtClean="0"/>
-              <a:t>5/24/2021</a:t>
+              <a:t>5/28/2021</a:t>
             </a:fld>
             <a:endParaRPr lang="da-DK"/>
           </a:p>
@@ -2502,7 +2503,7 @@
           <a:p>
             <a:fld id="{8E0F9B9B-30CC-4693-8E0F-1A94A979E2C5}" type="datetime1">
               <a:rPr lang="en-US" smtClean="0"/>
-              <a:t>5/24/2021</a:t>
+              <a:t>5/28/2021</a:t>
             </a:fld>
             <a:endParaRPr lang="da-DK"/>
           </a:p>
@@ -2647,7 +2648,7 @@
           <a:p>
             <a:fld id="{6FE1433B-E6A7-44FF-8B55-539471B4D7C5}" type="datetime1">
               <a:rPr lang="en-US" smtClean="0"/>
-              <a:t>5/24/2021</a:t>
+              <a:t>5/28/2021</a:t>
             </a:fld>
             <a:endParaRPr lang="da-DK"/>
           </a:p>
@@ -2763,7 +2764,7 @@
           <a:p>
             <a:fld id="{624F4001-6A8C-42DA-824F-B5CC1375B861}" type="datetime1">
               <a:rPr lang="en-US" smtClean="0"/>
-              <a:t>5/24/2021</a:t>
+              <a:t>5/28/2021</a:t>
             </a:fld>
             <a:endParaRPr lang="da-DK"/>
           </a:p>
@@ -3079,7 +3080,7 @@
           <a:p>
             <a:fld id="{2D3BE137-2C5E-4078-8BA2-7D42D7E67218}" type="datetime1">
               <a:rPr lang="en-US" smtClean="0"/>
-              <a:t>5/24/2021</a:t>
+              <a:t>5/28/2021</a:t>
             </a:fld>
             <a:endParaRPr lang="da-DK"/>
           </a:p>
@@ -3371,7 +3372,7 @@
           <a:p>
             <a:fld id="{0D1436FF-56D3-4E93-92E8-71121EAB120E}" type="datetime1">
               <a:rPr lang="en-US" smtClean="0"/>
-              <a:t>5/24/2021</a:t>
+              <a:t>5/28/2021</a:t>
             </a:fld>
             <a:endParaRPr lang="da-DK"/>
           </a:p>
@@ -3617,7 +3618,7 @@
           <a:p>
             <a:fld id="{16601EF2-4BCA-4009-ACCF-B97F259DEF6F}" type="datetime1">
               <a:rPr lang="en-US" smtClean="0"/>
-              <a:t>5/24/2021</a:t>
+              <a:t>5/28/2021</a:t>
             </a:fld>
             <a:endParaRPr lang="da-DK"/>
           </a:p>
@@ -4162,7 +4163,7 @@
           <p:cNvPr id="2" name="Title 1">
             <a:extLst>
               <a:ext uri="{FF2B5EF4-FFF2-40B4-BE49-F238E27FC236}">
-                <a16:creationId xmlns:a16="http://schemas.microsoft.com/office/drawing/2014/main" id="{E45F7B07-21E9-4F7E-9CD6-335BAFB45DE9}"/>
+                <a16:creationId xmlns:a16="http://schemas.microsoft.com/office/drawing/2014/main" id="{442EC157-7733-4643-B7A2-2A8BD42A9F3A}"/>
               </a:ext>
             </a:extLst>
           </p:cNvPr>
@@ -4180,7 +4181,7 @@
           <a:p>
             <a:r>
               <a:rPr lang="da-DK" dirty="0"/>
-              <a:t>What about doing grid search?</a:t>
+              <a:t>Back to topic</a:t>
             </a:r>
           </a:p>
         </p:txBody>
@@ -4190,7 +4191,7 @@
           <p:cNvPr id="3" name="Content Placeholder 2">
             <a:extLst>
               <a:ext uri="{FF2B5EF4-FFF2-40B4-BE49-F238E27FC236}">
-                <a16:creationId xmlns:a16="http://schemas.microsoft.com/office/drawing/2014/main" id="{6FE0F872-928D-4E85-8B50-AF6CBED0DED7}"/>
+                <a16:creationId xmlns:a16="http://schemas.microsoft.com/office/drawing/2014/main" id="{0C5AE16E-E501-4483-B8AD-D8A7CF97F703}"/>
               </a:ext>
             </a:extLst>
           </p:cNvPr>
@@ -4204,7 +4205,7 @@
         <p:spPr/>
         <p:txBody>
           <a:bodyPr>
-            <a:normAutofit lnSpcReduction="10000"/>
+            <a:normAutofit/>
           </a:bodyPr>
           <a:lstStyle/>
           <a:p>
@@ -4213,7 +4214,37 @@
             </a:pPr>
             <a:r>
               <a:rPr lang="da-DK" dirty="0"/>
-              <a:t>Curse of dimensionality?</a:t>
+              <a:t>We now assume that we have</a:t>
+            </a:r>
+          </a:p>
+          <a:p>
+            <a:pPr marL="514350" indent="-514350">
+              <a:buFont typeface="+mj-lt"/>
+              <a:buAutoNum type="arabicPeriod"/>
+            </a:pPr>
+            <a:r>
+              <a:rPr lang="da-DK" dirty="0"/>
+              <a:t>Some metric we trust</a:t>
+            </a:r>
+          </a:p>
+          <a:p>
+            <a:pPr marL="514350" indent="-514350">
+              <a:buFont typeface="+mj-lt"/>
+              <a:buAutoNum type="arabicPeriod"/>
+            </a:pPr>
+            <a:r>
+              <a:rPr lang="da-DK" dirty="0"/>
+              <a:t>Some way to measure the generalization error (validation set)</a:t>
+            </a:r>
+          </a:p>
+          <a:p>
+            <a:pPr marL="514350" indent="-514350">
+              <a:buFont typeface="+mj-lt"/>
+              <a:buAutoNum type="arabicPeriod"/>
+            </a:pPr>
+            <a:r>
+              <a:rPr lang="da-DK" dirty="0"/>
+              <a:t>Some hyperparameters that we want to optimize</a:t>
             </a:r>
           </a:p>
           <a:p>
@@ -4226,7 +4257,10 @@
             <a:pPr marL="0" indent="0">
               <a:buNone/>
             </a:pPr>
-            <a:endParaRPr lang="da-DK" dirty="0"/>
+            <a:r>
+              <a:rPr lang="da-DK" dirty="0"/>
+              <a:t>How should we investigate our hyperparameter space?</a:t>
+            </a:r>
           </a:p>
           <a:p>
             <a:pPr marL="0" indent="0">
@@ -4241,6 +4275,186 @@
             <a:endParaRPr lang="da-DK" dirty="0"/>
           </a:p>
           <a:p>
+            <a:endParaRPr lang="da-DK" dirty="0"/>
+          </a:p>
+        </p:txBody>
+      </p:sp>
+      <p:sp>
+        <p:nvSpPr>
+          <p:cNvPr id="4" name="Date Placeholder 3">
+            <a:extLst>
+              <a:ext uri="{FF2B5EF4-FFF2-40B4-BE49-F238E27FC236}">
+                <a16:creationId xmlns:a16="http://schemas.microsoft.com/office/drawing/2014/main" id="{A085A48E-9FE3-4F59-B350-B05D4B4DF869}"/>
+              </a:ext>
+            </a:extLst>
+          </p:cNvPr>
+          <p:cNvSpPr>
+            <a:spLocks noGrp="1"/>
+          </p:cNvSpPr>
+          <p:nvPr>
+            <p:ph type="dt" sz="half" idx="10"/>
+          </p:nvPr>
+        </p:nvSpPr>
+        <p:spPr/>
+        <p:txBody>
+          <a:bodyPr/>
+          <a:lstStyle/>
+          <a:p>
+            <a:fld id="{019E29B9-5584-4737-9C98-1B926378C778}" type="datetime1">
+              <a:rPr lang="en-US" smtClean="0"/>
+              <a:t>5/28/2021</a:t>
+            </a:fld>
+            <a:endParaRPr lang="da-DK"/>
+          </a:p>
+        </p:txBody>
+      </p:sp>
+      <p:sp>
+        <p:nvSpPr>
+          <p:cNvPr id="5" name="Footer Placeholder 4">
+            <a:extLst>
+              <a:ext uri="{FF2B5EF4-FFF2-40B4-BE49-F238E27FC236}">
+                <a16:creationId xmlns:a16="http://schemas.microsoft.com/office/drawing/2014/main" id="{44E770AA-73A7-4BB5-A41F-807A147D7907}"/>
+              </a:ext>
+            </a:extLst>
+          </p:cNvPr>
+          <p:cNvSpPr>
+            <a:spLocks noGrp="1"/>
+          </p:cNvSpPr>
+          <p:nvPr>
+            <p:ph type="ftr" sz="quarter" idx="11"/>
+          </p:nvPr>
+        </p:nvSpPr>
+        <p:spPr/>
+        <p:txBody>
+          <a:bodyPr/>
+          <a:lstStyle/>
+          <a:p>
+            <a:r>
+              <a:rPr lang="da-DK"/>
+              <a:t>Nicki Skafte Detlefsen</a:t>
+            </a:r>
+          </a:p>
+        </p:txBody>
+      </p:sp>
+      <p:sp>
+        <p:nvSpPr>
+          <p:cNvPr id="6" name="Slide Number Placeholder 5">
+            <a:extLst>
+              <a:ext uri="{FF2B5EF4-FFF2-40B4-BE49-F238E27FC236}">
+                <a16:creationId xmlns:a16="http://schemas.microsoft.com/office/drawing/2014/main" id="{D8BF2522-6559-441F-966E-B2B94B383955}"/>
+              </a:ext>
+            </a:extLst>
+          </p:cNvPr>
+          <p:cNvSpPr>
+            <a:spLocks noGrp="1"/>
+          </p:cNvSpPr>
+          <p:nvPr>
+            <p:ph type="sldNum" sz="quarter" idx="12"/>
+          </p:nvPr>
+        </p:nvSpPr>
+        <p:spPr/>
+        <p:txBody>
+          <a:bodyPr/>
+          <a:lstStyle/>
+          <a:p>
+            <a:fld id="{F6FEDE24-D50C-481B-A7B4-8AF13899101A}" type="slidenum">
+              <a:rPr lang="da-DK" smtClean="0"/>
+              <a:t>10</a:t>
+            </a:fld>
+            <a:endParaRPr lang="da-DK"/>
+          </a:p>
+        </p:txBody>
+      </p:sp>
+    </p:spTree>
+    <p:extLst>
+      <p:ext uri="{BB962C8B-B14F-4D97-AF65-F5344CB8AC3E}">
+        <p14:creationId xmlns:p14="http://schemas.microsoft.com/office/powerpoint/2010/main" val="4270529883"/>
+      </p:ext>
+    </p:extLst>
+  </p:cSld>
+  <p:clrMapOvr>
+    <a:masterClrMapping/>
+  </p:clrMapOvr>
+</p:sld>
+</file>
+
+<file path=ppt/slides/slide11.xml><?xml version="1.0" encoding="utf-8"?>
+<p:sld xmlns:a="http://schemas.openxmlformats.org/drawingml/2006/main" xmlns:r="http://schemas.openxmlformats.org/officeDocument/2006/relationships" xmlns:p="http://schemas.openxmlformats.org/presentationml/2006/main">
+  <p:cSld>
+    <p:spTree>
+      <p:nvGrpSpPr>
+        <p:cNvPr id="1" name=""/>
+        <p:cNvGrpSpPr/>
+        <p:nvPr/>
+      </p:nvGrpSpPr>
+      <p:grpSpPr>
+        <a:xfrm>
+          <a:off x="0" y="0"/>
+          <a:ext cx="0" cy="0"/>
+          <a:chOff x="0" y="0"/>
+          <a:chExt cx="0" cy="0"/>
+        </a:xfrm>
+      </p:grpSpPr>
+      <p:sp>
+        <p:nvSpPr>
+          <p:cNvPr id="2" name="Title 1">
+            <a:extLst>
+              <a:ext uri="{FF2B5EF4-FFF2-40B4-BE49-F238E27FC236}">
+                <a16:creationId xmlns:a16="http://schemas.microsoft.com/office/drawing/2014/main" id="{E45F7B07-21E9-4F7E-9CD6-335BAFB45DE9}"/>
+              </a:ext>
+            </a:extLst>
+          </p:cNvPr>
+          <p:cNvSpPr>
+            <a:spLocks noGrp="1"/>
+          </p:cNvSpPr>
+          <p:nvPr>
+            <p:ph type="title"/>
+          </p:nvPr>
+        </p:nvSpPr>
+        <p:spPr/>
+        <p:txBody>
+          <a:bodyPr/>
+          <a:lstStyle/>
+          <a:p>
+            <a:r>
+              <a:rPr lang="da-DK" dirty="0"/>
+              <a:t>What about doing grid search?</a:t>
+            </a:r>
+          </a:p>
+        </p:txBody>
+      </p:sp>
+      <p:sp>
+        <p:nvSpPr>
+          <p:cNvPr id="3" name="Content Placeholder 2">
+            <a:extLst>
+              <a:ext uri="{FF2B5EF4-FFF2-40B4-BE49-F238E27FC236}">
+                <a16:creationId xmlns:a16="http://schemas.microsoft.com/office/drawing/2014/main" id="{6FE0F872-928D-4E85-8B50-AF6CBED0DED7}"/>
+              </a:ext>
+            </a:extLst>
+          </p:cNvPr>
+          <p:cNvSpPr>
+            <a:spLocks noGrp="1"/>
+          </p:cNvSpPr>
+          <p:nvPr>
+            <p:ph idx="1"/>
+          </p:nvPr>
+        </p:nvSpPr>
+        <p:spPr/>
+        <p:txBody>
+          <a:bodyPr>
+            <a:normAutofit lnSpcReduction="10000"/>
+          </a:bodyPr>
+          <a:lstStyle/>
+          <a:p>
+            <a:pPr marL="0" indent="0">
+              <a:buNone/>
+            </a:pPr>
+            <a:r>
+              <a:rPr lang="da-DK" dirty="0"/>
+              <a:t>Curse of dimensionality anyone?</a:t>
+            </a:r>
+          </a:p>
+          <a:p>
             <a:pPr marL="0" indent="0">
               <a:buNone/>
             </a:pPr>
@@ -4262,10 +4476,7 @@
             <a:pPr marL="0" indent="0">
               <a:buNone/>
             </a:pPr>
-            <a:r>
-              <a:rPr lang="da-DK" dirty="0"/>
-              <a:t>The number of combinations grows exponentially in the number of parameters we try to optimize.</a:t>
-            </a:r>
+            <a:endParaRPr lang="da-DK" dirty="0"/>
           </a:p>
           <a:p>
             <a:pPr marL="0" indent="0">
@@ -4273,6 +4484,33 @@
             </a:pPr>
             <a:endParaRPr lang="da-DK" dirty="0"/>
           </a:p>
+          <a:p>
+            <a:pPr marL="0" indent="0">
+              <a:buNone/>
+            </a:pPr>
+            <a:endParaRPr lang="da-DK" dirty="0"/>
+          </a:p>
+          <a:p>
+            <a:pPr marL="0" indent="0">
+              <a:buNone/>
+            </a:pPr>
+            <a:endParaRPr lang="da-DK" dirty="0"/>
+          </a:p>
+          <a:p>
+            <a:pPr marL="0" indent="0">
+              <a:buNone/>
+            </a:pPr>
+            <a:r>
+              <a:rPr lang="da-DK" dirty="0"/>
+              <a:t>The number of combinations grows exponentially in the number of parameters we try to optimize.</a:t>
+            </a:r>
+          </a:p>
+          <a:p>
+            <a:pPr marL="0" indent="0">
+              <a:buNone/>
+            </a:pPr>
+            <a:endParaRPr lang="da-DK" dirty="0"/>
+          </a:p>
         </p:txBody>
       </p:sp>
       <p:sp>
@@ -4298,7 +4536,7 @@
           <a:p>
             <a:fld id="{019E29B9-5584-4737-9C98-1B926378C778}" type="datetime1">
               <a:rPr lang="en-US" smtClean="0"/>
-              <a:t>5/24/2021</a:t>
+              <a:t>5/28/2021</a:t>
             </a:fld>
             <a:endParaRPr lang="da-DK"/>
           </a:p>
@@ -4355,7 +4593,7 @@
           <a:p>
             <a:fld id="{F6FEDE24-D50C-481B-A7B4-8AF13899101A}" type="slidenum">
               <a:rPr lang="da-DK" smtClean="0"/>
-              <a:t>10</a:t>
+              <a:t>11</a:t>
             </a:fld>
             <a:endParaRPr lang="da-DK"/>
           </a:p>
@@ -4410,7 +4648,7 @@
 </p:sld>
 </file>
 
-<file path=ppt/slides/slide11.xml><?xml version="1.0" encoding="utf-8"?>
+<file path=ppt/slides/slide12.xml><?xml version="1.0" encoding="utf-8"?>
 <p:sld xmlns:a="http://schemas.openxmlformats.org/drawingml/2006/main" xmlns:r="http://schemas.openxmlformats.org/officeDocument/2006/relationships" xmlns:p="http://schemas.openxmlformats.org/presentationml/2006/main">
   <p:cSld>
     <p:spTree>
@@ -4691,7 +4929,7 @@
           <a:p>
             <a:fld id="{019E29B9-5584-4737-9C98-1B926378C778}" type="datetime1">
               <a:rPr lang="en-US" smtClean="0"/>
-              <a:t>5/24/2021</a:t>
+              <a:t>5/28/2021</a:t>
             </a:fld>
             <a:endParaRPr lang="da-DK"/>
           </a:p>
@@ -4748,7 +4986,7 @@
           <a:p>
             <a:fld id="{F6FEDE24-D50C-481B-A7B4-8AF13899101A}" type="slidenum">
               <a:rPr lang="da-DK" smtClean="0"/>
-              <a:t>11</a:t>
+              <a:t>12</a:t>
             </a:fld>
             <a:endParaRPr lang="da-DK"/>
           </a:p>
@@ -4803,205 +5041,6 @@
 </p:sld>
 </file>
 
-<file path=ppt/slides/slide12.xml><?xml version="1.0" encoding="utf-8"?>
-<p:sld xmlns:a="http://schemas.openxmlformats.org/drawingml/2006/main" xmlns:r="http://schemas.openxmlformats.org/officeDocument/2006/relationships" xmlns:p="http://schemas.openxmlformats.org/presentationml/2006/main">
-  <p:cSld>
-    <p:spTree>
-      <p:nvGrpSpPr>
-        <p:cNvPr id="1" name=""/>
-        <p:cNvGrpSpPr/>
-        <p:nvPr/>
-      </p:nvGrpSpPr>
-      <p:grpSpPr>
-        <a:xfrm>
-          <a:off x="0" y="0"/>
-          <a:ext cx="0" cy="0"/>
-          <a:chOff x="0" y="0"/>
-          <a:chExt cx="0" cy="0"/>
-        </a:xfrm>
-      </p:grpSpPr>
-      <p:sp>
-        <p:nvSpPr>
-          <p:cNvPr id="2" name="Title 1">
-            <a:extLst>
-              <a:ext uri="{FF2B5EF4-FFF2-40B4-BE49-F238E27FC236}">
-                <a16:creationId xmlns:a16="http://schemas.microsoft.com/office/drawing/2014/main" id="{D9FB80BE-A511-4D3D-B1F4-95AFCCFC7FA8}"/>
-              </a:ext>
-            </a:extLst>
-          </p:cNvPr>
-          <p:cNvSpPr>
-            <a:spLocks noGrp="1"/>
-          </p:cNvSpPr>
-          <p:nvPr>
-            <p:ph type="title"/>
-          </p:nvPr>
-        </p:nvSpPr>
-        <p:spPr/>
-        <p:txBody>
-          <a:bodyPr/>
-          <a:lstStyle/>
-          <a:p>
-            <a:r>
-              <a:rPr lang="da-DK" dirty="0"/>
-              <a:t>Sampler</a:t>
-            </a:r>
-          </a:p>
-        </p:txBody>
-      </p:sp>
-      <p:sp>
-        <p:nvSpPr>
-          <p:cNvPr id="3" name="Content Placeholder 2">
-            <a:extLst>
-              <a:ext uri="{FF2B5EF4-FFF2-40B4-BE49-F238E27FC236}">
-                <a16:creationId xmlns:a16="http://schemas.microsoft.com/office/drawing/2014/main" id="{E421535A-13F6-4706-BC30-C5DFD8772FA8}"/>
-              </a:ext>
-            </a:extLst>
-          </p:cNvPr>
-          <p:cNvSpPr>
-            <a:spLocks noGrp="1"/>
-          </p:cNvSpPr>
-          <p:nvPr>
-            <p:ph idx="1"/>
-          </p:nvPr>
-        </p:nvSpPr>
-        <p:spPr/>
-        <p:txBody>
-          <a:bodyPr/>
-          <a:lstStyle/>
-          <a:p>
-            <a:r>
-              <a:rPr lang="da-DK" b="1" dirty="0"/>
-              <a:t>NSGA-II</a:t>
-            </a:r>
-          </a:p>
-          <a:p>
-            <a:r>
-              <a:rPr lang="da-DK" dirty="0">
-                <a:hlinkClick r:id="rId2"/>
-              </a:rPr>
-              <a:t>https://ieeexplore.ieee.org/document/996017</a:t>
-            </a:r>
-            <a:endParaRPr lang="da-DK" dirty="0"/>
-          </a:p>
-          <a:p>
-            <a:r>
-              <a:rPr lang="da-DK" dirty="0"/>
-              <a:t>Evolutionary algorithm</a:t>
-            </a:r>
-          </a:p>
-          <a:p>
-            <a:endParaRPr lang="da-DK" dirty="0"/>
-          </a:p>
-          <a:p>
-            <a:endParaRPr lang="da-DK" dirty="0"/>
-          </a:p>
-          <a:p>
-            <a:pPr marL="0" indent="0">
-              <a:buNone/>
-            </a:pPr>
-            <a:endParaRPr lang="da-DK" dirty="0"/>
-          </a:p>
-        </p:txBody>
-      </p:sp>
-      <p:sp>
-        <p:nvSpPr>
-          <p:cNvPr id="4" name="Date Placeholder 3">
-            <a:extLst>
-              <a:ext uri="{FF2B5EF4-FFF2-40B4-BE49-F238E27FC236}">
-                <a16:creationId xmlns:a16="http://schemas.microsoft.com/office/drawing/2014/main" id="{57468BE4-997B-459D-91F3-5DAADD1BBD3A}"/>
-              </a:ext>
-            </a:extLst>
-          </p:cNvPr>
-          <p:cNvSpPr>
-            <a:spLocks noGrp="1"/>
-          </p:cNvSpPr>
-          <p:nvPr>
-            <p:ph type="dt" sz="half" idx="10"/>
-          </p:nvPr>
-        </p:nvSpPr>
-        <p:spPr/>
-        <p:txBody>
-          <a:bodyPr/>
-          <a:lstStyle/>
-          <a:p>
-            <a:fld id="{019E29B9-5584-4737-9C98-1B926378C778}" type="datetime1">
-              <a:rPr lang="en-US" smtClean="0"/>
-              <a:t>5/24/2021</a:t>
-            </a:fld>
-            <a:endParaRPr lang="da-DK"/>
-          </a:p>
-        </p:txBody>
-      </p:sp>
-      <p:sp>
-        <p:nvSpPr>
-          <p:cNvPr id="5" name="Footer Placeholder 4">
-            <a:extLst>
-              <a:ext uri="{FF2B5EF4-FFF2-40B4-BE49-F238E27FC236}">
-                <a16:creationId xmlns:a16="http://schemas.microsoft.com/office/drawing/2014/main" id="{3AE3E3C6-BFB3-4B5B-AB2B-EEE3FFC1F48A}"/>
-              </a:ext>
-            </a:extLst>
-          </p:cNvPr>
-          <p:cNvSpPr>
-            <a:spLocks noGrp="1"/>
-          </p:cNvSpPr>
-          <p:nvPr>
-            <p:ph type="ftr" sz="quarter" idx="11"/>
-          </p:nvPr>
-        </p:nvSpPr>
-        <p:spPr/>
-        <p:txBody>
-          <a:bodyPr/>
-          <a:lstStyle/>
-          <a:p>
-            <a:r>
-              <a:rPr lang="da-DK"/>
-              <a:t>Nicki Skafte Detlefsen</a:t>
-            </a:r>
-          </a:p>
-        </p:txBody>
-      </p:sp>
-      <p:sp>
-        <p:nvSpPr>
-          <p:cNvPr id="6" name="Slide Number Placeholder 5">
-            <a:extLst>
-              <a:ext uri="{FF2B5EF4-FFF2-40B4-BE49-F238E27FC236}">
-                <a16:creationId xmlns:a16="http://schemas.microsoft.com/office/drawing/2014/main" id="{C6A34D12-C47E-4301-8010-5B3E807D3D94}"/>
-              </a:ext>
-            </a:extLst>
-          </p:cNvPr>
-          <p:cNvSpPr>
-            <a:spLocks noGrp="1"/>
-          </p:cNvSpPr>
-          <p:nvPr>
-            <p:ph type="sldNum" sz="quarter" idx="12"/>
-          </p:nvPr>
-        </p:nvSpPr>
-        <p:spPr/>
-        <p:txBody>
-          <a:bodyPr/>
-          <a:lstStyle/>
-          <a:p>
-            <a:fld id="{F6FEDE24-D50C-481B-A7B4-8AF13899101A}" type="slidenum">
-              <a:rPr lang="da-DK" smtClean="0"/>
-              <a:t>12</a:t>
-            </a:fld>
-            <a:endParaRPr lang="da-DK"/>
-          </a:p>
-        </p:txBody>
-      </p:sp>
-    </p:spTree>
-    <p:extLst>
-      <p:ext uri="{BB962C8B-B14F-4D97-AF65-F5344CB8AC3E}">
-        <p14:creationId xmlns:p14="http://schemas.microsoft.com/office/powerpoint/2010/main" val="1023826806"/>
-      </p:ext>
-    </p:extLst>
-  </p:cSld>
-  <p:clrMapOvr>
-    <a:masterClrMapping/>
-  </p:clrMapOvr>
-</p:sld>
-</file>
-
 <file path=ppt/slides/slide13.xml><?xml version="1.0" encoding="utf-8"?>
 <p:sld xmlns:a="http://schemas.openxmlformats.org/drawingml/2006/main" xmlns:r="http://schemas.openxmlformats.org/officeDocument/2006/relationships" xmlns:p="http://schemas.openxmlformats.org/presentationml/2006/main">
   <p:cSld>
@@ -5024,238 +5063,6 @@
           <p:cNvPr id="2" name="Title 1">
             <a:extLst>
               <a:ext uri="{FF2B5EF4-FFF2-40B4-BE49-F238E27FC236}">
-                <a16:creationId xmlns:a16="http://schemas.microsoft.com/office/drawing/2014/main" id="{9A93575A-2B34-44B0-9D6F-223847BB1BD2}"/>
-              </a:ext>
-            </a:extLst>
-          </p:cNvPr>
-          <p:cNvSpPr>
-            <a:spLocks noGrp="1"/>
-          </p:cNvSpPr>
-          <p:nvPr>
-            <p:ph type="title"/>
-          </p:nvPr>
-        </p:nvSpPr>
-        <p:spPr/>
-        <p:txBody>
-          <a:bodyPr/>
-          <a:lstStyle/>
-          <a:p>
-            <a:r>
-              <a:rPr lang="da-DK" dirty="0"/>
-              <a:t>Pruning</a:t>
-            </a:r>
-          </a:p>
-        </p:txBody>
-      </p:sp>
-      <p:sp>
-        <p:nvSpPr>
-          <p:cNvPr id="3" name="Content Placeholder 2">
-            <a:extLst>
-              <a:ext uri="{FF2B5EF4-FFF2-40B4-BE49-F238E27FC236}">
-                <a16:creationId xmlns:a16="http://schemas.microsoft.com/office/drawing/2014/main" id="{4CEE5350-00DC-4C1C-B818-DE24AABEB3E1}"/>
-              </a:ext>
-            </a:extLst>
-          </p:cNvPr>
-          <p:cNvSpPr>
-            <a:spLocks noGrp="1"/>
-          </p:cNvSpPr>
-          <p:nvPr>
-            <p:ph idx="1"/>
-          </p:nvPr>
-        </p:nvSpPr>
-        <p:spPr/>
-        <p:txBody>
-          <a:bodyPr/>
-          <a:lstStyle/>
-          <a:p>
-            <a:endParaRPr lang="da-DK" dirty="0"/>
-          </a:p>
-          <a:p>
-            <a:endParaRPr lang="da-DK" dirty="0"/>
-          </a:p>
-          <a:p>
-            <a:endParaRPr lang="da-DK" dirty="0"/>
-          </a:p>
-          <a:p>
-            <a:endParaRPr lang="da-DK" dirty="0"/>
-          </a:p>
-          <a:p>
-            <a:endParaRPr lang="da-DK" dirty="0"/>
-          </a:p>
-          <a:p>
-            <a:endParaRPr lang="da-DK" dirty="0"/>
-          </a:p>
-          <a:p>
-            <a:endParaRPr lang="da-DK" dirty="0"/>
-          </a:p>
-          <a:p>
-            <a:pPr marL="0" indent="0">
-              <a:buNone/>
-            </a:pPr>
-            <a:r>
-              <a:rPr lang="da-DK" dirty="0"/>
-              <a:t>Be carefull with over-pruning as you may loose some performance on the floor</a:t>
-            </a:r>
-          </a:p>
-        </p:txBody>
-      </p:sp>
-      <p:sp>
-        <p:nvSpPr>
-          <p:cNvPr id="4" name="Date Placeholder 3">
-            <a:extLst>
-              <a:ext uri="{FF2B5EF4-FFF2-40B4-BE49-F238E27FC236}">
-                <a16:creationId xmlns:a16="http://schemas.microsoft.com/office/drawing/2014/main" id="{EE194419-5603-489D-A342-9DF851BF26E0}"/>
-              </a:ext>
-            </a:extLst>
-          </p:cNvPr>
-          <p:cNvSpPr>
-            <a:spLocks noGrp="1"/>
-          </p:cNvSpPr>
-          <p:nvPr>
-            <p:ph type="dt" sz="half" idx="10"/>
-          </p:nvPr>
-        </p:nvSpPr>
-        <p:spPr/>
-        <p:txBody>
-          <a:bodyPr/>
-          <a:lstStyle/>
-          <a:p>
-            <a:fld id="{019E29B9-5584-4737-9C98-1B926378C778}" type="datetime1">
-              <a:rPr lang="en-US" smtClean="0"/>
-              <a:t>5/24/2021</a:t>
-            </a:fld>
-            <a:endParaRPr lang="da-DK"/>
-          </a:p>
-        </p:txBody>
-      </p:sp>
-      <p:sp>
-        <p:nvSpPr>
-          <p:cNvPr id="5" name="Footer Placeholder 4">
-            <a:extLst>
-              <a:ext uri="{FF2B5EF4-FFF2-40B4-BE49-F238E27FC236}">
-                <a16:creationId xmlns:a16="http://schemas.microsoft.com/office/drawing/2014/main" id="{241B45D6-BD88-4701-9A2E-60FD91C1F570}"/>
-              </a:ext>
-            </a:extLst>
-          </p:cNvPr>
-          <p:cNvSpPr>
-            <a:spLocks noGrp="1"/>
-          </p:cNvSpPr>
-          <p:nvPr>
-            <p:ph type="ftr" sz="quarter" idx="11"/>
-          </p:nvPr>
-        </p:nvSpPr>
-        <p:spPr/>
-        <p:txBody>
-          <a:bodyPr/>
-          <a:lstStyle/>
-          <a:p>
-            <a:r>
-              <a:rPr lang="da-DK"/>
-              <a:t>Nicki Skafte Detlefsen</a:t>
-            </a:r>
-          </a:p>
-        </p:txBody>
-      </p:sp>
-      <p:sp>
-        <p:nvSpPr>
-          <p:cNvPr id="6" name="Slide Number Placeholder 5">
-            <a:extLst>
-              <a:ext uri="{FF2B5EF4-FFF2-40B4-BE49-F238E27FC236}">
-                <a16:creationId xmlns:a16="http://schemas.microsoft.com/office/drawing/2014/main" id="{D8985595-AC23-4970-8F6B-4C01142728F4}"/>
-              </a:ext>
-            </a:extLst>
-          </p:cNvPr>
-          <p:cNvSpPr>
-            <a:spLocks noGrp="1"/>
-          </p:cNvSpPr>
-          <p:nvPr>
-            <p:ph type="sldNum" sz="quarter" idx="12"/>
-          </p:nvPr>
-        </p:nvSpPr>
-        <p:spPr/>
-        <p:txBody>
-          <a:bodyPr/>
-          <a:lstStyle/>
-          <a:p>
-            <a:fld id="{F6FEDE24-D50C-481B-A7B4-8AF13899101A}" type="slidenum">
-              <a:rPr lang="da-DK" smtClean="0"/>
-              <a:t>13</a:t>
-            </a:fld>
-            <a:endParaRPr lang="da-DK"/>
-          </a:p>
-        </p:txBody>
-      </p:sp>
-      <p:pic>
-        <p:nvPicPr>
-          <p:cNvPr id="8" name="Picture 7" descr="Chart&#10;&#10;Description automatically generated">
-            <a:extLst>
-              <a:ext uri="{FF2B5EF4-FFF2-40B4-BE49-F238E27FC236}">
-                <a16:creationId xmlns:a16="http://schemas.microsoft.com/office/drawing/2014/main" id="{D42BAD61-161B-47E9-B0B7-758D21FC9161}"/>
-              </a:ext>
-            </a:extLst>
-          </p:cNvPr>
-          <p:cNvPicPr>
-            <a:picLocks noChangeAspect="1"/>
-          </p:cNvPicPr>
-          <p:nvPr/>
-        </p:nvPicPr>
-        <p:blipFill>
-          <a:blip r:embed="rId2">
-            <a:extLst>
-              <a:ext uri="{28A0092B-C50C-407E-A947-70E740481C1C}">
-                <a14:useLocalDpi xmlns:a14="http://schemas.microsoft.com/office/drawing/2010/main" val="0"/>
-              </a:ext>
-            </a:extLst>
-          </a:blip>
-          <a:stretch>
-            <a:fillRect/>
-          </a:stretch>
-        </p:blipFill>
-        <p:spPr>
-          <a:xfrm>
-            <a:off x="2771192" y="1096627"/>
-            <a:ext cx="6248400" cy="3489192"/>
-          </a:xfrm>
-          <a:prstGeom prst="rect">
-            <a:avLst/>
-          </a:prstGeom>
-        </p:spPr>
-      </p:pic>
-    </p:spTree>
-    <p:extLst>
-      <p:ext uri="{BB962C8B-B14F-4D97-AF65-F5344CB8AC3E}">
-        <p14:creationId xmlns:p14="http://schemas.microsoft.com/office/powerpoint/2010/main" val="2832370657"/>
-      </p:ext>
-    </p:extLst>
-  </p:cSld>
-  <p:clrMapOvr>
-    <a:masterClrMapping/>
-  </p:clrMapOvr>
-</p:sld>
-</file>
-
-<file path=ppt/slides/slide14.xml><?xml version="1.0" encoding="utf-8"?>
-<p:sld xmlns:a="http://schemas.openxmlformats.org/drawingml/2006/main" xmlns:r="http://schemas.openxmlformats.org/officeDocument/2006/relationships" xmlns:p="http://schemas.openxmlformats.org/presentationml/2006/main">
-  <p:cSld>
-    <p:spTree>
-      <p:nvGrpSpPr>
-        <p:cNvPr id="1" name=""/>
-        <p:cNvGrpSpPr/>
-        <p:nvPr/>
-      </p:nvGrpSpPr>
-      <p:grpSpPr>
-        <a:xfrm>
-          <a:off x="0" y="0"/>
-          <a:ext cx="0" cy="0"/>
-          <a:chOff x="0" y="0"/>
-          <a:chExt cx="0" cy="0"/>
-        </a:xfrm>
-      </p:grpSpPr>
-      <p:sp>
-        <p:nvSpPr>
-          <p:cNvPr id="2" name="Title 1">
-            <a:extLst>
-              <a:ext uri="{FF2B5EF4-FFF2-40B4-BE49-F238E27FC236}">
                 <a16:creationId xmlns:a16="http://schemas.microsoft.com/office/drawing/2014/main" id="{441B86A7-10D4-4594-ACDC-F5238B820386}"/>
               </a:ext>
             </a:extLst>
@@ -5344,7 +5151,33 @@
             <a:endParaRPr lang="da-DK" dirty="0"/>
           </a:p>
           <a:p>
-            <a:endParaRPr lang="da-DK" dirty="0"/>
+            <a:pPr marL="0" indent="0">
+              <a:buNone/>
+            </a:pPr>
+            <a:r>
+              <a:rPr lang="da-DK" dirty="0"/>
+              <a:t>Optuna give easy acess to two tricks for hyperparameter optimization</a:t>
+            </a:r>
+          </a:p>
+          <a:p>
+            <a:pPr marL="514350" indent="-514350">
+              <a:buFont typeface="+mj-lt"/>
+              <a:buAutoNum type="arabicPeriod"/>
+            </a:pPr>
+            <a:r>
+              <a:rPr lang="da-DK" dirty="0"/>
+              <a:t>Sampling</a:t>
+            </a:r>
+          </a:p>
+          <a:p>
+            <a:pPr marL="514350" indent="-514350">
+              <a:buFont typeface="+mj-lt"/>
+              <a:buAutoNum type="arabicPeriod"/>
+            </a:pPr>
+            <a:r>
+              <a:rPr lang="da-DK" dirty="0"/>
+              <a:t>Pruning</a:t>
+            </a:r>
           </a:p>
         </p:txBody>
       </p:sp>
@@ -5371,7 +5204,7 @@
           <a:p>
             <a:fld id="{019E29B9-5584-4737-9C98-1B926378C778}" type="datetime1">
               <a:rPr lang="en-US" smtClean="0"/>
-              <a:t>5/24/2021</a:t>
+              <a:t>5/28/2021</a:t>
             </a:fld>
             <a:endParaRPr lang="da-DK"/>
           </a:p>
@@ -5428,7 +5261,7 @@
           <a:p>
             <a:fld id="{F6FEDE24-D50C-481B-A7B4-8AF13899101A}" type="slidenum">
               <a:rPr lang="da-DK" smtClean="0"/>
-              <a:t>14</a:t>
+              <a:t>13</a:t>
             </a:fld>
             <a:endParaRPr lang="da-DK"/>
           </a:p>
@@ -5483,6 +5316,303 @@
 </p:sld>
 </file>
 
+<file path=ppt/slides/slide14.xml><?xml version="1.0" encoding="utf-8"?>
+<p:sld xmlns:a="http://schemas.openxmlformats.org/drawingml/2006/main" xmlns:r="http://schemas.openxmlformats.org/officeDocument/2006/relationships" xmlns:p="http://schemas.openxmlformats.org/presentationml/2006/main">
+  <p:cSld>
+    <p:spTree>
+      <p:nvGrpSpPr>
+        <p:cNvPr id="1" name=""/>
+        <p:cNvGrpSpPr/>
+        <p:nvPr/>
+      </p:nvGrpSpPr>
+      <p:grpSpPr>
+        <a:xfrm>
+          <a:off x="0" y="0"/>
+          <a:ext cx="0" cy="0"/>
+          <a:chOff x="0" y="0"/>
+          <a:chExt cx="0" cy="0"/>
+        </a:xfrm>
+      </p:grpSpPr>
+      <p:sp>
+        <p:nvSpPr>
+          <p:cNvPr id="2" name="Title 1">
+            <a:extLst>
+              <a:ext uri="{FF2B5EF4-FFF2-40B4-BE49-F238E27FC236}">
+                <a16:creationId xmlns:a16="http://schemas.microsoft.com/office/drawing/2014/main" id="{D9FB80BE-A511-4D3D-B1F4-95AFCCFC7FA8}"/>
+              </a:ext>
+            </a:extLst>
+          </p:cNvPr>
+          <p:cNvSpPr>
+            <a:spLocks noGrp="1"/>
+          </p:cNvSpPr>
+          <p:nvPr>
+            <p:ph type="title"/>
+          </p:nvPr>
+        </p:nvSpPr>
+        <p:spPr/>
+        <p:txBody>
+          <a:bodyPr/>
+          <a:lstStyle/>
+          <a:p>
+            <a:r>
+              <a:rPr lang="da-DK" dirty="0"/>
+              <a:t>Trick 1: Sampler</a:t>
+            </a:r>
+          </a:p>
+        </p:txBody>
+      </p:sp>
+      <p:sp>
+        <p:nvSpPr>
+          <p:cNvPr id="3" name="Content Placeholder 2">
+            <a:extLst>
+              <a:ext uri="{FF2B5EF4-FFF2-40B4-BE49-F238E27FC236}">
+                <a16:creationId xmlns:a16="http://schemas.microsoft.com/office/drawing/2014/main" id="{E421535A-13F6-4706-BC30-C5DFD8772FA8}"/>
+              </a:ext>
+            </a:extLst>
+          </p:cNvPr>
+          <p:cNvSpPr>
+            <a:spLocks noGrp="1"/>
+          </p:cNvSpPr>
+          <p:nvPr>
+            <p:ph idx="1"/>
+          </p:nvPr>
+        </p:nvSpPr>
+        <p:spPr/>
+        <p:txBody>
+          <a:bodyPr>
+            <a:normAutofit/>
+          </a:bodyPr>
+          <a:lstStyle/>
+          <a:p>
+            <a:pPr marL="0" indent="0">
+              <a:buNone/>
+            </a:pPr>
+            <a:r>
+              <a:rPr lang="da-DK" dirty="0"/>
+              <a:t>Sample hyperparameters in a smart fashion, taken into account the function values we have already seen</a:t>
+            </a:r>
+          </a:p>
+          <a:p>
+            <a:pPr marL="0" indent="0">
+              <a:buNone/>
+            </a:pPr>
+            <a:endParaRPr lang="da-DK" dirty="0"/>
+          </a:p>
+          <a:p>
+            <a:pPr marL="0" indent="0">
+              <a:buNone/>
+            </a:pPr>
+            <a:r>
+              <a:rPr lang="da-DK" dirty="0"/>
+              <a:t>Optuna as default uses:</a:t>
+            </a:r>
+          </a:p>
+          <a:p>
+            <a:r>
+              <a:rPr lang="da-DK" dirty="0"/>
+              <a:t>NSGA-II</a:t>
+            </a:r>
+          </a:p>
+          <a:p>
+            <a:pPr lvl="1"/>
+            <a:r>
+              <a:rPr lang="da-DK" dirty="0"/>
+              <a:t>Evolutionary algorithm</a:t>
+            </a:r>
+          </a:p>
+          <a:p>
+            <a:pPr lvl="1"/>
+            <a:r>
+              <a:rPr lang="da-DK" sz="1400" dirty="0">
+                <a:hlinkClick r:id="rId2"/>
+              </a:rPr>
+              <a:t>https://ieeexplore.ieee.org/document/996017</a:t>
+            </a:r>
+            <a:endParaRPr lang="da-DK" sz="1400" dirty="0"/>
+          </a:p>
+          <a:p>
+            <a:pPr lvl="1"/>
+            <a:endParaRPr lang="da-DK" dirty="0"/>
+          </a:p>
+          <a:p>
+            <a:endParaRPr lang="da-DK" dirty="0"/>
+          </a:p>
+          <a:p>
+            <a:endParaRPr lang="da-DK" dirty="0"/>
+          </a:p>
+          <a:p>
+            <a:pPr marL="0" indent="0">
+              <a:buNone/>
+            </a:pPr>
+            <a:endParaRPr lang="da-DK" dirty="0"/>
+          </a:p>
+        </p:txBody>
+      </p:sp>
+      <p:sp>
+        <p:nvSpPr>
+          <p:cNvPr id="4" name="Date Placeholder 3">
+            <a:extLst>
+              <a:ext uri="{FF2B5EF4-FFF2-40B4-BE49-F238E27FC236}">
+                <a16:creationId xmlns:a16="http://schemas.microsoft.com/office/drawing/2014/main" id="{57468BE4-997B-459D-91F3-5DAADD1BBD3A}"/>
+              </a:ext>
+            </a:extLst>
+          </p:cNvPr>
+          <p:cNvSpPr>
+            <a:spLocks noGrp="1"/>
+          </p:cNvSpPr>
+          <p:nvPr>
+            <p:ph type="dt" sz="half" idx="10"/>
+          </p:nvPr>
+        </p:nvSpPr>
+        <p:spPr/>
+        <p:txBody>
+          <a:bodyPr/>
+          <a:lstStyle/>
+          <a:p>
+            <a:fld id="{019E29B9-5584-4737-9C98-1B926378C778}" type="datetime1">
+              <a:rPr lang="en-US" smtClean="0"/>
+              <a:t>5/28/2021</a:t>
+            </a:fld>
+            <a:endParaRPr lang="da-DK"/>
+          </a:p>
+        </p:txBody>
+      </p:sp>
+      <p:sp>
+        <p:nvSpPr>
+          <p:cNvPr id="5" name="Footer Placeholder 4">
+            <a:extLst>
+              <a:ext uri="{FF2B5EF4-FFF2-40B4-BE49-F238E27FC236}">
+                <a16:creationId xmlns:a16="http://schemas.microsoft.com/office/drawing/2014/main" id="{3AE3E3C6-BFB3-4B5B-AB2B-EEE3FFC1F48A}"/>
+              </a:ext>
+            </a:extLst>
+          </p:cNvPr>
+          <p:cNvSpPr>
+            <a:spLocks noGrp="1"/>
+          </p:cNvSpPr>
+          <p:nvPr>
+            <p:ph type="ftr" sz="quarter" idx="11"/>
+          </p:nvPr>
+        </p:nvSpPr>
+        <p:spPr/>
+        <p:txBody>
+          <a:bodyPr/>
+          <a:lstStyle/>
+          <a:p>
+            <a:r>
+              <a:rPr lang="da-DK"/>
+              <a:t>Nicki Skafte Detlefsen</a:t>
+            </a:r>
+          </a:p>
+        </p:txBody>
+      </p:sp>
+      <p:sp>
+        <p:nvSpPr>
+          <p:cNvPr id="6" name="Slide Number Placeholder 5">
+            <a:extLst>
+              <a:ext uri="{FF2B5EF4-FFF2-40B4-BE49-F238E27FC236}">
+                <a16:creationId xmlns:a16="http://schemas.microsoft.com/office/drawing/2014/main" id="{C6A34D12-C47E-4301-8010-5B3E807D3D94}"/>
+              </a:ext>
+            </a:extLst>
+          </p:cNvPr>
+          <p:cNvSpPr>
+            <a:spLocks noGrp="1"/>
+          </p:cNvSpPr>
+          <p:nvPr>
+            <p:ph type="sldNum" sz="quarter" idx="12"/>
+          </p:nvPr>
+        </p:nvSpPr>
+        <p:spPr/>
+        <p:txBody>
+          <a:bodyPr/>
+          <a:lstStyle/>
+          <a:p>
+            <a:fld id="{F6FEDE24-D50C-481B-A7B4-8AF13899101A}" type="slidenum">
+              <a:rPr lang="da-DK" smtClean="0"/>
+              <a:t>14</a:t>
+            </a:fld>
+            <a:endParaRPr lang="da-DK"/>
+          </a:p>
+        </p:txBody>
+      </p:sp>
+      <p:pic>
+        <p:nvPicPr>
+          <p:cNvPr id="8" name="Picture 7" descr="A picture containing chart&#10;&#10;Description automatically generated">
+            <a:extLst>
+              <a:ext uri="{FF2B5EF4-FFF2-40B4-BE49-F238E27FC236}">
+                <a16:creationId xmlns:a16="http://schemas.microsoft.com/office/drawing/2014/main" id="{11E0E909-1AD0-4D2C-BBE9-224DDE8CB245}"/>
+              </a:ext>
+            </a:extLst>
+          </p:cNvPr>
+          <p:cNvPicPr>
+            <a:picLocks noChangeAspect="1"/>
+          </p:cNvPicPr>
+          <p:nvPr/>
+        </p:nvPicPr>
+        <p:blipFill>
+          <a:blip r:embed="rId3">
+            <a:extLst>
+              <a:ext uri="{28A0092B-C50C-407E-A947-70E740481C1C}">
+                <a14:useLocalDpi xmlns:a14="http://schemas.microsoft.com/office/drawing/2010/main" val="0"/>
+              </a:ext>
+            </a:extLst>
+          </a:blip>
+          <a:stretch>
+            <a:fillRect/>
+          </a:stretch>
+        </p:blipFill>
+        <p:spPr>
+          <a:xfrm>
+            <a:off x="7210425" y="1803327"/>
+            <a:ext cx="4435494" cy="4735585"/>
+          </a:xfrm>
+          <a:prstGeom prst="rect">
+            <a:avLst/>
+          </a:prstGeom>
+        </p:spPr>
+      </p:pic>
+      <p:pic>
+        <p:nvPicPr>
+          <p:cNvPr id="10" name="Picture 9">
+            <a:extLst>
+              <a:ext uri="{FF2B5EF4-FFF2-40B4-BE49-F238E27FC236}">
+                <a16:creationId xmlns:a16="http://schemas.microsoft.com/office/drawing/2014/main" id="{8B0B631C-6A6F-4756-8436-2E07D9DFBF92}"/>
+              </a:ext>
+            </a:extLst>
+          </p:cNvPr>
+          <p:cNvPicPr>
+            <a:picLocks noChangeAspect="1"/>
+          </p:cNvPicPr>
+          <p:nvPr/>
+        </p:nvPicPr>
+        <p:blipFill>
+          <a:blip r:embed="rId4"/>
+          <a:stretch>
+            <a:fillRect/>
+          </a:stretch>
+        </p:blipFill>
+        <p:spPr>
+          <a:xfrm>
+            <a:off x="838200" y="4631065"/>
+            <a:ext cx="6372225" cy="1495425"/>
+          </a:xfrm>
+          <a:prstGeom prst="rect">
+            <a:avLst/>
+          </a:prstGeom>
+        </p:spPr>
+      </p:pic>
+    </p:spTree>
+    <p:extLst>
+      <p:ext uri="{BB962C8B-B14F-4D97-AF65-F5344CB8AC3E}">
+        <p14:creationId xmlns:p14="http://schemas.microsoft.com/office/powerpoint/2010/main" val="1023826806"/>
+      </p:ext>
+    </p:extLst>
+  </p:cSld>
+  <p:clrMapOvr>
+    <a:masterClrMapping/>
+  </p:clrMapOvr>
+</p:sld>
+</file>
+
 <file path=ppt/slides/slide15.xml><?xml version="1.0" encoding="utf-8"?>
 <p:sld xmlns:a="http://schemas.openxmlformats.org/drawingml/2006/main" xmlns:r="http://schemas.openxmlformats.org/officeDocument/2006/relationships" xmlns:p="http://schemas.openxmlformats.org/presentationml/2006/main">
   <p:cSld>
@@ -5505,6 +5635,244 @@
           <p:cNvPr id="2" name="Title 1">
             <a:extLst>
               <a:ext uri="{FF2B5EF4-FFF2-40B4-BE49-F238E27FC236}">
+                <a16:creationId xmlns:a16="http://schemas.microsoft.com/office/drawing/2014/main" id="{9A93575A-2B34-44B0-9D6F-223847BB1BD2}"/>
+              </a:ext>
+            </a:extLst>
+          </p:cNvPr>
+          <p:cNvSpPr>
+            <a:spLocks noGrp="1"/>
+          </p:cNvSpPr>
+          <p:nvPr>
+            <p:ph type="title"/>
+          </p:nvPr>
+        </p:nvSpPr>
+        <p:spPr/>
+        <p:txBody>
+          <a:bodyPr/>
+          <a:lstStyle/>
+          <a:p>
+            <a:r>
+              <a:rPr lang="da-DK" dirty="0"/>
+              <a:t>Trick 2: Pruning</a:t>
+            </a:r>
+          </a:p>
+        </p:txBody>
+      </p:sp>
+      <p:sp>
+        <p:nvSpPr>
+          <p:cNvPr id="3" name="Content Placeholder 2">
+            <a:extLst>
+              <a:ext uri="{FF2B5EF4-FFF2-40B4-BE49-F238E27FC236}">
+                <a16:creationId xmlns:a16="http://schemas.microsoft.com/office/drawing/2014/main" id="{4CEE5350-00DC-4C1C-B818-DE24AABEB3E1}"/>
+              </a:ext>
+            </a:extLst>
+          </p:cNvPr>
+          <p:cNvSpPr>
+            <a:spLocks noGrp="1"/>
+          </p:cNvSpPr>
+          <p:nvPr>
+            <p:ph idx="1"/>
+          </p:nvPr>
+        </p:nvSpPr>
+        <p:spPr/>
+        <p:txBody>
+          <a:bodyPr/>
+          <a:lstStyle/>
+          <a:p>
+            <a:pPr marL="0" indent="0">
+              <a:buNone/>
+            </a:pPr>
+            <a:r>
+              <a:rPr lang="en-US" dirty="0"/>
+              <a:t>Cut away trials that look unpromising (often based on the median performance)</a:t>
+            </a:r>
+          </a:p>
+          <a:p>
+            <a:endParaRPr lang="en-US" dirty="0"/>
+          </a:p>
+          <a:p>
+            <a:endParaRPr lang="en-US" dirty="0"/>
+          </a:p>
+          <a:p>
+            <a:endParaRPr lang="en-US" dirty="0"/>
+          </a:p>
+          <a:p>
+            <a:endParaRPr lang="en-US" dirty="0"/>
+          </a:p>
+          <a:p>
+            <a:endParaRPr lang="en-US" dirty="0"/>
+          </a:p>
+          <a:p>
+            <a:endParaRPr lang="en-US" dirty="0"/>
+          </a:p>
+          <a:p>
+            <a:pPr marL="0" indent="0">
+              <a:buNone/>
+            </a:pPr>
+            <a:r>
+              <a:rPr lang="en-US" dirty="0"/>
+              <a:t>Be careful with over-pruning as you may lose some performance on the floor</a:t>
+            </a:r>
+          </a:p>
+        </p:txBody>
+      </p:sp>
+      <p:sp>
+        <p:nvSpPr>
+          <p:cNvPr id="4" name="Date Placeholder 3">
+            <a:extLst>
+              <a:ext uri="{FF2B5EF4-FFF2-40B4-BE49-F238E27FC236}">
+                <a16:creationId xmlns:a16="http://schemas.microsoft.com/office/drawing/2014/main" id="{EE194419-5603-489D-A342-9DF851BF26E0}"/>
+              </a:ext>
+            </a:extLst>
+          </p:cNvPr>
+          <p:cNvSpPr>
+            <a:spLocks noGrp="1"/>
+          </p:cNvSpPr>
+          <p:nvPr>
+            <p:ph type="dt" sz="half" idx="10"/>
+          </p:nvPr>
+        </p:nvSpPr>
+        <p:spPr/>
+        <p:txBody>
+          <a:bodyPr/>
+          <a:lstStyle/>
+          <a:p>
+            <a:fld id="{019E29B9-5584-4737-9C98-1B926378C778}" type="datetime1">
+              <a:rPr lang="en-US" smtClean="0"/>
+              <a:t>5/28/2021</a:t>
+            </a:fld>
+            <a:endParaRPr lang="da-DK"/>
+          </a:p>
+        </p:txBody>
+      </p:sp>
+      <p:sp>
+        <p:nvSpPr>
+          <p:cNvPr id="5" name="Footer Placeholder 4">
+            <a:extLst>
+              <a:ext uri="{FF2B5EF4-FFF2-40B4-BE49-F238E27FC236}">
+                <a16:creationId xmlns:a16="http://schemas.microsoft.com/office/drawing/2014/main" id="{241B45D6-BD88-4701-9A2E-60FD91C1F570}"/>
+              </a:ext>
+            </a:extLst>
+          </p:cNvPr>
+          <p:cNvSpPr>
+            <a:spLocks noGrp="1"/>
+          </p:cNvSpPr>
+          <p:nvPr>
+            <p:ph type="ftr" sz="quarter" idx="11"/>
+          </p:nvPr>
+        </p:nvSpPr>
+        <p:spPr/>
+        <p:txBody>
+          <a:bodyPr/>
+          <a:lstStyle/>
+          <a:p>
+            <a:r>
+              <a:rPr lang="da-DK"/>
+              <a:t>Nicki Skafte Detlefsen</a:t>
+            </a:r>
+          </a:p>
+        </p:txBody>
+      </p:sp>
+      <p:sp>
+        <p:nvSpPr>
+          <p:cNvPr id="6" name="Slide Number Placeholder 5">
+            <a:extLst>
+              <a:ext uri="{FF2B5EF4-FFF2-40B4-BE49-F238E27FC236}">
+                <a16:creationId xmlns:a16="http://schemas.microsoft.com/office/drawing/2014/main" id="{D8985595-AC23-4970-8F6B-4C01142728F4}"/>
+              </a:ext>
+            </a:extLst>
+          </p:cNvPr>
+          <p:cNvSpPr>
+            <a:spLocks noGrp="1"/>
+          </p:cNvSpPr>
+          <p:nvPr>
+            <p:ph type="sldNum" sz="quarter" idx="12"/>
+          </p:nvPr>
+        </p:nvSpPr>
+        <p:spPr/>
+        <p:txBody>
+          <a:bodyPr/>
+          <a:lstStyle/>
+          <a:p>
+            <a:fld id="{F6FEDE24-D50C-481B-A7B4-8AF13899101A}" type="slidenum">
+              <a:rPr lang="da-DK" smtClean="0"/>
+              <a:t>15</a:t>
+            </a:fld>
+            <a:endParaRPr lang="da-DK"/>
+          </a:p>
+        </p:txBody>
+      </p:sp>
+      <p:pic>
+        <p:nvPicPr>
+          <p:cNvPr id="8" name="Picture 7" descr="Chart&#10;&#10;Description automatically generated">
+            <a:extLst>
+              <a:ext uri="{FF2B5EF4-FFF2-40B4-BE49-F238E27FC236}">
+                <a16:creationId xmlns:a16="http://schemas.microsoft.com/office/drawing/2014/main" id="{D42BAD61-161B-47E9-B0B7-758D21FC9161}"/>
+              </a:ext>
+            </a:extLst>
+          </p:cNvPr>
+          <p:cNvPicPr>
+            <a:picLocks noChangeAspect="1"/>
+          </p:cNvPicPr>
+          <p:nvPr/>
+        </p:nvPicPr>
+        <p:blipFill>
+          <a:blip r:embed="rId2">
+            <a:extLst>
+              <a:ext uri="{28A0092B-C50C-407E-A947-70E740481C1C}">
+                <a14:useLocalDpi xmlns:a14="http://schemas.microsoft.com/office/drawing/2010/main" val="0"/>
+              </a:ext>
+            </a:extLst>
+          </a:blip>
+          <a:stretch>
+            <a:fillRect/>
+          </a:stretch>
+        </p:blipFill>
+        <p:spPr>
+          <a:xfrm>
+            <a:off x="2971800" y="1770058"/>
+            <a:ext cx="6248400" cy="3489192"/>
+          </a:xfrm>
+          <a:prstGeom prst="rect">
+            <a:avLst/>
+          </a:prstGeom>
+        </p:spPr>
+      </p:pic>
+    </p:spTree>
+    <p:extLst>
+      <p:ext uri="{BB962C8B-B14F-4D97-AF65-F5344CB8AC3E}">
+        <p14:creationId xmlns:p14="http://schemas.microsoft.com/office/powerpoint/2010/main" val="2832370657"/>
+      </p:ext>
+    </p:extLst>
+  </p:cSld>
+  <p:clrMapOvr>
+    <a:masterClrMapping/>
+  </p:clrMapOvr>
+</p:sld>
+</file>
+
+<file path=ppt/slides/slide16.xml><?xml version="1.0" encoding="utf-8"?>
+<p:sld xmlns:a="http://schemas.openxmlformats.org/drawingml/2006/main" xmlns:r="http://schemas.openxmlformats.org/officeDocument/2006/relationships" xmlns:p="http://schemas.openxmlformats.org/presentationml/2006/main">
+  <p:cSld>
+    <p:spTree>
+      <p:nvGrpSpPr>
+        <p:cNvPr id="1" name=""/>
+        <p:cNvGrpSpPr/>
+        <p:nvPr/>
+      </p:nvGrpSpPr>
+      <p:grpSpPr>
+        <a:xfrm>
+          <a:off x="0" y="0"/>
+          <a:ext cx="0" cy="0"/>
+          <a:chOff x="0" y="0"/>
+          <a:chExt cx="0" cy="0"/>
+        </a:xfrm>
+      </p:grpSpPr>
+      <p:sp>
+        <p:nvSpPr>
+          <p:cNvPr id="2" name="Title 1">
+            <a:extLst>
+              <a:ext uri="{FF2B5EF4-FFF2-40B4-BE49-F238E27FC236}">
                 <a16:creationId xmlns:a16="http://schemas.microsoft.com/office/drawing/2014/main" id="{B3A3DAEF-86E5-4931-BAC2-E3511BF65298}"/>
               </a:ext>
             </a:extLst>
@@ -5586,7 +5954,7 @@
           <a:p>
             <a:fld id="{019E29B9-5584-4737-9C98-1B926378C778}" type="datetime1">
               <a:rPr lang="en-US" smtClean="0"/>
-              <a:t>5/24/2021</a:t>
+              <a:t>5/28/2021</a:t>
             </a:fld>
             <a:endParaRPr lang="da-DK"/>
           </a:p>
@@ -5643,7 +6011,7 @@
           <a:p>
             <a:fld id="{F6FEDE24-D50C-481B-A7B4-8AF13899101A}" type="slidenum">
               <a:rPr lang="da-DK" smtClean="0"/>
-              <a:t>15</a:t>
+              <a:t>16</a:t>
             </a:fld>
             <a:endParaRPr lang="da-DK"/>
           </a:p>
@@ -5827,7 +6195,7 @@
           <a:p>
             <a:fld id="{019E29B9-5584-4737-9C98-1B926378C778}" type="datetime1">
               <a:rPr lang="en-US" smtClean="0"/>
-              <a:t>5/24/2021</a:t>
+              <a:t>5/28/2021</a:t>
             </a:fld>
             <a:endParaRPr lang="da-DK"/>
           </a:p>
@@ -6121,7 +6489,7 @@
           <a:p>
             <a:fld id="{019E29B9-5584-4737-9C98-1B926378C778}" type="datetime1">
               <a:rPr lang="en-US" smtClean="0"/>
-              <a:t>5/24/2021</a:t>
+              <a:t>5/28/2021</a:t>
             </a:fld>
             <a:endParaRPr lang="da-DK"/>
           </a:p>
@@ -6699,7 +7067,7 @@
           <a:p>
             <a:fld id="{019E29B9-5584-4737-9C98-1B926378C778}" type="datetime1">
               <a:rPr lang="en-US" smtClean="0"/>
-              <a:t>5/24/2021</a:t>
+              <a:t>5/28/2021</a:t>
             </a:fld>
             <a:endParaRPr lang="da-DK"/>
           </a:p>
@@ -6874,7 +7242,7 @@
           <a:p>
             <a:fld id="{019E29B9-5584-4737-9C98-1B926378C778}" type="datetime1">
               <a:rPr lang="en-US" smtClean="0"/>
-              <a:t>5/24/2021</a:t>
+              <a:t>5/28/2021</a:t>
             </a:fld>
             <a:endParaRPr lang="da-DK"/>
           </a:p>
@@ -7352,6 +7720,452 @@
           <p:cNvPr id="2" name="Title 1">
             <a:extLst>
               <a:ext uri="{FF2B5EF4-FFF2-40B4-BE49-F238E27FC236}">
+                <a16:creationId xmlns:a16="http://schemas.microsoft.com/office/drawing/2014/main" id="{5CB7790A-1653-4E17-B7D0-CBED4E8CCF96}"/>
+              </a:ext>
+            </a:extLst>
+          </p:cNvPr>
+          <p:cNvSpPr>
+            <a:spLocks noGrp="1"/>
+          </p:cNvSpPr>
+          <p:nvPr>
+            <p:ph type="title"/>
+          </p:nvPr>
+        </p:nvSpPr>
+        <p:spPr/>
+        <p:txBody>
+          <a:bodyPr/>
+          <a:lstStyle/>
+          <a:p>
+            <a:r>
+              <a:rPr lang="da-DK" dirty="0"/>
+              <a:t>What should M be evaluated on?</a:t>
+            </a:r>
+          </a:p>
+        </p:txBody>
+      </p:sp>
+      <p:sp>
+        <p:nvSpPr>
+          <p:cNvPr id="3" name="Content Placeholder 2">
+            <a:extLst>
+              <a:ext uri="{FF2B5EF4-FFF2-40B4-BE49-F238E27FC236}">
+                <a16:creationId xmlns:a16="http://schemas.microsoft.com/office/drawing/2014/main" id="{C109A14B-2A4F-4285-B618-BD9E58BC35DB}"/>
+              </a:ext>
+            </a:extLst>
+          </p:cNvPr>
+          <p:cNvSpPr>
+            <a:spLocks noGrp="1"/>
+          </p:cNvSpPr>
+          <p:nvPr>
+            <p:ph idx="1"/>
+          </p:nvPr>
+        </p:nvSpPr>
+        <p:spPr/>
+        <p:txBody>
+          <a:bodyPr/>
+          <a:lstStyle/>
+          <a:p>
+            <a:pPr marL="0" indent="0">
+              <a:buNone/>
+            </a:pPr>
+            <a:r>
+              <a:rPr lang="da-DK" dirty="0"/>
+              <a:t>Do you recognize this figure?</a:t>
+            </a:r>
+          </a:p>
+        </p:txBody>
+      </p:sp>
+      <p:sp>
+        <p:nvSpPr>
+          <p:cNvPr id="4" name="Date Placeholder 3">
+            <a:extLst>
+              <a:ext uri="{FF2B5EF4-FFF2-40B4-BE49-F238E27FC236}">
+                <a16:creationId xmlns:a16="http://schemas.microsoft.com/office/drawing/2014/main" id="{0381D13A-AB1D-4777-919B-9721F2A5294D}"/>
+              </a:ext>
+            </a:extLst>
+          </p:cNvPr>
+          <p:cNvSpPr>
+            <a:spLocks noGrp="1"/>
+          </p:cNvSpPr>
+          <p:nvPr>
+            <p:ph type="dt" sz="half" idx="10"/>
+          </p:nvPr>
+        </p:nvSpPr>
+        <p:spPr/>
+        <p:txBody>
+          <a:bodyPr/>
+          <a:lstStyle/>
+          <a:p>
+            <a:fld id="{019E29B9-5584-4737-9C98-1B926378C778}" type="datetime1">
+              <a:rPr lang="en-US" smtClean="0"/>
+              <a:t>5/28/2021</a:t>
+            </a:fld>
+            <a:endParaRPr lang="da-DK"/>
+          </a:p>
+        </p:txBody>
+      </p:sp>
+      <p:sp>
+        <p:nvSpPr>
+          <p:cNvPr id="5" name="Footer Placeholder 4">
+            <a:extLst>
+              <a:ext uri="{FF2B5EF4-FFF2-40B4-BE49-F238E27FC236}">
+                <a16:creationId xmlns:a16="http://schemas.microsoft.com/office/drawing/2014/main" id="{C857C398-C3AC-489C-ACE1-52F3F344D956}"/>
+              </a:ext>
+            </a:extLst>
+          </p:cNvPr>
+          <p:cNvSpPr>
+            <a:spLocks noGrp="1"/>
+          </p:cNvSpPr>
+          <p:nvPr>
+            <p:ph type="ftr" sz="quarter" idx="11"/>
+          </p:nvPr>
+        </p:nvSpPr>
+        <p:spPr/>
+        <p:txBody>
+          <a:bodyPr/>
+          <a:lstStyle/>
+          <a:p>
+            <a:r>
+              <a:rPr lang="da-DK"/>
+              <a:t>Nicki Skafte Detlefsen</a:t>
+            </a:r>
+          </a:p>
+        </p:txBody>
+      </p:sp>
+      <p:sp>
+        <p:nvSpPr>
+          <p:cNvPr id="6" name="Slide Number Placeholder 5">
+            <a:extLst>
+              <a:ext uri="{FF2B5EF4-FFF2-40B4-BE49-F238E27FC236}">
+                <a16:creationId xmlns:a16="http://schemas.microsoft.com/office/drawing/2014/main" id="{A12B209F-2AB3-4E2E-8626-2CDF18E44389}"/>
+              </a:ext>
+            </a:extLst>
+          </p:cNvPr>
+          <p:cNvSpPr>
+            <a:spLocks noGrp="1"/>
+          </p:cNvSpPr>
+          <p:nvPr>
+            <p:ph type="sldNum" sz="quarter" idx="12"/>
+          </p:nvPr>
+        </p:nvSpPr>
+        <p:spPr/>
+        <p:txBody>
+          <a:bodyPr/>
+          <a:lstStyle/>
+          <a:p>
+            <a:fld id="{F6FEDE24-D50C-481B-A7B4-8AF13899101A}" type="slidenum">
+              <a:rPr lang="da-DK" smtClean="0"/>
+              <a:t>6</a:t>
+            </a:fld>
+            <a:endParaRPr lang="da-DK"/>
+          </a:p>
+        </p:txBody>
+      </p:sp>
+      <p:pic>
+        <p:nvPicPr>
+          <p:cNvPr id="10" name="Picture 9">
+            <a:extLst>
+              <a:ext uri="{FF2B5EF4-FFF2-40B4-BE49-F238E27FC236}">
+                <a16:creationId xmlns:a16="http://schemas.microsoft.com/office/drawing/2014/main" id="{B0E7751A-682B-47C8-AD89-ED3CD4D593ED}"/>
+              </a:ext>
+            </a:extLst>
+          </p:cNvPr>
+          <p:cNvPicPr>
+            <a:picLocks noChangeAspect="1"/>
+          </p:cNvPicPr>
+          <p:nvPr/>
+        </p:nvPicPr>
+        <p:blipFill rotWithShape="1">
+          <a:blip r:embed="rId2">
+            <a:extLst>
+              <a:ext uri="{28A0092B-C50C-407E-A947-70E740481C1C}">
+                <a14:useLocalDpi xmlns:a14="http://schemas.microsoft.com/office/drawing/2010/main" val="0"/>
+              </a:ext>
+            </a:extLst>
+          </a:blip>
+          <a:srcRect t="7580"/>
+          <a:stretch/>
+        </p:blipFill>
+        <p:spPr>
+          <a:xfrm>
+            <a:off x="3581400" y="2761860"/>
+            <a:ext cx="4227934" cy="2878493"/>
+          </a:xfrm>
+          <a:prstGeom prst="rect">
+            <a:avLst/>
+          </a:prstGeom>
+        </p:spPr>
+      </p:pic>
+      <p:grpSp>
+        <p:nvGrpSpPr>
+          <p:cNvPr id="15" name="Group 14">
+            <a:extLst>
+              <a:ext uri="{FF2B5EF4-FFF2-40B4-BE49-F238E27FC236}">
+                <a16:creationId xmlns:a16="http://schemas.microsoft.com/office/drawing/2014/main" id="{27FD8644-6E91-4D48-9D23-C086C43A30F9}"/>
+              </a:ext>
+            </a:extLst>
+          </p:cNvPr>
+          <p:cNvGrpSpPr/>
+          <p:nvPr/>
+        </p:nvGrpSpPr>
+        <p:grpSpPr>
+          <a:xfrm>
+            <a:off x="3404543" y="2541954"/>
+            <a:ext cx="7137337" cy="3232987"/>
+            <a:chOff x="3555545" y="2609066"/>
+            <a:chExt cx="7137337" cy="3232987"/>
+          </a:xfrm>
+        </p:grpSpPr>
+        <p:sp>
+          <p:nvSpPr>
+            <p:cNvPr id="11" name="TextBox 10">
+              <a:extLst>
+                <a:ext uri="{FF2B5EF4-FFF2-40B4-BE49-F238E27FC236}">
+                  <a16:creationId xmlns:a16="http://schemas.microsoft.com/office/drawing/2014/main" id="{5BE95363-2775-438A-9F0D-259F2CF14DF6}"/>
+                </a:ext>
+              </a:extLst>
+            </p:cNvPr>
+            <p:cNvSpPr txBox="1"/>
+            <p:nvPr/>
+          </p:nvSpPr>
+          <p:spPr>
+            <a:xfrm>
+              <a:off x="7445829" y="3676261"/>
+              <a:ext cx="3247053" cy="369332"/>
+            </a:xfrm>
+            <a:prstGeom prst="rect">
+              <a:avLst/>
+            </a:prstGeom>
+            <a:noFill/>
+          </p:spPr>
+          <p:txBody>
+            <a:bodyPr wrap="square" rtlCol="0">
+              <a:spAutoFit/>
+            </a:bodyPr>
+            <a:lstStyle/>
+            <a:p>
+              <a:r>
+                <a:rPr lang="da-DK" dirty="0"/>
+                <a:t>Validation</a:t>
+              </a:r>
+            </a:p>
+          </p:txBody>
+        </p:sp>
+        <p:sp>
+          <p:nvSpPr>
+            <p:cNvPr id="12" name="TextBox 11">
+              <a:extLst>
+                <a:ext uri="{FF2B5EF4-FFF2-40B4-BE49-F238E27FC236}">
+                  <a16:creationId xmlns:a16="http://schemas.microsoft.com/office/drawing/2014/main" id="{FD0435B7-52E1-4F4A-AD42-94248E3382FE}"/>
+                </a:ext>
+              </a:extLst>
+            </p:cNvPr>
+            <p:cNvSpPr txBox="1"/>
+            <p:nvPr/>
+          </p:nvSpPr>
+          <p:spPr>
+            <a:xfrm>
+              <a:off x="7445828" y="4959994"/>
+              <a:ext cx="3247053" cy="369332"/>
+            </a:xfrm>
+            <a:prstGeom prst="rect">
+              <a:avLst/>
+            </a:prstGeom>
+            <a:noFill/>
+          </p:spPr>
+          <p:txBody>
+            <a:bodyPr wrap="square" rtlCol="0">
+              <a:spAutoFit/>
+            </a:bodyPr>
+            <a:lstStyle/>
+            <a:p>
+              <a:r>
+                <a:rPr lang="da-DK" dirty="0"/>
+                <a:t>Training</a:t>
+              </a:r>
+            </a:p>
+          </p:txBody>
+        </p:sp>
+        <p:sp>
+          <p:nvSpPr>
+            <p:cNvPr id="13" name="TextBox 12">
+              <a:extLst>
+                <a:ext uri="{FF2B5EF4-FFF2-40B4-BE49-F238E27FC236}">
+                  <a16:creationId xmlns:a16="http://schemas.microsoft.com/office/drawing/2014/main" id="{8DA66FE4-2C1E-43BC-B6BA-7166B6D1F5A8}"/>
+                </a:ext>
+              </a:extLst>
+            </p:cNvPr>
+            <p:cNvSpPr txBox="1"/>
+            <p:nvPr/>
+          </p:nvSpPr>
+          <p:spPr>
+            <a:xfrm>
+              <a:off x="7305481" y="5472721"/>
+              <a:ext cx="3247053" cy="369332"/>
+            </a:xfrm>
+            <a:prstGeom prst="rect">
+              <a:avLst/>
+            </a:prstGeom>
+            <a:noFill/>
+          </p:spPr>
+          <p:txBody>
+            <a:bodyPr wrap="square" rtlCol="0">
+              <a:spAutoFit/>
+            </a:bodyPr>
+            <a:lstStyle/>
+            <a:p>
+              <a:r>
+                <a:rPr lang="da-DK" dirty="0"/>
+                <a:t>Step</a:t>
+              </a:r>
+            </a:p>
+          </p:txBody>
+        </p:sp>
+        <p:sp>
+          <p:nvSpPr>
+            <p:cNvPr id="14" name="TextBox 13">
+              <a:extLst>
+                <a:ext uri="{FF2B5EF4-FFF2-40B4-BE49-F238E27FC236}">
+                  <a16:creationId xmlns:a16="http://schemas.microsoft.com/office/drawing/2014/main" id="{1F7FD42D-F32D-4DA2-9D58-00172911A55F}"/>
+                </a:ext>
+              </a:extLst>
+            </p:cNvPr>
+            <p:cNvSpPr txBox="1"/>
+            <p:nvPr/>
+          </p:nvSpPr>
+          <p:spPr>
+            <a:xfrm>
+              <a:off x="3555545" y="2609066"/>
+              <a:ext cx="3247053" cy="369332"/>
+            </a:xfrm>
+            <a:prstGeom prst="rect">
+              <a:avLst/>
+            </a:prstGeom>
+            <a:noFill/>
+          </p:spPr>
+          <p:txBody>
+            <a:bodyPr wrap="square" rtlCol="0">
+              <a:spAutoFit/>
+            </a:bodyPr>
+            <a:lstStyle/>
+            <a:p>
+              <a:r>
+                <a:rPr lang="da-DK" dirty="0"/>
+                <a:t>M</a:t>
+              </a:r>
+            </a:p>
+          </p:txBody>
+        </p:sp>
+      </p:grpSp>
+    </p:spTree>
+    <p:extLst>
+      <p:ext uri="{BB962C8B-B14F-4D97-AF65-F5344CB8AC3E}">
+        <p14:creationId xmlns:p14="http://schemas.microsoft.com/office/powerpoint/2010/main" val="2874990923"/>
+      </p:ext>
+    </p:extLst>
+  </p:cSld>
+  <p:clrMapOvr>
+    <a:masterClrMapping/>
+  </p:clrMapOvr>
+  <p:timing>
+    <p:tnLst>
+      <p:par>
+        <p:cTn id="1" dur="indefinite" restart="never" nodeType="tmRoot">
+          <p:childTnLst>
+            <p:seq concurrent="1" nextAc="seek">
+              <p:cTn id="2" dur="indefinite" nodeType="mainSeq">
+                <p:childTnLst>
+                  <p:par>
+                    <p:cTn id="3" fill="hold">
+                      <p:stCondLst>
+                        <p:cond delay="indefinite"/>
+                      </p:stCondLst>
+                      <p:childTnLst>
+                        <p:par>
+                          <p:cTn id="4" fill="hold">
+                            <p:stCondLst>
+                              <p:cond delay="0"/>
+                            </p:stCondLst>
+                            <p:childTnLst>
+                              <p:par>
+                                <p:cTn id="5" presetID="1" presetClass="entr" presetSubtype="0" fill="hold" nodeType="clickEffect">
+                                  <p:stCondLst>
+                                    <p:cond delay="0"/>
+                                  </p:stCondLst>
+                                  <p:childTnLst>
+                                    <p:set>
+                                      <p:cBhvr>
+                                        <p:cTn id="6" dur="1" fill="hold">
+                                          <p:stCondLst>
+                                            <p:cond delay="0"/>
+                                          </p:stCondLst>
+                                        </p:cTn>
+                                        <p:tgtEl>
+                                          <p:spTgt spid="15"/>
+                                        </p:tgtEl>
+                                        <p:attrNameLst>
+                                          <p:attrName>style.visibility</p:attrName>
+                                        </p:attrNameLst>
+                                      </p:cBhvr>
+                                      <p:to>
+                                        <p:strVal val="visible"/>
+                                      </p:to>
+                                    </p:set>
+                                  </p:childTnLst>
+                                </p:cTn>
+                              </p:par>
+                            </p:childTnLst>
+                          </p:cTn>
+                        </p:par>
+                      </p:childTnLst>
+                    </p:cTn>
+                  </p:par>
+                </p:childTnLst>
+              </p:cTn>
+              <p:prevCondLst>
+                <p:cond evt="onPrev" delay="0">
+                  <p:tgtEl>
+                    <p:sldTgt/>
+                  </p:tgtEl>
+                </p:cond>
+              </p:prevCondLst>
+              <p:nextCondLst>
+                <p:cond evt="onNext" delay="0">
+                  <p:tgtEl>
+                    <p:sldTgt/>
+                  </p:tgtEl>
+                </p:cond>
+              </p:nextCondLst>
+            </p:seq>
+          </p:childTnLst>
+        </p:cTn>
+      </p:par>
+    </p:tnLst>
+  </p:timing>
+</p:sld>
+</file>
+
+<file path=ppt/slides/slide7.xml><?xml version="1.0" encoding="utf-8"?>
+<p:sld xmlns:a="http://schemas.openxmlformats.org/drawingml/2006/main" xmlns:r="http://schemas.openxmlformats.org/officeDocument/2006/relationships" xmlns:p="http://schemas.openxmlformats.org/presentationml/2006/main">
+  <p:cSld>
+    <p:spTree>
+      <p:nvGrpSpPr>
+        <p:cNvPr id="1" name=""/>
+        <p:cNvGrpSpPr/>
+        <p:nvPr/>
+      </p:nvGrpSpPr>
+      <p:grpSpPr>
+        <a:xfrm>
+          <a:off x="0" y="0"/>
+          <a:ext cx="0" cy="0"/>
+          <a:chOff x="0" y="0"/>
+          <a:chExt cx="0" cy="0"/>
+        </a:xfrm>
+      </p:grpSpPr>
+      <p:sp>
+        <p:nvSpPr>
+          <p:cNvPr id="2" name="Title 1">
+            <a:extLst>
+              <a:ext uri="{FF2B5EF4-FFF2-40B4-BE49-F238E27FC236}">
                 <a16:creationId xmlns:a16="http://schemas.microsoft.com/office/drawing/2014/main" id="{1507532C-2B15-4A7D-8C7B-1EC9567DF044}"/>
               </a:ext>
             </a:extLst>
@@ -7370,7 +8184,7 @@
           <a:p>
             <a:r>
               <a:rPr lang="da-DK" dirty="0"/>
-              <a:t>Generalization error</a:t>
+              <a:t>One detour deeper: Generalization error</a:t>
             </a:r>
           </a:p>
         </p:txBody>
@@ -7866,7 +8680,7 @@
           <a:p>
             <a:fld id="{019E29B9-5584-4737-9C98-1B926378C778}" type="datetime1">
               <a:rPr lang="en-US" smtClean="0"/>
-              <a:t>5/24/2021</a:t>
+              <a:t>5/28/2021</a:t>
             </a:fld>
             <a:endParaRPr lang="da-DK"/>
           </a:p>
@@ -7923,7 +8737,7 @@
           <a:p>
             <a:fld id="{F6FEDE24-D50C-481B-A7B4-8AF13899101A}" type="slidenum">
               <a:rPr lang="da-DK" smtClean="0"/>
-              <a:t>6</a:t>
+              <a:t>7</a:t>
             </a:fld>
             <a:endParaRPr lang="da-DK"/>
           </a:p>
@@ -7942,7 +8756,7 @@
 </p:sld>
 </file>
 
-<file path=ppt/slides/slide7.xml><?xml version="1.0" encoding="utf-8"?>
+<file path=ppt/slides/slide8.xml><?xml version="1.0" encoding="utf-8"?>
 <p:sld xmlns:a="http://schemas.openxmlformats.org/drawingml/2006/main" xmlns:r="http://schemas.openxmlformats.org/officeDocument/2006/relationships" xmlns:p="http://schemas.openxmlformats.org/presentationml/2006/main">
   <p:cSld>
     <p:spTree>
@@ -8560,7 +9374,7 @@
           <a:p>
             <a:fld id="{019E29B9-5584-4737-9C98-1B926378C778}" type="datetime1">
               <a:rPr lang="en-US" smtClean="0"/>
-              <a:t>5/24/2021</a:t>
+              <a:t>5/28/2021</a:t>
             </a:fld>
             <a:endParaRPr lang="da-DK"/>
           </a:p>
@@ -8617,7 +9431,7 @@
           <a:p>
             <a:fld id="{F6FEDE24-D50C-481B-A7B4-8AF13899101A}" type="slidenum">
               <a:rPr lang="da-DK" smtClean="0"/>
-              <a:t>7</a:t>
+              <a:t>8</a:t>
             </a:fld>
             <a:endParaRPr lang="da-DK"/>
           </a:p>
@@ -8684,7 +9498,7 @@
 </p:sld>
 </file>
 
-<file path=ppt/slides/slide8.xml><?xml version="1.0" encoding="utf-8"?>
+<file path=ppt/slides/slide9.xml><?xml version="1.0" encoding="utf-8"?>
 <p:sld xmlns:a="http://schemas.openxmlformats.org/drawingml/2006/main" xmlns:r="http://schemas.openxmlformats.org/officeDocument/2006/relationships" xmlns:p="http://schemas.openxmlformats.org/presentationml/2006/main">
   <p:cSld>
     <p:spTree>
@@ -8911,7 +9725,7 @@
           <a:p>
             <a:fld id="{019E29B9-5584-4737-9C98-1B926378C778}" type="datetime1">
               <a:rPr lang="en-US" smtClean="0"/>
-              <a:t>5/24/2021</a:t>
+              <a:t>5/28/2021</a:t>
             </a:fld>
             <a:endParaRPr lang="da-DK"/>
           </a:p>
@@ -8968,7 +9782,7 @@
           <a:p>
             <a:fld id="{F6FEDE24-D50C-481B-A7B4-8AF13899101A}" type="slidenum">
               <a:rPr lang="da-DK" smtClean="0"/>
-              <a:t>8</a:t>
+              <a:t>9</a:t>
             </a:fld>
             <a:endParaRPr lang="da-DK"/>
           </a:p>
@@ -9062,244 +9876,6 @@
     <p:extLst>
       <p:ext uri="{BB962C8B-B14F-4D97-AF65-F5344CB8AC3E}">
         <p14:creationId xmlns:p14="http://schemas.microsoft.com/office/powerpoint/2010/main" val="1304277997"/>
-      </p:ext>
-    </p:extLst>
-  </p:cSld>
-  <p:clrMapOvr>
-    <a:masterClrMapping/>
-  </p:clrMapOvr>
-</p:sld>
-</file>
-
-<file path=ppt/slides/slide9.xml><?xml version="1.0" encoding="utf-8"?>
-<p:sld xmlns:a="http://schemas.openxmlformats.org/drawingml/2006/main" xmlns:r="http://schemas.openxmlformats.org/officeDocument/2006/relationships" xmlns:p="http://schemas.openxmlformats.org/presentationml/2006/main">
-  <p:cSld>
-    <p:spTree>
-      <p:nvGrpSpPr>
-        <p:cNvPr id="1" name=""/>
-        <p:cNvGrpSpPr/>
-        <p:nvPr/>
-      </p:nvGrpSpPr>
-      <p:grpSpPr>
-        <a:xfrm>
-          <a:off x="0" y="0"/>
-          <a:ext cx="0" cy="0"/>
-          <a:chOff x="0" y="0"/>
-          <a:chExt cx="0" cy="0"/>
-        </a:xfrm>
-      </p:grpSpPr>
-      <p:sp>
-        <p:nvSpPr>
-          <p:cNvPr id="2" name="Title 1">
-            <a:extLst>
-              <a:ext uri="{FF2B5EF4-FFF2-40B4-BE49-F238E27FC236}">
-                <a16:creationId xmlns:a16="http://schemas.microsoft.com/office/drawing/2014/main" id="{442EC157-7733-4643-B7A2-2A8BD42A9F3A}"/>
-              </a:ext>
-            </a:extLst>
-          </p:cNvPr>
-          <p:cNvSpPr>
-            <a:spLocks noGrp="1"/>
-          </p:cNvSpPr>
-          <p:nvPr>
-            <p:ph type="title"/>
-          </p:nvPr>
-        </p:nvSpPr>
-        <p:spPr/>
-        <p:txBody>
-          <a:bodyPr/>
-          <a:lstStyle/>
-          <a:p>
-            <a:r>
-              <a:rPr lang="da-DK" dirty="0"/>
-              <a:t>Back to topic</a:t>
-            </a:r>
-          </a:p>
-        </p:txBody>
-      </p:sp>
-      <p:sp>
-        <p:nvSpPr>
-          <p:cNvPr id="3" name="Content Placeholder 2">
-            <a:extLst>
-              <a:ext uri="{FF2B5EF4-FFF2-40B4-BE49-F238E27FC236}">
-                <a16:creationId xmlns:a16="http://schemas.microsoft.com/office/drawing/2014/main" id="{0C5AE16E-E501-4483-B8AD-D8A7CF97F703}"/>
-              </a:ext>
-            </a:extLst>
-          </p:cNvPr>
-          <p:cNvSpPr>
-            <a:spLocks noGrp="1"/>
-          </p:cNvSpPr>
-          <p:nvPr>
-            <p:ph idx="1"/>
-          </p:nvPr>
-        </p:nvSpPr>
-        <p:spPr/>
-        <p:txBody>
-          <a:bodyPr/>
-          <a:lstStyle/>
-          <a:p>
-            <a:pPr marL="0" indent="0">
-              <a:buNone/>
-            </a:pPr>
-            <a:r>
-              <a:rPr lang="da-DK" dirty="0"/>
-              <a:t>We now assume that we have</a:t>
-            </a:r>
-          </a:p>
-          <a:p>
-            <a:pPr marL="0" indent="0">
-              <a:buNone/>
-            </a:pPr>
-            <a:endParaRPr lang="da-DK" dirty="0"/>
-          </a:p>
-          <a:p>
-            <a:pPr marL="0" indent="0">
-              <a:buNone/>
-            </a:pPr>
-            <a:r>
-              <a:rPr lang="da-DK" dirty="0"/>
-              <a:t>Choice of some hyperparameters</a:t>
-            </a:r>
-          </a:p>
-          <a:p>
-            <a:pPr marL="0" indent="0">
-              <a:buNone/>
-            </a:pPr>
-            <a:r>
-              <a:rPr lang="da-DK" dirty="0"/>
-              <a:t>Some metric we trust</a:t>
-            </a:r>
-          </a:p>
-          <a:p>
-            <a:pPr marL="0" indent="0">
-              <a:buNone/>
-            </a:pPr>
-            <a:r>
-              <a:rPr lang="da-DK" dirty="0"/>
-              <a:t>Some way to measure the generalization error (validation set)</a:t>
-            </a:r>
-          </a:p>
-          <a:p>
-            <a:pPr marL="0" indent="0">
-              <a:buNone/>
-            </a:pPr>
-            <a:endParaRPr lang="da-DK" dirty="0"/>
-          </a:p>
-          <a:p>
-            <a:pPr marL="0" indent="0">
-              <a:buNone/>
-            </a:pPr>
-            <a:r>
-              <a:rPr lang="da-DK" dirty="0"/>
-              <a:t>How should we investigate our hyperparameter space?</a:t>
-            </a:r>
-          </a:p>
-          <a:p>
-            <a:pPr marL="0" indent="0">
-              <a:buNone/>
-            </a:pPr>
-            <a:endParaRPr lang="da-DK" dirty="0"/>
-          </a:p>
-          <a:p>
-            <a:pPr marL="0" indent="0">
-              <a:buNone/>
-            </a:pPr>
-            <a:endParaRPr lang="da-DK" dirty="0"/>
-          </a:p>
-          <a:p>
-            <a:endParaRPr lang="da-DK" dirty="0"/>
-          </a:p>
-        </p:txBody>
-      </p:sp>
-      <p:sp>
-        <p:nvSpPr>
-          <p:cNvPr id="4" name="Date Placeholder 3">
-            <a:extLst>
-              <a:ext uri="{FF2B5EF4-FFF2-40B4-BE49-F238E27FC236}">
-                <a16:creationId xmlns:a16="http://schemas.microsoft.com/office/drawing/2014/main" id="{A085A48E-9FE3-4F59-B350-B05D4B4DF869}"/>
-              </a:ext>
-            </a:extLst>
-          </p:cNvPr>
-          <p:cNvSpPr>
-            <a:spLocks noGrp="1"/>
-          </p:cNvSpPr>
-          <p:nvPr>
-            <p:ph type="dt" sz="half" idx="10"/>
-          </p:nvPr>
-        </p:nvSpPr>
-        <p:spPr/>
-        <p:txBody>
-          <a:bodyPr/>
-          <a:lstStyle/>
-          <a:p>
-            <a:fld id="{019E29B9-5584-4737-9C98-1B926378C778}" type="datetime1">
-              <a:rPr lang="en-US" smtClean="0"/>
-              <a:t>5/24/2021</a:t>
-            </a:fld>
-            <a:endParaRPr lang="da-DK"/>
-          </a:p>
-        </p:txBody>
-      </p:sp>
-      <p:sp>
-        <p:nvSpPr>
-          <p:cNvPr id="5" name="Footer Placeholder 4">
-            <a:extLst>
-              <a:ext uri="{FF2B5EF4-FFF2-40B4-BE49-F238E27FC236}">
-                <a16:creationId xmlns:a16="http://schemas.microsoft.com/office/drawing/2014/main" id="{44E770AA-73A7-4BB5-A41F-807A147D7907}"/>
-              </a:ext>
-            </a:extLst>
-          </p:cNvPr>
-          <p:cNvSpPr>
-            <a:spLocks noGrp="1"/>
-          </p:cNvSpPr>
-          <p:nvPr>
-            <p:ph type="ftr" sz="quarter" idx="11"/>
-          </p:nvPr>
-        </p:nvSpPr>
-        <p:spPr/>
-        <p:txBody>
-          <a:bodyPr/>
-          <a:lstStyle/>
-          <a:p>
-            <a:r>
-              <a:rPr lang="da-DK"/>
-              <a:t>Nicki Skafte Detlefsen</a:t>
-            </a:r>
-          </a:p>
-        </p:txBody>
-      </p:sp>
-      <p:sp>
-        <p:nvSpPr>
-          <p:cNvPr id="6" name="Slide Number Placeholder 5">
-            <a:extLst>
-              <a:ext uri="{FF2B5EF4-FFF2-40B4-BE49-F238E27FC236}">
-                <a16:creationId xmlns:a16="http://schemas.microsoft.com/office/drawing/2014/main" id="{D8BF2522-6559-441F-966E-B2B94B383955}"/>
-              </a:ext>
-            </a:extLst>
-          </p:cNvPr>
-          <p:cNvSpPr>
-            <a:spLocks noGrp="1"/>
-          </p:cNvSpPr>
-          <p:nvPr>
-            <p:ph type="sldNum" sz="quarter" idx="12"/>
-          </p:nvPr>
-        </p:nvSpPr>
-        <p:spPr/>
-        <p:txBody>
-          <a:bodyPr/>
-          <a:lstStyle/>
-          <a:p>
-            <a:fld id="{F6FEDE24-D50C-481B-A7B4-8AF13899101A}" type="slidenum">
-              <a:rPr lang="da-DK" smtClean="0"/>
-              <a:t>9</a:t>
-            </a:fld>
-            <a:endParaRPr lang="da-DK"/>
-          </a:p>
-        </p:txBody>
-      </p:sp>
-    </p:spTree>
-    <p:extLst>
-      <p:ext uri="{BB962C8B-B14F-4D97-AF65-F5344CB8AC3E}">
-        <p14:creationId xmlns:p14="http://schemas.microsoft.com/office/powerpoint/2010/main" val="4270529883"/>
       </p:ext>
     </p:extLst>
   </p:cSld>

--- a/09_crossvalidation_at_scale/Hyperparameters.pptx
+++ b/09_crossvalidation_at_scale/Hyperparameters.pptx
@@ -230,7 +230,7 @@
           <a:p>
             <a:fld id="{D75CAE95-D2DD-4998-876A-092BFD628C65}" type="datetimeFigureOut">
               <a:rPr lang="da-DK" smtClean="0"/>
-              <a:t>28-05-2021</a:t>
+              <a:t>03-06-2021</a:t>
             </a:fld>
             <a:endParaRPr lang="da-DK"/>
           </a:p>
@@ -408,7 +408,7 @@
           <a:p>
             <a:fld id="{1DA8E099-58AA-4136-B409-1CAD1943D842}" type="datetimeFigureOut">
               <a:rPr lang="da-DK" smtClean="0"/>
-              <a:t>28-05-2021</a:t>
+              <a:t>03-06-2021</a:t>
             </a:fld>
             <a:endParaRPr lang="da-DK"/>
           </a:p>
@@ -826,7 +826,7 @@
           <a:p>
             <a:fld id="{C85334AD-9960-4065-BF34-86ED0345A76D}" type="datetime1">
               <a:rPr lang="en-US" smtClean="0"/>
-              <a:t>5/28/2021</a:t>
+              <a:t>6/3/2021</a:t>
             </a:fld>
             <a:endParaRPr lang="da-DK"/>
           </a:p>
@@ -1065,7 +1065,7 @@
           <a:p>
             <a:fld id="{C5669758-3775-48D7-A841-693E908C3BF4}" type="datetime1">
               <a:rPr lang="en-US" smtClean="0"/>
-              <a:t>5/28/2021</a:t>
+              <a:t>6/3/2021</a:t>
             </a:fld>
             <a:endParaRPr lang="da-DK"/>
           </a:p>
@@ -1278,7 +1278,7 @@
           <a:p>
             <a:fld id="{1E0C3FF1-EDBD-4F2A-8366-34A4E3728310}" type="datetime1">
               <a:rPr lang="en-US" smtClean="0"/>
-              <a:t>5/28/2021</a:t>
+              <a:t>6/3/2021</a:t>
             </a:fld>
             <a:endParaRPr lang="da-DK"/>
           </a:p>
@@ -1499,7 +1499,7 @@
           <a:p>
             <a:fld id="{019E29B9-5584-4737-9C98-1B926378C778}" type="datetime1">
               <a:rPr lang="en-US" smtClean="0"/>
-              <a:t>5/28/2021</a:t>
+              <a:t>6/3/2021</a:t>
             </a:fld>
             <a:endParaRPr lang="da-DK"/>
           </a:p>
@@ -1814,7 +1814,7 @@
           <a:p>
             <a:fld id="{FCE38F03-F67D-4508-A858-99FCD085087C}" type="datetime1">
               <a:rPr lang="en-US" smtClean="0"/>
-              <a:t>5/28/2021</a:t>
+              <a:t>6/3/2021</a:t>
             </a:fld>
             <a:endParaRPr lang="da-DK"/>
           </a:p>
@@ -2085,7 +2085,7 @@
           <a:p>
             <a:fld id="{B43F2930-3FFD-4F93-A4BD-4F0D1A0B4514}" type="datetime1">
               <a:rPr lang="en-US" smtClean="0"/>
-              <a:t>5/28/2021</a:t>
+              <a:t>6/3/2021</a:t>
             </a:fld>
             <a:endParaRPr lang="da-DK"/>
           </a:p>
@@ -2503,7 +2503,7 @@
           <a:p>
             <a:fld id="{8E0F9B9B-30CC-4693-8E0F-1A94A979E2C5}" type="datetime1">
               <a:rPr lang="en-US" smtClean="0"/>
-              <a:t>5/28/2021</a:t>
+              <a:t>6/3/2021</a:t>
             </a:fld>
             <a:endParaRPr lang="da-DK"/>
           </a:p>
@@ -2648,7 +2648,7 @@
           <a:p>
             <a:fld id="{6FE1433B-E6A7-44FF-8B55-539471B4D7C5}" type="datetime1">
               <a:rPr lang="en-US" smtClean="0"/>
-              <a:t>5/28/2021</a:t>
+              <a:t>6/3/2021</a:t>
             </a:fld>
             <a:endParaRPr lang="da-DK"/>
           </a:p>
@@ -2764,7 +2764,7 @@
           <a:p>
             <a:fld id="{624F4001-6A8C-42DA-824F-B5CC1375B861}" type="datetime1">
               <a:rPr lang="en-US" smtClean="0"/>
-              <a:t>5/28/2021</a:t>
+              <a:t>6/3/2021</a:t>
             </a:fld>
             <a:endParaRPr lang="da-DK"/>
           </a:p>
@@ -3080,7 +3080,7 @@
           <a:p>
             <a:fld id="{2D3BE137-2C5E-4078-8BA2-7D42D7E67218}" type="datetime1">
               <a:rPr lang="en-US" smtClean="0"/>
-              <a:t>5/28/2021</a:t>
+              <a:t>6/3/2021</a:t>
             </a:fld>
             <a:endParaRPr lang="da-DK"/>
           </a:p>
@@ -3372,7 +3372,7 @@
           <a:p>
             <a:fld id="{0D1436FF-56D3-4E93-92E8-71121EAB120E}" type="datetime1">
               <a:rPr lang="en-US" smtClean="0"/>
-              <a:t>5/28/2021</a:t>
+              <a:t>6/3/2021</a:t>
             </a:fld>
             <a:endParaRPr lang="da-DK"/>
           </a:p>
@@ -3618,7 +3618,7 @@
           <a:p>
             <a:fld id="{16601EF2-4BCA-4009-ACCF-B97F259DEF6F}" type="datetime1">
               <a:rPr lang="en-US" smtClean="0"/>
-              <a:t>5/28/2021</a:t>
+              <a:t>6/3/2021</a:t>
             </a:fld>
             <a:endParaRPr lang="da-DK"/>
           </a:p>
@@ -4104,27 +4104,30 @@
           <a:p>
             <a:r>
               <a:rPr lang="da-DK"/>
-              <a:t>02457 Machine Learning Operations</a:t>
-            </a:r>
-          </a:p>
-          <a:p>
-            <a:r>
-              <a:rPr lang="da-DK"/>
+              <a:t>Machine </a:t>
+            </a:r>
+            <a:r>
+              <a:rPr lang="da-DK" dirty="0"/>
+              <a:t>Learning Operations</a:t>
+            </a:r>
+          </a:p>
+          <a:p>
+            <a:r>
+              <a:rPr lang="da-DK" dirty="0"/>
               <a:t>Nicki Skafte Detlefsen,</a:t>
             </a:r>
           </a:p>
           <a:p>
             <a:r>
-              <a:rPr lang="da-DK"/>
+              <a:rPr lang="da-DK" dirty="0"/>
               <a:t>Postdoc</a:t>
             </a:r>
           </a:p>
           <a:p>
             <a:r>
-              <a:rPr lang="da-DK"/>
+              <a:rPr lang="da-DK" dirty="0"/>
               <a:t>DTU Compute</a:t>
             </a:r>
-            <a:endParaRPr lang="da-DK" dirty="0"/>
           </a:p>
         </p:txBody>
       </p:sp>
@@ -4302,7 +4305,7 @@
           <a:p>
             <a:fld id="{019E29B9-5584-4737-9C98-1B926378C778}" type="datetime1">
               <a:rPr lang="en-US" smtClean="0"/>
-              <a:t>5/28/2021</a:t>
+              <a:t>6/3/2021</a:t>
             </a:fld>
             <a:endParaRPr lang="da-DK"/>
           </a:p>
@@ -4536,7 +4539,7 @@
           <a:p>
             <a:fld id="{019E29B9-5584-4737-9C98-1B926378C778}" type="datetime1">
               <a:rPr lang="en-US" smtClean="0"/>
-              <a:t>5/28/2021</a:t>
+              <a:t>6/3/2021</a:t>
             </a:fld>
             <a:endParaRPr lang="da-DK"/>
           </a:p>
@@ -4929,7 +4932,7 @@
           <a:p>
             <a:fld id="{019E29B9-5584-4737-9C98-1B926378C778}" type="datetime1">
               <a:rPr lang="en-US" smtClean="0"/>
-              <a:t>5/28/2021</a:t>
+              <a:t>6/3/2021</a:t>
             </a:fld>
             <a:endParaRPr lang="da-DK"/>
           </a:p>
@@ -5204,7 +5207,7 @@
           <a:p>
             <a:fld id="{019E29B9-5584-4737-9C98-1B926378C778}" type="datetime1">
               <a:rPr lang="en-US" smtClean="0"/>
-              <a:t>5/28/2021</a:t>
+              <a:t>6/3/2021</a:t>
             </a:fld>
             <a:endParaRPr lang="da-DK"/>
           </a:p>
@@ -5471,7 +5474,7 @@
           <a:p>
             <a:fld id="{019E29B9-5584-4737-9C98-1B926378C778}" type="datetime1">
               <a:rPr lang="en-US" smtClean="0"/>
-              <a:t>5/28/2021</a:t>
+              <a:t>6/3/2021</a:t>
             </a:fld>
             <a:endParaRPr lang="da-DK"/>
           </a:p>
@@ -5739,7 +5742,7 @@
           <a:p>
             <a:fld id="{019E29B9-5584-4737-9C98-1B926378C778}" type="datetime1">
               <a:rPr lang="en-US" smtClean="0"/>
-              <a:t>5/28/2021</a:t>
+              <a:t>6/3/2021</a:t>
             </a:fld>
             <a:endParaRPr lang="da-DK"/>
           </a:p>
@@ -5954,7 +5957,7 @@
           <a:p>
             <a:fld id="{019E29B9-5584-4737-9C98-1B926378C778}" type="datetime1">
               <a:rPr lang="en-US" smtClean="0"/>
-              <a:t>5/28/2021</a:t>
+              <a:t>6/3/2021</a:t>
             </a:fld>
             <a:endParaRPr lang="da-DK"/>
           </a:p>
@@ -6195,7 +6198,7 @@
           <a:p>
             <a:fld id="{019E29B9-5584-4737-9C98-1B926378C778}" type="datetime1">
               <a:rPr lang="en-US" smtClean="0"/>
-              <a:t>5/28/2021</a:t>
+              <a:t>6/3/2021</a:t>
             </a:fld>
             <a:endParaRPr lang="da-DK"/>
           </a:p>
@@ -6489,7 +6492,7 @@
           <a:p>
             <a:fld id="{019E29B9-5584-4737-9C98-1B926378C778}" type="datetime1">
               <a:rPr lang="en-US" smtClean="0"/>
-              <a:t>5/28/2021</a:t>
+              <a:t>6/3/2021</a:t>
             </a:fld>
             <a:endParaRPr lang="da-DK"/>
           </a:p>
@@ -7067,7 +7070,7 @@
           <a:p>
             <a:fld id="{019E29B9-5584-4737-9C98-1B926378C778}" type="datetime1">
               <a:rPr lang="en-US" smtClean="0"/>
-              <a:t>5/28/2021</a:t>
+              <a:t>6/3/2021</a:t>
             </a:fld>
             <a:endParaRPr lang="da-DK"/>
           </a:p>
@@ -7242,7 +7245,7 @@
           <a:p>
             <a:fld id="{019E29B9-5584-4737-9C98-1B926378C778}" type="datetime1">
               <a:rPr lang="en-US" smtClean="0"/>
-              <a:t>5/28/2021</a:t>
+              <a:t>6/3/2021</a:t>
             </a:fld>
             <a:endParaRPr lang="da-DK"/>
           </a:p>
@@ -7797,7 +7800,7 @@
           <a:p>
             <a:fld id="{019E29B9-5584-4737-9C98-1B926378C778}" type="datetime1">
               <a:rPr lang="en-US" smtClean="0"/>
-              <a:t>5/28/2021</a:t>
+              <a:t>6/3/2021</a:t>
             </a:fld>
             <a:endParaRPr lang="da-DK"/>
           </a:p>
@@ -8680,7 +8683,7 @@
           <a:p>
             <a:fld id="{019E29B9-5584-4737-9C98-1B926378C778}" type="datetime1">
               <a:rPr lang="en-US" smtClean="0"/>
-              <a:t>5/28/2021</a:t>
+              <a:t>6/3/2021</a:t>
             </a:fld>
             <a:endParaRPr lang="da-DK"/>
           </a:p>
@@ -9374,7 +9377,7 @@
           <a:p>
             <a:fld id="{019E29B9-5584-4737-9C98-1B926378C778}" type="datetime1">
               <a:rPr lang="en-US" smtClean="0"/>
-              <a:t>5/28/2021</a:t>
+              <a:t>6/3/2021</a:t>
             </a:fld>
             <a:endParaRPr lang="da-DK"/>
           </a:p>
@@ -9725,7 +9728,7 @@
           <a:p>
             <a:fld id="{019E29B9-5584-4737-9C98-1B926378C778}" type="datetime1">
               <a:rPr lang="en-US" smtClean="0"/>
-              <a:t>5/28/2021</a:t>
+              <a:t>6/3/2021</a:t>
             </a:fld>
             <a:endParaRPr lang="da-DK"/>
           </a:p>

--- a/09_crossvalidation_at_scale/Hyperparameters.pptx
+++ b/09_crossvalidation_at_scale/Hyperparameters.pptx
@@ -230,7 +230,7 @@
           <a:p>
             <a:fld id="{D75CAE95-D2DD-4998-876A-092BFD628C65}" type="datetimeFigureOut">
               <a:rPr lang="da-DK" smtClean="0"/>
-              <a:t>03-06-2021</a:t>
+              <a:t>18-06-2021</a:t>
             </a:fld>
             <a:endParaRPr lang="da-DK"/>
           </a:p>
@@ -408,7 +408,7 @@
           <a:p>
             <a:fld id="{1DA8E099-58AA-4136-B409-1CAD1943D842}" type="datetimeFigureOut">
               <a:rPr lang="da-DK" smtClean="0"/>
-              <a:t>03-06-2021</a:t>
+              <a:t>18-06-2021</a:t>
             </a:fld>
             <a:endParaRPr lang="da-DK"/>
           </a:p>
@@ -826,7 +826,7 @@
           <a:p>
             <a:fld id="{C85334AD-9960-4065-BF34-86ED0345A76D}" type="datetime1">
               <a:rPr lang="en-US" smtClean="0"/>
-              <a:t>6/3/2021</a:t>
+              <a:t>6/18/2021</a:t>
             </a:fld>
             <a:endParaRPr lang="da-DK"/>
           </a:p>
@@ -1065,7 +1065,7 @@
           <a:p>
             <a:fld id="{C5669758-3775-48D7-A841-693E908C3BF4}" type="datetime1">
               <a:rPr lang="en-US" smtClean="0"/>
-              <a:t>6/3/2021</a:t>
+              <a:t>6/18/2021</a:t>
             </a:fld>
             <a:endParaRPr lang="da-DK"/>
           </a:p>
@@ -1278,7 +1278,7 @@
           <a:p>
             <a:fld id="{1E0C3FF1-EDBD-4F2A-8366-34A4E3728310}" type="datetime1">
               <a:rPr lang="en-US" smtClean="0"/>
-              <a:t>6/3/2021</a:t>
+              <a:t>6/18/2021</a:t>
             </a:fld>
             <a:endParaRPr lang="da-DK"/>
           </a:p>
@@ -1499,7 +1499,7 @@
           <a:p>
             <a:fld id="{019E29B9-5584-4737-9C98-1B926378C778}" type="datetime1">
               <a:rPr lang="en-US" smtClean="0"/>
-              <a:t>6/3/2021</a:t>
+              <a:t>6/18/2021</a:t>
             </a:fld>
             <a:endParaRPr lang="da-DK"/>
           </a:p>
@@ -1814,7 +1814,7 @@
           <a:p>
             <a:fld id="{FCE38F03-F67D-4508-A858-99FCD085087C}" type="datetime1">
               <a:rPr lang="en-US" smtClean="0"/>
-              <a:t>6/3/2021</a:t>
+              <a:t>6/18/2021</a:t>
             </a:fld>
             <a:endParaRPr lang="da-DK"/>
           </a:p>
@@ -2085,7 +2085,7 @@
           <a:p>
             <a:fld id="{B43F2930-3FFD-4F93-A4BD-4F0D1A0B4514}" type="datetime1">
               <a:rPr lang="en-US" smtClean="0"/>
-              <a:t>6/3/2021</a:t>
+              <a:t>6/18/2021</a:t>
             </a:fld>
             <a:endParaRPr lang="da-DK"/>
           </a:p>
@@ -2503,7 +2503,7 @@
           <a:p>
             <a:fld id="{8E0F9B9B-30CC-4693-8E0F-1A94A979E2C5}" type="datetime1">
               <a:rPr lang="en-US" smtClean="0"/>
-              <a:t>6/3/2021</a:t>
+              <a:t>6/18/2021</a:t>
             </a:fld>
             <a:endParaRPr lang="da-DK"/>
           </a:p>
@@ -2648,7 +2648,7 @@
           <a:p>
             <a:fld id="{6FE1433B-E6A7-44FF-8B55-539471B4D7C5}" type="datetime1">
               <a:rPr lang="en-US" smtClean="0"/>
-              <a:t>6/3/2021</a:t>
+              <a:t>6/18/2021</a:t>
             </a:fld>
             <a:endParaRPr lang="da-DK"/>
           </a:p>
@@ -2764,7 +2764,7 @@
           <a:p>
             <a:fld id="{624F4001-6A8C-42DA-824F-B5CC1375B861}" type="datetime1">
               <a:rPr lang="en-US" smtClean="0"/>
-              <a:t>6/3/2021</a:t>
+              <a:t>6/18/2021</a:t>
             </a:fld>
             <a:endParaRPr lang="da-DK"/>
           </a:p>
@@ -3080,7 +3080,7 @@
           <a:p>
             <a:fld id="{2D3BE137-2C5E-4078-8BA2-7D42D7E67218}" type="datetime1">
               <a:rPr lang="en-US" smtClean="0"/>
-              <a:t>6/3/2021</a:t>
+              <a:t>6/18/2021</a:t>
             </a:fld>
             <a:endParaRPr lang="da-DK"/>
           </a:p>
@@ -3372,7 +3372,7 @@
           <a:p>
             <a:fld id="{0D1436FF-56D3-4E93-92E8-71121EAB120E}" type="datetime1">
               <a:rPr lang="en-US" smtClean="0"/>
-              <a:t>6/3/2021</a:t>
+              <a:t>6/18/2021</a:t>
             </a:fld>
             <a:endParaRPr lang="da-DK"/>
           </a:p>
@@ -3618,7 +3618,7 @@
           <a:p>
             <a:fld id="{16601EF2-4BCA-4009-ACCF-B97F259DEF6F}" type="datetime1">
               <a:rPr lang="en-US" smtClean="0"/>
-              <a:t>6/3/2021</a:t>
+              <a:t>6/18/2021</a:t>
             </a:fld>
             <a:endParaRPr lang="da-DK"/>
           </a:p>
@@ -4305,7 +4305,7 @@
           <a:p>
             <a:fld id="{019E29B9-5584-4737-9C98-1B926378C778}" type="datetime1">
               <a:rPr lang="en-US" smtClean="0"/>
-              <a:t>6/3/2021</a:t>
+              <a:t>6/18/2021</a:t>
             </a:fld>
             <a:endParaRPr lang="da-DK"/>
           </a:p>
@@ -4539,7 +4539,7 @@
           <a:p>
             <a:fld id="{019E29B9-5584-4737-9C98-1B926378C778}" type="datetime1">
               <a:rPr lang="en-US" smtClean="0"/>
-              <a:t>6/3/2021</a:t>
+              <a:t>6/18/2021</a:t>
             </a:fld>
             <a:endParaRPr lang="da-DK"/>
           </a:p>
@@ -4932,7 +4932,7 @@
           <a:p>
             <a:fld id="{019E29B9-5584-4737-9C98-1B926378C778}" type="datetime1">
               <a:rPr lang="en-US" smtClean="0"/>
-              <a:t>6/3/2021</a:t>
+              <a:t>6/18/2021</a:t>
             </a:fld>
             <a:endParaRPr lang="da-DK"/>
           </a:p>
@@ -5084,7 +5084,7 @@
           <a:p>
             <a:r>
               <a:rPr lang="da-DK" dirty="0"/>
-              <a:t>Hyperparameter fremework </a:t>
+              <a:t>Hyperparameter framework </a:t>
             </a:r>
           </a:p>
         </p:txBody>
@@ -5207,7 +5207,7 @@
           <a:p>
             <a:fld id="{019E29B9-5584-4737-9C98-1B926378C778}" type="datetime1">
               <a:rPr lang="en-US" smtClean="0"/>
-              <a:t>6/3/2021</a:t>
+              <a:t>6/18/2021</a:t>
             </a:fld>
             <a:endParaRPr lang="da-DK"/>
           </a:p>
@@ -5392,7 +5392,7 @@
             </a:pPr>
             <a:r>
               <a:rPr lang="da-DK" dirty="0"/>
-              <a:t>Sample hyperparameters in a smart fashion, taken into account the function values we have already seen</a:t>
+              <a:t>Samples hyperparameters in a smart fashion that takes into account the function values we have already seen</a:t>
             </a:r>
           </a:p>
           <a:p>
@@ -5474,7 +5474,7 @@
           <a:p>
             <a:fld id="{019E29B9-5584-4737-9C98-1B926378C778}" type="datetime1">
               <a:rPr lang="en-US" smtClean="0"/>
-              <a:t>6/3/2021</a:t>
+              <a:t>6/18/2021</a:t>
             </a:fld>
             <a:endParaRPr lang="da-DK"/>
           </a:p>
@@ -5742,7 +5742,7 @@
           <a:p>
             <a:fld id="{019E29B9-5584-4737-9C98-1B926378C778}" type="datetime1">
               <a:rPr lang="en-US" smtClean="0"/>
-              <a:t>6/3/2021</a:t>
+              <a:t>6/18/2021</a:t>
             </a:fld>
             <a:endParaRPr lang="da-DK"/>
           </a:p>
@@ -5957,7 +5957,7 @@
           <a:p>
             <a:fld id="{019E29B9-5584-4737-9C98-1B926378C778}" type="datetime1">
               <a:rPr lang="en-US" smtClean="0"/>
-              <a:t>6/3/2021</a:t>
+              <a:t>6/18/2021</a:t>
             </a:fld>
             <a:endParaRPr lang="da-DK"/>
           </a:p>
@@ -6198,7 +6198,7 @@
           <a:p>
             <a:fld id="{019E29B9-5584-4737-9C98-1B926378C778}" type="datetime1">
               <a:rPr lang="en-US" smtClean="0"/>
-              <a:t>6/3/2021</a:t>
+              <a:t>6/18/2021</a:t>
             </a:fld>
             <a:endParaRPr lang="da-DK"/>
           </a:p>
@@ -6492,7 +6492,7 @@
           <a:p>
             <a:fld id="{019E29B9-5584-4737-9C98-1B926378C778}" type="datetime1">
               <a:rPr lang="en-US" smtClean="0"/>
-              <a:t>6/3/2021</a:t>
+              <a:t>6/18/2021</a:t>
             </a:fld>
             <a:endParaRPr lang="da-DK"/>
           </a:p>
@@ -7070,7 +7070,7 @@
           <a:p>
             <a:fld id="{019E29B9-5584-4737-9C98-1B926378C778}" type="datetime1">
               <a:rPr lang="en-US" smtClean="0"/>
-              <a:t>6/3/2021</a:t>
+              <a:t>6/18/2021</a:t>
             </a:fld>
             <a:endParaRPr lang="da-DK"/>
           </a:p>
@@ -7245,7 +7245,7 @@
           <a:p>
             <a:fld id="{019E29B9-5584-4737-9C98-1B926378C778}" type="datetime1">
               <a:rPr lang="en-US" smtClean="0"/>
-              <a:t>6/3/2021</a:t>
+              <a:t>6/18/2021</a:t>
             </a:fld>
             <a:endParaRPr lang="da-DK"/>
           </a:p>
@@ -7800,7 +7800,7 @@
           <a:p>
             <a:fld id="{019E29B9-5584-4737-9C98-1B926378C778}" type="datetime1">
               <a:rPr lang="en-US" smtClean="0"/>
-              <a:t>6/3/2021</a:t>
+              <a:t>6/18/2021</a:t>
             </a:fld>
             <a:endParaRPr lang="da-DK"/>
           </a:p>
@@ -8683,7 +8683,7 @@
           <a:p>
             <a:fld id="{019E29B9-5584-4737-9C98-1B926378C778}" type="datetime1">
               <a:rPr lang="en-US" smtClean="0"/>
-              <a:t>6/3/2021</a:t>
+              <a:t>6/18/2021</a:t>
             </a:fld>
             <a:endParaRPr lang="da-DK"/>
           </a:p>
@@ -9377,7 +9377,7 @@
           <a:p>
             <a:fld id="{019E29B9-5584-4737-9C98-1B926378C778}" type="datetime1">
               <a:rPr lang="en-US" smtClean="0"/>
-              <a:t>6/3/2021</a:t>
+              <a:t>6/18/2021</a:t>
             </a:fld>
             <a:endParaRPr lang="da-DK"/>
           </a:p>
@@ -9728,7 +9728,7 @@
           <a:p>
             <a:fld id="{019E29B9-5584-4737-9C98-1B926378C778}" type="datetime1">
               <a:rPr lang="en-US" smtClean="0"/>
-              <a:t>6/3/2021</a:t>
+              <a:t>6/18/2021</a:t>
             </a:fld>
             <a:endParaRPr lang="da-DK"/>
           </a:p>
